--- a/Accesorios/REPORTE DE PRÁCTICAS DE ACCESORIOS PARA RADIOCIRUGÍA.pptx
+++ b/Accesorios/REPORTE DE PRÁCTICAS DE ACCESORIOS PARA RADIOCIRUGÍA.pptx
@@ -2,11 +2,15 @@
 <file path=ppt/presentation.xml><?xml version="1.0" encoding="utf-8"?>
 <p:presentation xmlns:a="http://schemas.openxmlformats.org/drawingml/2006/main" xmlns:r="http://schemas.openxmlformats.org/officeDocument/2006/relationships" xmlns:p="http://schemas.openxmlformats.org/presentationml/2006/main" autoCompressPictures="0">
   <p:sldMasterIdLst>
-    <p:sldMasterId id="2147483827" r:id="rId1"/>
+    <p:sldMasterId id="2147483839" r:id="rId1"/>
   </p:sldMasterIdLst>
   <p:sldIdLst>
     <p:sldId id="256" r:id="rId2"/>
-    <p:sldId id="257" r:id="rId3"/>
+    <p:sldId id="259" r:id="rId3"/>
+    <p:sldId id="264" r:id="rId4"/>
+    <p:sldId id="265" r:id="rId5"/>
+    <p:sldId id="266" r:id="rId6"/>
+    <p:sldId id="267" r:id="rId7"/>
   </p:sldIdLst>
   <p:sldSz cx="12192000" cy="6858000"/>
   <p:notesSz cx="6858000" cy="9144000"/>
@@ -105,6 +109,11 @@
       </a:defRPr>
     </a:lvl9pPr>
   </p:defaultTextStyle>
+  <p:extLst>
+    <p:ext uri="{EFAFB233-063F-42B5-8137-9DF3F51BA10A}">
+      <p15:sldGuideLst xmlns:p15="http://schemas.microsoft.com/office/powerpoint/2012/main"/>
+    </p:ext>
+  </p:extLst>
 </p:presentation>
 </file>
 
@@ -438,7 +447,7 @@
     </p:spTree>
     <p:extLst>
       <p:ext uri="{BB962C8B-B14F-4D97-AF65-F5344CB8AC3E}">
-        <p14:creationId xmlns:p14="http://schemas.microsoft.com/office/powerpoint/2010/main" val="4027479429"/>
+        <p14:creationId xmlns:p14="http://schemas.microsoft.com/office/powerpoint/2010/main" val="567301763"/>
       </p:ext>
     </p:extLst>
   </p:cSld>
@@ -670,7 +679,7 @@
     </p:spTree>
     <p:extLst>
       <p:ext uri="{BB962C8B-B14F-4D97-AF65-F5344CB8AC3E}">
-        <p14:creationId xmlns:p14="http://schemas.microsoft.com/office/powerpoint/2010/main" val="4150336652"/>
+        <p14:creationId xmlns:p14="http://schemas.microsoft.com/office/powerpoint/2010/main" val="2431147012"/>
       </p:ext>
     </p:extLst>
   </p:cSld>
@@ -928,7 +937,7 @@
     </p:spTree>
     <p:extLst>
       <p:ext uri="{BB962C8B-B14F-4D97-AF65-F5344CB8AC3E}">
-        <p14:creationId xmlns:p14="http://schemas.microsoft.com/office/powerpoint/2010/main" val="729686120"/>
+        <p14:creationId xmlns:p14="http://schemas.microsoft.com/office/powerpoint/2010/main" val="590194252"/>
       </p:ext>
     </p:extLst>
   </p:cSld>
@@ -1154,7 +1163,7 @@
     </p:spTree>
     <p:extLst>
       <p:ext uri="{BB962C8B-B14F-4D97-AF65-F5344CB8AC3E}">
-        <p14:creationId xmlns:p14="http://schemas.microsoft.com/office/powerpoint/2010/main" val="1147849861"/>
+        <p14:creationId xmlns:p14="http://schemas.microsoft.com/office/powerpoint/2010/main" val="447605139"/>
       </p:ext>
     </p:extLst>
   </p:cSld>
@@ -1480,7 +1489,7 @@
     </p:spTree>
     <p:extLst>
       <p:ext uri="{BB962C8B-B14F-4D97-AF65-F5344CB8AC3E}">
-        <p14:creationId xmlns:p14="http://schemas.microsoft.com/office/powerpoint/2010/main" val="3027498282"/>
+        <p14:creationId xmlns:p14="http://schemas.microsoft.com/office/powerpoint/2010/main" val="1192283537"/>
       </p:ext>
     </p:extLst>
   </p:cSld>
@@ -1762,7 +1771,7 @@
     </p:spTree>
     <p:extLst>
       <p:ext uri="{BB962C8B-B14F-4D97-AF65-F5344CB8AC3E}">
-        <p14:creationId xmlns:p14="http://schemas.microsoft.com/office/powerpoint/2010/main" val="458657300"/>
+        <p14:creationId xmlns:p14="http://schemas.microsoft.com/office/powerpoint/2010/main" val="1716948647"/>
       </p:ext>
     </p:extLst>
   </p:cSld>
@@ -2186,7 +2195,7 @@
     </p:spTree>
     <p:extLst>
       <p:ext uri="{BB962C8B-B14F-4D97-AF65-F5344CB8AC3E}">
-        <p14:creationId xmlns:p14="http://schemas.microsoft.com/office/powerpoint/2010/main" val="2608560344"/>
+        <p14:creationId xmlns:p14="http://schemas.microsoft.com/office/powerpoint/2010/main" val="1896278566"/>
       </p:ext>
     </p:extLst>
   </p:cSld>
@@ -2215,6 +2224,73 @@
       </p:grpSpPr>
       <p:sp>
         <p:nvSpPr>
+          <p:cNvPr id="3" name="Date Placeholder 2"/>
+          <p:cNvSpPr>
+            <a:spLocks noGrp="1"/>
+          </p:cNvSpPr>
+          <p:nvPr>
+            <p:ph type="dt" sz="half" idx="10"/>
+          </p:nvPr>
+        </p:nvSpPr>
+        <p:spPr/>
+        <p:txBody>
+          <a:bodyPr/>
+          <a:lstStyle/>
+          <a:p>
+            <a:fld id="{B61BEF0D-F0BB-DE4B-95CE-6DB70DBA9567}" type="datetimeFigureOut">
+              <a:rPr lang="en-US" smtClean="0"/>
+              <a:pPr/>
+              <a:t>9/30/2024</a:t>
+            </a:fld>
+            <a:endParaRPr lang="en-US" dirty="0"/>
+          </a:p>
+        </p:txBody>
+      </p:sp>
+      <p:sp>
+        <p:nvSpPr>
+          <p:cNvPr id="4" name="Footer Placeholder 3"/>
+          <p:cNvSpPr>
+            <a:spLocks noGrp="1"/>
+          </p:cNvSpPr>
+          <p:nvPr>
+            <p:ph type="ftr" sz="quarter" idx="11"/>
+          </p:nvPr>
+        </p:nvSpPr>
+        <p:spPr/>
+        <p:txBody>
+          <a:bodyPr/>
+          <a:lstStyle/>
+          <a:p>
+            <a:endParaRPr lang="en-US" dirty="0"/>
+          </a:p>
+        </p:txBody>
+      </p:sp>
+      <p:sp>
+        <p:nvSpPr>
+          <p:cNvPr id="5" name="Slide Number Placeholder 4"/>
+          <p:cNvSpPr>
+            <a:spLocks noGrp="1"/>
+          </p:cNvSpPr>
+          <p:nvPr>
+            <p:ph type="sldNum" sz="quarter" idx="12"/>
+          </p:nvPr>
+        </p:nvSpPr>
+        <p:spPr/>
+        <p:txBody>
+          <a:bodyPr/>
+          <a:lstStyle/>
+          <a:p>
+            <a:fld id="{D57F1E4F-1CFF-5643-939E-217C01CDF565}" type="slidenum">
+              <a:rPr lang="en-US" smtClean="0"/>
+              <a:pPr/>
+              <a:t>‹Nº›</a:t>
+            </a:fld>
+            <a:endParaRPr lang="en-US" dirty="0"/>
+          </a:p>
+        </p:txBody>
+      </p:sp>
+      <p:sp>
+        <p:nvSpPr>
           <p:cNvPr id="7" name="Rectangle 6"/>
           <p:cNvSpPr>
             <a:spLocks noChangeAspect="1"/>
@@ -2280,77 +2356,10 @@
           </a:p>
         </p:txBody>
       </p:sp>
-      <p:sp>
-        <p:nvSpPr>
-          <p:cNvPr id="3" name="Date Placeholder 2"/>
-          <p:cNvSpPr>
-            <a:spLocks noGrp="1"/>
-          </p:cNvSpPr>
-          <p:nvPr>
-            <p:ph type="dt" sz="half" idx="10"/>
-          </p:nvPr>
-        </p:nvSpPr>
-        <p:spPr/>
-        <p:txBody>
-          <a:bodyPr/>
-          <a:lstStyle/>
-          <a:p>
-            <a:fld id="{B61BEF0D-F0BB-DE4B-95CE-6DB70DBA9567}" type="datetimeFigureOut">
-              <a:rPr lang="en-US" smtClean="0"/>
-              <a:pPr/>
-              <a:t>9/30/2024</a:t>
-            </a:fld>
-            <a:endParaRPr lang="en-US" dirty="0"/>
-          </a:p>
-        </p:txBody>
-      </p:sp>
-      <p:sp>
-        <p:nvSpPr>
-          <p:cNvPr id="4" name="Footer Placeholder 3"/>
-          <p:cNvSpPr>
-            <a:spLocks noGrp="1"/>
-          </p:cNvSpPr>
-          <p:nvPr>
-            <p:ph type="ftr" sz="quarter" idx="11"/>
-          </p:nvPr>
-        </p:nvSpPr>
-        <p:spPr/>
-        <p:txBody>
-          <a:bodyPr/>
-          <a:lstStyle/>
-          <a:p>
-            <a:endParaRPr lang="en-US" dirty="0"/>
-          </a:p>
-        </p:txBody>
-      </p:sp>
-      <p:sp>
-        <p:nvSpPr>
-          <p:cNvPr id="5" name="Slide Number Placeholder 4"/>
-          <p:cNvSpPr>
-            <a:spLocks noGrp="1"/>
-          </p:cNvSpPr>
-          <p:nvPr>
-            <p:ph type="sldNum" sz="quarter" idx="12"/>
-          </p:nvPr>
-        </p:nvSpPr>
-        <p:spPr/>
-        <p:txBody>
-          <a:bodyPr/>
-          <a:lstStyle/>
-          <a:p>
-            <a:fld id="{D57F1E4F-1CFF-5643-939E-217C01CDF565}" type="slidenum">
-              <a:rPr lang="en-US" smtClean="0"/>
-              <a:pPr/>
-              <a:t>‹Nº›</a:t>
-            </a:fld>
-            <a:endParaRPr lang="en-US" dirty="0"/>
-          </a:p>
-        </p:txBody>
-      </p:sp>
     </p:spTree>
     <p:extLst>
       <p:ext uri="{BB962C8B-B14F-4D97-AF65-F5344CB8AC3E}">
-        <p14:creationId xmlns:p14="http://schemas.microsoft.com/office/powerpoint/2010/main" val="3797458114"/>
+        <p14:creationId xmlns:p14="http://schemas.microsoft.com/office/powerpoint/2010/main" val="1710061119"/>
       </p:ext>
     </p:extLst>
   </p:cSld>
@@ -2447,7 +2456,7 @@
     </p:spTree>
     <p:extLst>
       <p:ext uri="{BB962C8B-B14F-4D97-AF65-F5344CB8AC3E}">
-        <p14:creationId xmlns:p14="http://schemas.microsoft.com/office/powerpoint/2010/main" val="842033136"/>
+        <p14:creationId xmlns:p14="http://schemas.microsoft.com/office/powerpoint/2010/main" val="4103757291"/>
       </p:ext>
     </p:extLst>
   </p:cSld>
@@ -2849,7 +2858,7 @@
     </p:spTree>
     <p:extLst>
       <p:ext uri="{BB962C8B-B14F-4D97-AF65-F5344CB8AC3E}">
-        <p14:creationId xmlns:p14="http://schemas.microsoft.com/office/powerpoint/2010/main" val="2893131754"/>
+        <p14:creationId xmlns:p14="http://schemas.microsoft.com/office/powerpoint/2010/main" val="2668590479"/>
       </p:ext>
     </p:extLst>
   </p:cSld>
@@ -3118,7 +3127,7 @@
     </p:spTree>
     <p:extLst>
       <p:ext uri="{BB962C8B-B14F-4D97-AF65-F5344CB8AC3E}">
-        <p14:creationId xmlns:p14="http://schemas.microsoft.com/office/powerpoint/2010/main" val="704602725"/>
+        <p14:creationId xmlns:p14="http://schemas.microsoft.com/office/powerpoint/2010/main" val="433459198"/>
       </p:ext>
     </p:extLst>
   </p:cSld>
@@ -3474,23 +3483,23 @@
     </p:spTree>
     <p:extLst>
       <p:ext uri="{BB962C8B-B14F-4D97-AF65-F5344CB8AC3E}">
-        <p14:creationId xmlns:p14="http://schemas.microsoft.com/office/powerpoint/2010/main" val="20615102"/>
+        <p14:creationId xmlns:p14="http://schemas.microsoft.com/office/powerpoint/2010/main" val="405781474"/>
       </p:ext>
     </p:extLst>
   </p:cSld>
   <p:clrMap bg1="lt1" tx1="dk1" bg2="lt2" tx2="dk2" accent1="accent1" accent2="accent2" accent3="accent3" accent4="accent4" accent5="accent5" accent6="accent6" hlink="hlink" folHlink="folHlink"/>
   <p:sldLayoutIdLst>
-    <p:sldLayoutId id="2147483828" r:id="rId1"/>
-    <p:sldLayoutId id="2147483829" r:id="rId2"/>
-    <p:sldLayoutId id="2147483830" r:id="rId3"/>
-    <p:sldLayoutId id="2147483831" r:id="rId4"/>
-    <p:sldLayoutId id="2147483832" r:id="rId5"/>
-    <p:sldLayoutId id="2147483833" r:id="rId6"/>
-    <p:sldLayoutId id="2147483834" r:id="rId7"/>
-    <p:sldLayoutId id="2147483835" r:id="rId8"/>
-    <p:sldLayoutId id="2147483836" r:id="rId9"/>
-    <p:sldLayoutId id="2147483837" r:id="rId10"/>
-    <p:sldLayoutId id="2147483838" r:id="rId11"/>
+    <p:sldLayoutId id="2147483840" r:id="rId1"/>
+    <p:sldLayoutId id="2147483841" r:id="rId2"/>
+    <p:sldLayoutId id="2147483842" r:id="rId3"/>
+    <p:sldLayoutId id="2147483843" r:id="rId4"/>
+    <p:sldLayoutId id="2147483844" r:id="rId5"/>
+    <p:sldLayoutId id="2147483845" r:id="rId6"/>
+    <p:sldLayoutId id="2147483846" r:id="rId7"/>
+    <p:sldLayoutId id="2147483847" r:id="rId8"/>
+    <p:sldLayoutId id="2147483848" r:id="rId9"/>
+    <p:sldLayoutId id="2147483849" r:id="rId10"/>
+    <p:sldLayoutId id="2147483850" r:id="rId11"/>
   </p:sldLayoutIdLst>
   <p:txStyles>
     <p:titleStyle>
@@ -3903,7 +3912,13 @@
           <a:lstStyle/>
           <a:p>
             <a:r>
-              <a:rPr lang="es-MX" dirty="0"/>
+              <a:rPr lang="es-MX" dirty="0">
+                <a:solidFill>
+                  <a:schemeClr val="accent6">
+                    <a:lumMod val="50000"/>
+                  </a:schemeClr>
+                </a:solidFill>
+              </a:rPr>
               <a:t>REPORTE DE PRÁCTICAS DE ACCESORIOS PARA RADIOCIRUGÍA</a:t>
             </a:r>
           </a:p>
@@ -3953,7 +3968,13 @@
         </p:nvPicPr>
         <p:blipFill>
           <a:blip r:embed="rId2">
-            <a:lum bright="70000" contrast="-70000"/>
+            <a:duotone>
+              <a:schemeClr val="accent6">
+                <a:shade val="45000"/>
+                <a:satMod val="135000"/>
+              </a:schemeClr>
+              <a:prstClr val="white"/>
+            </a:duotone>
           </a:blip>
           <a:stretch>
             <a:fillRect/>
@@ -3979,12 +4000,32 @@
   <p:clrMapOvr>
     <a:masterClrMapping/>
   </p:clrMapOvr>
+  <mc:AlternateContent xmlns:mc="http://schemas.openxmlformats.org/markup-compatibility/2006">
+    <mc:Choice xmlns:p14="http://schemas.microsoft.com/office/powerpoint/2010/main" Requires="p14">
+      <p:transition spd="med" p14:dur="700">
+        <p:fade/>
+      </p:transition>
+    </mc:Choice>
+    <mc:Fallback>
+      <p:transition spd="med">
+        <p:fade/>
+      </p:transition>
+    </mc:Fallback>
+  </mc:AlternateContent>
 </p:sld>
 </file>
 
 <file path=ppt/slides/slide2.xml><?xml version="1.0" encoding="utf-8"?>
 <p:sld xmlns:a="http://schemas.openxmlformats.org/drawingml/2006/main" xmlns:r="http://schemas.openxmlformats.org/officeDocument/2006/relationships" xmlns:p="http://schemas.openxmlformats.org/presentationml/2006/main">
   <p:cSld>
+    <p:bg>
+      <p:bgPr>
+        <a:solidFill>
+          <a:schemeClr val="bg1"/>
+        </a:solidFill>
+        <a:effectLst/>
+      </p:bgPr>
+    </p:bg>
     <p:spTree>
       <p:nvGrpSpPr>
         <p:cNvPr id="1" name=""/>
@@ -3999,73 +4040,6086 @@
           <a:chExt cx="0" cy="0"/>
         </a:xfrm>
       </p:grpSpPr>
-      <p:sp>
-        <p:nvSpPr>
-          <p:cNvPr id="2" name="Título 1">
+      <p:grpSp>
+        <p:nvGrpSpPr>
+          <p:cNvPr id="22" name="Grupo 21">
             <a:extLst>
               <a:ext uri="{FF2B5EF4-FFF2-40B4-BE49-F238E27FC236}">
-                <a16:creationId xmlns:a16="http://schemas.microsoft.com/office/drawing/2014/main" id="{47420F99-E15C-A69B-49C5-9DCFBF03AF32}"/>
+                <a16:creationId xmlns:a16="http://schemas.microsoft.com/office/drawing/2014/main" id="{582D7BC1-E789-6F27-0CF7-33DC475E5790}"/>
               </a:ext>
             </a:extLst>
           </p:cNvPr>
-          <p:cNvSpPr>
-            <a:spLocks noGrp="1"/>
-          </p:cNvSpPr>
-          <p:nvPr>
-            <p:ph type="title"/>
-          </p:nvPr>
-        </p:nvSpPr>
-        <p:spPr/>
-        <p:txBody>
-          <a:bodyPr/>
-          <a:lstStyle/>
-          <a:p>
-            <a:endParaRPr lang="es-MX"/>
-          </a:p>
-        </p:txBody>
-      </p:sp>
-      <p:sp>
-        <p:nvSpPr>
-          <p:cNvPr id="3" name="Marcador de contenido 2">
+          <p:cNvGrpSpPr/>
+          <p:nvPr/>
+        </p:nvGrpSpPr>
+        <p:grpSpPr>
+          <a:xfrm>
+            <a:off x="835377" y="0"/>
+            <a:ext cx="4100689" cy="6858000"/>
+            <a:chOff x="835377" y="0"/>
+            <a:chExt cx="4100689" cy="6858000"/>
+          </a:xfrm>
+          <a:solidFill>
+            <a:schemeClr val="accent1">
+              <a:lumMod val="10000"/>
+              <a:lumOff val="90000"/>
+            </a:schemeClr>
+          </a:solidFill>
+        </p:grpSpPr>
+        <p:sp>
+          <p:nvSpPr>
+            <p:cNvPr id="7" name="Rectángulo: esquinas redondeadas 6">
+              <a:extLst>
+                <a:ext uri="{FF2B5EF4-FFF2-40B4-BE49-F238E27FC236}">
+                  <a16:creationId xmlns:a16="http://schemas.microsoft.com/office/drawing/2014/main" id="{9BFC0573-6232-92BC-FE07-B4312DD4187E}"/>
+                </a:ext>
+              </a:extLst>
+            </p:cNvPr>
+            <p:cNvSpPr/>
+            <p:nvPr/>
+          </p:nvSpPr>
+          <p:spPr>
+            <a:xfrm>
+              <a:off x="835377" y="0"/>
+              <a:ext cx="3781778" cy="6858000"/>
+            </a:xfrm>
+            <a:prstGeom prst="roundRect">
+              <a:avLst/>
+            </a:prstGeom>
+            <a:grpFill/>
+            <a:ln>
+              <a:noFill/>
+            </a:ln>
+          </p:spPr>
+          <p:style>
+            <a:lnRef idx="2">
+              <a:schemeClr val="accent4">
+                <a:shade val="15000"/>
+              </a:schemeClr>
+            </a:lnRef>
+            <a:fillRef idx="1">
+              <a:schemeClr val="accent4"/>
+            </a:fillRef>
+            <a:effectRef idx="0">
+              <a:schemeClr val="accent4"/>
+            </a:effectRef>
+            <a:fontRef idx="minor">
+              <a:schemeClr val="lt1"/>
+            </a:fontRef>
+          </p:style>
+          <p:txBody>
+            <a:bodyPr rtlCol="0" anchor="ctr"/>
+            <a:lstStyle/>
+            <a:p>
+              <a:pPr algn="ctr"/>
+              <a:endParaRPr lang="es-MX"/>
+            </a:p>
+          </p:txBody>
+        </p:sp>
+        <p:sp>
+          <p:nvSpPr>
+            <p:cNvPr id="14" name="Rectángulo: esquinas redondeadas 13">
+              <a:extLst>
+                <a:ext uri="{FF2B5EF4-FFF2-40B4-BE49-F238E27FC236}">
+                  <a16:creationId xmlns:a16="http://schemas.microsoft.com/office/drawing/2014/main" id="{B3B138C9-EC44-DB10-C3BE-C7C6686B1CA2}"/>
+                </a:ext>
+              </a:extLst>
+            </p:cNvPr>
+            <p:cNvSpPr/>
+            <p:nvPr/>
+          </p:nvSpPr>
+          <p:spPr>
+            <a:xfrm>
+              <a:off x="4298242" y="745068"/>
+              <a:ext cx="637824" cy="699911"/>
+            </a:xfrm>
+            <a:prstGeom prst="roundRect">
+              <a:avLst/>
+            </a:prstGeom>
+            <a:grpFill/>
+            <a:ln>
+              <a:noFill/>
+            </a:ln>
+          </p:spPr>
+          <p:style>
+            <a:lnRef idx="2">
+              <a:schemeClr val="accent4">
+                <a:shade val="15000"/>
+              </a:schemeClr>
+            </a:lnRef>
+            <a:fillRef idx="1">
+              <a:schemeClr val="accent4"/>
+            </a:fillRef>
+            <a:effectRef idx="0">
+              <a:schemeClr val="accent4"/>
+            </a:effectRef>
+            <a:fontRef idx="minor">
+              <a:schemeClr val="lt1"/>
+            </a:fontRef>
+          </p:style>
+          <p:txBody>
+            <a:bodyPr rtlCol="0" anchor="ctr"/>
+            <a:lstStyle/>
+            <a:p>
+              <a:pPr algn="ctr"/>
+              <a:endParaRPr lang="es-MX"/>
+            </a:p>
+          </p:txBody>
+        </p:sp>
+      </p:grpSp>
+      <p:grpSp>
+        <p:nvGrpSpPr>
+          <p:cNvPr id="21" name="Grupo 20">
             <a:extLst>
               <a:ext uri="{FF2B5EF4-FFF2-40B4-BE49-F238E27FC236}">
-                <a16:creationId xmlns:a16="http://schemas.microsoft.com/office/drawing/2014/main" id="{CBC0D591-EF58-41A8-7434-40993F208793}"/>
+                <a16:creationId xmlns:a16="http://schemas.microsoft.com/office/drawing/2014/main" id="{4823467F-8482-47F6-4FE8-83BF9A83C585}"/>
               </a:ext>
             </a:extLst>
           </p:cNvPr>
-          <p:cNvSpPr>
-            <a:spLocks noGrp="1"/>
+          <p:cNvGrpSpPr/>
+          <p:nvPr/>
+        </p:nvGrpSpPr>
+        <p:grpSpPr>
+          <a:xfrm>
+            <a:off x="340547" y="0"/>
+            <a:ext cx="4106177" cy="6858000"/>
+            <a:chOff x="340547" y="0"/>
+            <a:chExt cx="4106177" cy="6858000"/>
+          </a:xfrm>
+        </p:grpSpPr>
+        <p:sp>
+          <p:nvSpPr>
+            <p:cNvPr id="8" name="Rectángulo: esquinas redondeadas 7">
+              <a:extLst>
+                <a:ext uri="{FF2B5EF4-FFF2-40B4-BE49-F238E27FC236}">
+                  <a16:creationId xmlns:a16="http://schemas.microsoft.com/office/drawing/2014/main" id="{E09FD300-7731-912F-C669-5032817EF110}"/>
+                </a:ext>
+              </a:extLst>
+            </p:cNvPr>
+            <p:cNvSpPr/>
+            <p:nvPr/>
+          </p:nvSpPr>
+          <p:spPr>
+            <a:xfrm>
+              <a:off x="340547" y="0"/>
+              <a:ext cx="3781778" cy="6858000"/>
+            </a:xfrm>
+            <a:prstGeom prst="roundRect">
+              <a:avLst/>
+            </a:prstGeom>
+            <a:ln>
+              <a:noFill/>
+            </a:ln>
+          </p:spPr>
+          <p:style>
+            <a:lnRef idx="2">
+              <a:schemeClr val="accent3">
+                <a:shade val="15000"/>
+              </a:schemeClr>
+            </a:lnRef>
+            <a:fillRef idx="1">
+              <a:schemeClr val="accent3"/>
+            </a:fillRef>
+            <a:effectRef idx="0">
+              <a:schemeClr val="accent3"/>
+            </a:effectRef>
+            <a:fontRef idx="minor">
+              <a:schemeClr val="lt1"/>
+            </a:fontRef>
+          </p:style>
+          <p:txBody>
+            <a:bodyPr rtlCol="0" anchor="ctr"/>
+            <a:lstStyle/>
+            <a:p>
+              <a:pPr algn="ctr"/>
+              <a:endParaRPr lang="es-MX"/>
+            </a:p>
+          </p:txBody>
+        </p:sp>
+        <p:sp>
+          <p:nvSpPr>
+            <p:cNvPr id="15" name="Rectángulo: esquinas redondeadas 14">
+              <a:extLst>
+                <a:ext uri="{FF2B5EF4-FFF2-40B4-BE49-F238E27FC236}">
+                  <a16:creationId xmlns:a16="http://schemas.microsoft.com/office/drawing/2014/main" id="{239EF5F5-E6C2-2FFA-6DE3-F278A41111F0}"/>
+                </a:ext>
+              </a:extLst>
+            </p:cNvPr>
+            <p:cNvSpPr/>
+            <p:nvPr/>
+          </p:nvSpPr>
+          <p:spPr>
+            <a:xfrm>
+              <a:off x="3808900" y="1639712"/>
+              <a:ext cx="637824" cy="699911"/>
+            </a:xfrm>
+            <a:prstGeom prst="roundRect">
+              <a:avLst/>
+            </a:prstGeom>
+            <a:ln>
+              <a:noFill/>
+            </a:ln>
+          </p:spPr>
+          <p:style>
+            <a:lnRef idx="2">
+              <a:schemeClr val="accent3">
+                <a:shade val="15000"/>
+              </a:schemeClr>
+            </a:lnRef>
+            <a:fillRef idx="1">
+              <a:schemeClr val="accent3"/>
+            </a:fillRef>
+            <a:effectRef idx="0">
+              <a:schemeClr val="accent3"/>
+            </a:effectRef>
+            <a:fontRef idx="minor">
+              <a:schemeClr val="lt1"/>
+            </a:fontRef>
+          </p:style>
+          <p:txBody>
+            <a:bodyPr rtlCol="0" anchor="ctr"/>
+            <a:lstStyle/>
+            <a:p>
+              <a:pPr algn="ctr"/>
+              <a:endParaRPr lang="es-MX"/>
+            </a:p>
+          </p:txBody>
+        </p:sp>
+      </p:grpSp>
+      <p:grpSp>
+        <p:nvGrpSpPr>
+          <p:cNvPr id="20" name="Grupo 19">
+            <a:extLst>
+              <a:ext uri="{FF2B5EF4-FFF2-40B4-BE49-F238E27FC236}">
+                <a16:creationId xmlns:a16="http://schemas.microsoft.com/office/drawing/2014/main" id="{3FC59BB5-D8F4-415F-7B5A-08237D77B2CB}"/>
+              </a:ext>
+            </a:extLst>
+          </p:cNvPr>
+          <p:cNvGrpSpPr/>
+          <p:nvPr/>
+        </p:nvGrpSpPr>
+        <p:grpSpPr>
+          <a:xfrm>
+            <a:off x="-154282" y="0"/>
+            <a:ext cx="4111664" cy="6858000"/>
+            <a:chOff x="-154282" y="0"/>
+            <a:chExt cx="4111664" cy="6858000"/>
+          </a:xfrm>
+        </p:grpSpPr>
+        <p:sp>
+          <p:nvSpPr>
+            <p:cNvPr id="9" name="Rectángulo: esquinas redondeadas 8">
+              <a:extLst>
+                <a:ext uri="{FF2B5EF4-FFF2-40B4-BE49-F238E27FC236}">
+                  <a16:creationId xmlns:a16="http://schemas.microsoft.com/office/drawing/2014/main" id="{3B37CB4E-F178-8E26-5EE6-F061FE316C6A}"/>
+                </a:ext>
+              </a:extLst>
+            </p:cNvPr>
+            <p:cNvSpPr/>
+            <p:nvPr/>
+          </p:nvSpPr>
+          <p:spPr>
+            <a:xfrm>
+              <a:off x="-154282" y="0"/>
+              <a:ext cx="3781778" cy="6858000"/>
+            </a:xfrm>
+            <a:prstGeom prst="roundRect">
+              <a:avLst/>
+            </a:prstGeom>
+            <a:ln>
+              <a:noFill/>
+            </a:ln>
+          </p:spPr>
+          <p:style>
+            <a:lnRef idx="2">
+              <a:schemeClr val="accent2">
+                <a:shade val="15000"/>
+              </a:schemeClr>
+            </a:lnRef>
+            <a:fillRef idx="1">
+              <a:schemeClr val="accent2"/>
+            </a:fillRef>
+            <a:effectRef idx="0">
+              <a:schemeClr val="accent2"/>
+            </a:effectRef>
+            <a:fontRef idx="minor">
+              <a:schemeClr val="lt1"/>
+            </a:fontRef>
+          </p:style>
+          <p:txBody>
+            <a:bodyPr rtlCol="0" anchor="ctr"/>
+            <a:lstStyle/>
+            <a:p>
+              <a:pPr algn="ctr"/>
+              <a:endParaRPr lang="es-MX"/>
+            </a:p>
+          </p:txBody>
+        </p:sp>
+        <p:sp>
+          <p:nvSpPr>
+            <p:cNvPr id="16" name="Rectángulo: esquinas redondeadas 15">
+              <a:extLst>
+                <a:ext uri="{FF2B5EF4-FFF2-40B4-BE49-F238E27FC236}">
+                  <a16:creationId xmlns:a16="http://schemas.microsoft.com/office/drawing/2014/main" id="{CC2E6CFE-6BAC-6C20-684A-2583C030ADE6}"/>
+                </a:ext>
+              </a:extLst>
+            </p:cNvPr>
+            <p:cNvSpPr/>
+            <p:nvPr/>
+          </p:nvSpPr>
+          <p:spPr>
+            <a:xfrm>
+              <a:off x="3319558" y="2534356"/>
+              <a:ext cx="637824" cy="699911"/>
+            </a:xfrm>
+            <a:prstGeom prst="roundRect">
+              <a:avLst/>
+            </a:prstGeom>
+            <a:ln>
+              <a:noFill/>
+            </a:ln>
+          </p:spPr>
+          <p:style>
+            <a:lnRef idx="2">
+              <a:schemeClr val="accent2">
+                <a:shade val="15000"/>
+              </a:schemeClr>
+            </a:lnRef>
+            <a:fillRef idx="1">
+              <a:schemeClr val="accent2"/>
+            </a:fillRef>
+            <a:effectRef idx="0">
+              <a:schemeClr val="accent2"/>
+            </a:effectRef>
+            <a:fontRef idx="minor">
+              <a:schemeClr val="lt1"/>
+            </a:fontRef>
+          </p:style>
+          <p:txBody>
+            <a:bodyPr rtlCol="0" anchor="ctr"/>
+            <a:lstStyle/>
+            <a:p>
+              <a:pPr algn="ctr"/>
+              <a:endParaRPr lang="es-MX" dirty="0"/>
+            </a:p>
+          </p:txBody>
+        </p:sp>
+      </p:grpSp>
+      <p:grpSp>
+        <p:nvGrpSpPr>
+          <p:cNvPr id="19" name="Grupo 18">
+            <a:extLst>
+              <a:ext uri="{FF2B5EF4-FFF2-40B4-BE49-F238E27FC236}">
+                <a16:creationId xmlns:a16="http://schemas.microsoft.com/office/drawing/2014/main" id="{16AA2F68-2133-D497-6736-79EEA97182EC}"/>
+              </a:ext>
+            </a:extLst>
+          </p:cNvPr>
+          <p:cNvGrpSpPr/>
+          <p:nvPr/>
+        </p:nvGrpSpPr>
+        <p:grpSpPr>
+          <a:xfrm>
+            <a:off x="-649111" y="0"/>
+            <a:ext cx="4117151" cy="6858000"/>
+            <a:chOff x="-649111" y="0"/>
+            <a:chExt cx="4117151" cy="6858000"/>
+          </a:xfrm>
+        </p:grpSpPr>
+        <p:sp>
+          <p:nvSpPr>
+            <p:cNvPr id="10" name="Rectángulo: esquinas redondeadas 9">
+              <a:extLst>
+                <a:ext uri="{FF2B5EF4-FFF2-40B4-BE49-F238E27FC236}">
+                  <a16:creationId xmlns:a16="http://schemas.microsoft.com/office/drawing/2014/main" id="{7C406D7E-6005-C9AA-2890-5D7022EAAF4B}"/>
+                </a:ext>
+              </a:extLst>
+            </p:cNvPr>
+            <p:cNvSpPr/>
+            <p:nvPr/>
+          </p:nvSpPr>
+          <p:spPr>
+            <a:xfrm>
+              <a:off x="-649111" y="0"/>
+              <a:ext cx="3781778" cy="6858000"/>
+            </a:xfrm>
+            <a:prstGeom prst="roundRect">
+              <a:avLst/>
+            </a:prstGeom>
+            <a:ln>
+              <a:noFill/>
+            </a:ln>
+          </p:spPr>
+          <p:style>
+            <a:lnRef idx="2">
+              <a:schemeClr val="accent1">
+                <a:shade val="15000"/>
+              </a:schemeClr>
+            </a:lnRef>
+            <a:fillRef idx="1">
+              <a:schemeClr val="accent1"/>
+            </a:fillRef>
+            <a:effectRef idx="0">
+              <a:schemeClr val="accent1"/>
+            </a:effectRef>
+            <a:fontRef idx="minor">
+              <a:schemeClr val="lt1"/>
+            </a:fontRef>
+          </p:style>
+          <p:txBody>
+            <a:bodyPr rtlCol="0" anchor="ctr"/>
+            <a:lstStyle/>
+            <a:p>
+              <a:pPr algn="ctr"/>
+              <a:endParaRPr lang="es-MX"/>
+            </a:p>
+          </p:txBody>
+        </p:sp>
+        <p:sp>
+          <p:nvSpPr>
+            <p:cNvPr id="17" name="Rectángulo: esquinas redondeadas 16">
+              <a:extLst>
+                <a:ext uri="{FF2B5EF4-FFF2-40B4-BE49-F238E27FC236}">
+                  <a16:creationId xmlns:a16="http://schemas.microsoft.com/office/drawing/2014/main" id="{6CE9055A-8B12-2B6E-C6C8-76C3BDB0FD64}"/>
+                </a:ext>
+              </a:extLst>
+            </p:cNvPr>
+            <p:cNvSpPr/>
+            <p:nvPr/>
+          </p:nvSpPr>
+          <p:spPr>
+            <a:xfrm>
+              <a:off x="2830216" y="3429000"/>
+              <a:ext cx="637824" cy="699911"/>
+            </a:xfrm>
+            <a:prstGeom prst="roundRect">
+              <a:avLst/>
+            </a:prstGeom>
+            <a:ln>
+              <a:noFill/>
+            </a:ln>
+          </p:spPr>
+          <p:style>
+            <a:lnRef idx="2">
+              <a:schemeClr val="accent1">
+                <a:shade val="15000"/>
+              </a:schemeClr>
+            </a:lnRef>
+            <a:fillRef idx="1">
+              <a:schemeClr val="accent1"/>
+            </a:fillRef>
+            <a:effectRef idx="0">
+              <a:schemeClr val="accent1"/>
+            </a:effectRef>
+            <a:fontRef idx="minor">
+              <a:schemeClr val="lt1"/>
+            </a:fontRef>
+          </p:style>
+          <p:txBody>
+            <a:bodyPr rtlCol="0" anchor="ctr"/>
+            <a:lstStyle/>
+            <a:p>
+              <a:pPr algn="ctr"/>
+              <a:endParaRPr lang="es-MX"/>
+            </a:p>
+          </p:txBody>
+        </p:sp>
+      </p:grpSp>
+      <p:sp>
+        <p:nvSpPr>
+          <p:cNvPr id="23" name="Marcador de contenido 2">
+            <a:extLst>
+              <a:ext uri="{FF2B5EF4-FFF2-40B4-BE49-F238E27FC236}">
+                <a16:creationId xmlns:a16="http://schemas.microsoft.com/office/drawing/2014/main" id="{C2012039-FB76-EB1F-5A7D-AB96B6A94518}"/>
+              </a:ext>
+            </a:extLst>
+          </p:cNvPr>
+          <p:cNvSpPr txBox="1">
+            <a:spLocks/>
           </p:cNvSpPr>
-          <p:nvPr>
-            <p:ph idx="1"/>
-          </p:nvPr>
-        </p:nvSpPr>
-        <p:spPr/>
+          <p:nvPr/>
+        </p:nvSpPr>
+        <p:spPr>
+          <a:xfrm>
+            <a:off x="4936066" y="2043758"/>
+            <a:ext cx="6491297" cy="4170306"/>
+          </a:xfrm>
+          <a:prstGeom prst="rect">
+            <a:avLst/>
+          </a:prstGeom>
+        </p:spPr>
+        <p:txBody>
+          <a:bodyPr>
+            <a:normAutofit fontScale="92500" lnSpcReduction="20000"/>
+          </a:bodyPr>
+          <a:lstStyle>
+            <a:lvl1pPr marL="306000" indent="-306000" algn="l" defTabSz="457200" rtl="0" eaLnBrk="1" latinLnBrk="0" hangingPunct="1">
+              <a:spcBef>
+                <a:spcPct val="20000"/>
+              </a:spcBef>
+              <a:spcAft>
+                <a:spcPts val="600"/>
+              </a:spcAft>
+              <a:buClr>
+                <a:schemeClr val="accent2"/>
+              </a:buClr>
+              <a:buSzPct val="92000"/>
+              <a:buFont typeface="Wingdings 2" panose="05020102010507070707" pitchFamily="18" charset="2"/>
+              <a:buChar char=""/>
+              <a:defRPr sz="1800" kern="1200">
+                <a:solidFill>
+                  <a:schemeClr val="tx2"/>
+                </a:solidFill>
+                <a:latin typeface="+mn-lt"/>
+                <a:ea typeface="+mn-ea"/>
+                <a:cs typeface="+mn-cs"/>
+              </a:defRPr>
+            </a:lvl1pPr>
+            <a:lvl2pPr marL="630000" indent="-306000" algn="l" defTabSz="457200" rtl="0" eaLnBrk="1" latinLnBrk="0" hangingPunct="1">
+              <a:spcBef>
+                <a:spcPct val="20000"/>
+              </a:spcBef>
+              <a:spcAft>
+                <a:spcPts val="600"/>
+              </a:spcAft>
+              <a:buClr>
+                <a:schemeClr val="accent2"/>
+              </a:buClr>
+              <a:buSzPct val="92000"/>
+              <a:buFont typeface="Wingdings 2" panose="05020102010507070707" pitchFamily="18" charset="2"/>
+              <a:buChar char=""/>
+              <a:defRPr sz="1600" kern="1200">
+                <a:solidFill>
+                  <a:schemeClr val="tx2"/>
+                </a:solidFill>
+                <a:latin typeface="+mn-lt"/>
+                <a:ea typeface="+mn-ea"/>
+                <a:cs typeface="+mn-cs"/>
+              </a:defRPr>
+            </a:lvl2pPr>
+            <a:lvl3pPr marL="900000" indent="-270000" algn="l" defTabSz="457200" rtl="0" eaLnBrk="1" latinLnBrk="0" hangingPunct="1">
+              <a:spcBef>
+                <a:spcPct val="20000"/>
+              </a:spcBef>
+              <a:spcAft>
+                <a:spcPts val="600"/>
+              </a:spcAft>
+              <a:buClr>
+                <a:schemeClr val="accent2"/>
+              </a:buClr>
+              <a:buSzPct val="92000"/>
+              <a:buFont typeface="Wingdings 2" panose="05020102010507070707" pitchFamily="18" charset="2"/>
+              <a:buChar char=""/>
+              <a:defRPr sz="1400" kern="1200">
+                <a:solidFill>
+                  <a:schemeClr val="tx2"/>
+                </a:solidFill>
+                <a:latin typeface="+mn-lt"/>
+                <a:ea typeface="+mn-ea"/>
+                <a:cs typeface="+mn-cs"/>
+              </a:defRPr>
+            </a:lvl3pPr>
+            <a:lvl4pPr marL="1242000" indent="-234000" algn="l" defTabSz="457200" rtl="0" eaLnBrk="1" latinLnBrk="0" hangingPunct="1">
+              <a:spcBef>
+                <a:spcPct val="20000"/>
+              </a:spcBef>
+              <a:spcAft>
+                <a:spcPts val="600"/>
+              </a:spcAft>
+              <a:buClr>
+                <a:schemeClr val="accent2"/>
+              </a:buClr>
+              <a:buSzPct val="92000"/>
+              <a:buFont typeface="Wingdings 2" panose="05020102010507070707" pitchFamily="18" charset="2"/>
+              <a:buChar char=""/>
+              <a:defRPr sz="1200" kern="1200">
+                <a:solidFill>
+                  <a:schemeClr val="tx2"/>
+                </a:solidFill>
+                <a:latin typeface="+mn-lt"/>
+                <a:ea typeface="+mn-ea"/>
+                <a:cs typeface="+mn-cs"/>
+              </a:defRPr>
+            </a:lvl4pPr>
+            <a:lvl5pPr marL="1602000" indent="-234000" algn="l" defTabSz="457200" rtl="0" eaLnBrk="1" latinLnBrk="0" hangingPunct="1">
+              <a:spcBef>
+                <a:spcPct val="20000"/>
+              </a:spcBef>
+              <a:spcAft>
+                <a:spcPts val="600"/>
+              </a:spcAft>
+              <a:buClr>
+                <a:schemeClr val="accent2"/>
+              </a:buClr>
+              <a:buSzPct val="92000"/>
+              <a:buFont typeface="Wingdings 2" panose="05020102010507070707" pitchFamily="18" charset="2"/>
+              <a:buChar char=""/>
+              <a:defRPr sz="1200" kern="1200">
+                <a:solidFill>
+                  <a:schemeClr val="tx2"/>
+                </a:solidFill>
+                <a:latin typeface="+mn-lt"/>
+                <a:ea typeface="+mn-ea"/>
+                <a:cs typeface="+mn-cs"/>
+              </a:defRPr>
+            </a:lvl5pPr>
+            <a:lvl6pPr marL="1900000" indent="-228600" algn="l" defTabSz="457200" rtl="0" eaLnBrk="1" latinLnBrk="0" hangingPunct="1">
+              <a:spcBef>
+                <a:spcPct val="20000"/>
+              </a:spcBef>
+              <a:spcAft>
+                <a:spcPts val="600"/>
+              </a:spcAft>
+              <a:buClr>
+                <a:schemeClr val="accent2"/>
+              </a:buClr>
+              <a:buSzPct val="92000"/>
+              <a:buFont typeface="Wingdings 2" panose="05020102010507070707" pitchFamily="18" charset="2"/>
+              <a:buChar char=""/>
+              <a:defRPr sz="1200" kern="1200">
+                <a:solidFill>
+                  <a:schemeClr val="tx2"/>
+                </a:solidFill>
+                <a:latin typeface="+mn-lt"/>
+                <a:ea typeface="+mn-ea"/>
+                <a:cs typeface="+mn-cs"/>
+              </a:defRPr>
+            </a:lvl6pPr>
+            <a:lvl7pPr marL="2200000" indent="-228600" algn="l" defTabSz="457200" rtl="0" eaLnBrk="1" latinLnBrk="0" hangingPunct="1">
+              <a:spcBef>
+                <a:spcPct val="20000"/>
+              </a:spcBef>
+              <a:spcAft>
+                <a:spcPts val="600"/>
+              </a:spcAft>
+              <a:buClr>
+                <a:schemeClr val="accent2"/>
+              </a:buClr>
+              <a:buSzPct val="92000"/>
+              <a:buFont typeface="Wingdings 2" panose="05020102010507070707" pitchFamily="18" charset="2"/>
+              <a:buChar char=""/>
+              <a:defRPr sz="1200" kern="1200">
+                <a:solidFill>
+                  <a:schemeClr val="tx2"/>
+                </a:solidFill>
+                <a:latin typeface="+mn-lt"/>
+                <a:ea typeface="+mn-ea"/>
+                <a:cs typeface="+mn-cs"/>
+              </a:defRPr>
+            </a:lvl7pPr>
+            <a:lvl8pPr marL="2500000" indent="-228600" algn="l" defTabSz="457200" rtl="0" eaLnBrk="1" latinLnBrk="0" hangingPunct="1">
+              <a:spcBef>
+                <a:spcPct val="20000"/>
+              </a:spcBef>
+              <a:spcAft>
+                <a:spcPts val="600"/>
+              </a:spcAft>
+              <a:buClr>
+                <a:schemeClr val="accent2"/>
+              </a:buClr>
+              <a:buSzPct val="92000"/>
+              <a:buFont typeface="Wingdings 2" panose="05020102010507070707" pitchFamily="18" charset="2"/>
+              <a:buChar char=""/>
+              <a:defRPr sz="1200" kern="1200">
+                <a:solidFill>
+                  <a:schemeClr val="tx2"/>
+                </a:solidFill>
+                <a:latin typeface="+mn-lt"/>
+                <a:ea typeface="+mn-ea"/>
+                <a:cs typeface="+mn-cs"/>
+              </a:defRPr>
+            </a:lvl8pPr>
+            <a:lvl9pPr marL="2800000" indent="-228600" algn="l" defTabSz="457200" rtl="0" eaLnBrk="1" latinLnBrk="0" hangingPunct="1">
+              <a:spcBef>
+                <a:spcPct val="20000"/>
+              </a:spcBef>
+              <a:spcAft>
+                <a:spcPts val="600"/>
+              </a:spcAft>
+              <a:buClr>
+                <a:schemeClr val="accent2"/>
+              </a:buClr>
+              <a:buSzPct val="92000"/>
+              <a:buFont typeface="Wingdings 2" panose="05020102010507070707" pitchFamily="18" charset="2"/>
+              <a:buChar char=""/>
+              <a:defRPr sz="1200" kern="1200">
+                <a:solidFill>
+                  <a:schemeClr val="tx2"/>
+                </a:solidFill>
+                <a:latin typeface="+mn-lt"/>
+                <a:ea typeface="+mn-ea"/>
+                <a:cs typeface="+mn-cs"/>
+              </a:defRPr>
+            </a:lvl9pPr>
+          </a:lstStyle>
+          <a:p>
+            <a:pPr algn="just"/>
+            <a:r>
+              <a:rPr lang="es-MX" sz="2400">
+                <a:solidFill>
+                  <a:schemeClr val="tx1"/>
+                </a:solidFill>
+              </a:rPr>
+              <a:t>La radiocirugía es una técnica avanzada que </a:t>
+            </a:r>
+            <a:r>
+              <a:rPr lang="es-MX" sz="2400" b="1">
+                <a:solidFill>
+                  <a:schemeClr val="tx1"/>
+                </a:solidFill>
+              </a:rPr>
+              <a:t>utiliza altas dosis de radiación para tratar tumores y otras anomalías sin necesidad de incisiones quirúrgicas</a:t>
+            </a:r>
+            <a:r>
+              <a:rPr lang="es-MX" sz="2400">
+                <a:solidFill>
+                  <a:schemeClr val="tx1"/>
+                </a:solidFill>
+              </a:rPr>
+              <a:t>. Se basa en la </a:t>
+            </a:r>
+            <a:r>
+              <a:rPr lang="es-MX" sz="2400" b="1">
+                <a:solidFill>
+                  <a:schemeClr val="tx1"/>
+                </a:solidFill>
+              </a:rPr>
+              <a:t>administración precisa de radiación concentrada en un área pequeña</a:t>
+            </a:r>
+            <a:r>
+              <a:rPr lang="es-MX" sz="2400">
+                <a:solidFill>
+                  <a:schemeClr val="tx1"/>
+                </a:solidFill>
+              </a:rPr>
+              <a:t>, lo que permite tratar tejidos afectados minimizando el daño a los tejidos circundantes.</a:t>
+            </a:r>
+          </a:p>
+          <a:p>
+            <a:pPr algn="just"/>
+            <a:r>
+              <a:rPr lang="es-MX" sz="2400">
+                <a:solidFill>
+                  <a:schemeClr val="tx1"/>
+                </a:solidFill>
+              </a:rPr>
+              <a:t>Los </a:t>
+            </a:r>
+            <a:r>
+              <a:rPr lang="es-MX" sz="2400" b="1">
+                <a:solidFill>
+                  <a:schemeClr val="tx1"/>
+                </a:solidFill>
+              </a:rPr>
+              <a:t>accesorios de fijación optimizan la inmovilización del paciente y mejoran la precisión del tratamiento</a:t>
+            </a:r>
+            <a:r>
+              <a:rPr lang="es-MX" sz="2400">
+                <a:solidFill>
+                  <a:schemeClr val="tx1"/>
+                </a:solidFill>
+              </a:rPr>
+              <a:t>, reduciendo errores de posicionamiento y mejorando los resultados clínicos. La correcta elección y uso de estos accesorios es fundamental para garantizar la </a:t>
+            </a:r>
+            <a:r>
+              <a:rPr lang="es-MX" sz="2400" b="1">
+                <a:solidFill>
+                  <a:schemeClr val="tx1"/>
+                </a:solidFill>
+              </a:rPr>
+              <a:t>eficacia del tratamiento y la comodidad del paciente</a:t>
+            </a:r>
+            <a:r>
+              <a:rPr lang="es-MX" sz="2400">
+                <a:solidFill>
+                  <a:schemeClr val="tx1"/>
+                </a:solidFill>
+              </a:rPr>
+              <a:t>.</a:t>
+            </a:r>
+            <a:endParaRPr lang="es-MX" sz="2400" dirty="0">
+              <a:solidFill>
+                <a:schemeClr val="tx1"/>
+              </a:solidFill>
+            </a:endParaRPr>
+          </a:p>
+        </p:txBody>
+      </p:sp>
+      <p:sp>
+        <p:nvSpPr>
+          <p:cNvPr id="27" name="Título 1">
+            <a:extLst>
+              <a:ext uri="{FF2B5EF4-FFF2-40B4-BE49-F238E27FC236}">
+                <a16:creationId xmlns:a16="http://schemas.microsoft.com/office/drawing/2014/main" id="{E42C8D69-5E46-0CDB-BDBD-9EA0BA1C9EEA}"/>
+              </a:ext>
+            </a:extLst>
+          </p:cNvPr>
+          <p:cNvSpPr txBox="1">
+            <a:spLocks/>
+          </p:cNvSpPr>
+          <p:nvPr/>
+        </p:nvSpPr>
+        <p:spPr>
+          <a:xfrm>
+            <a:off x="7080019" y="1149114"/>
+            <a:ext cx="2678290" cy="562200"/>
+          </a:xfrm>
+          <a:prstGeom prst="rect">
+            <a:avLst/>
+          </a:prstGeom>
+        </p:spPr>
         <p:txBody>
           <a:bodyPr/>
-          <a:lstStyle/>
-          <a:p>
-            <a:endParaRPr lang="es-MX"/>
+          <a:lstStyle>
+            <a:lvl1pPr algn="l" defTabSz="457200" rtl="0" eaLnBrk="1" latinLnBrk="0" hangingPunct="1">
+              <a:spcBef>
+                <a:spcPct val="0"/>
+              </a:spcBef>
+              <a:buNone/>
+              <a:defRPr sz="2800" b="0" kern="1200" cap="all">
+                <a:solidFill>
+                  <a:schemeClr val="bg1"/>
+                </a:solidFill>
+                <a:latin typeface="+mj-lt"/>
+                <a:ea typeface="+mj-ea"/>
+                <a:cs typeface="+mj-cs"/>
+              </a:defRPr>
+            </a:lvl1pPr>
+            <a:lvl2pPr eaLnBrk="1" hangingPunct="1">
+              <a:defRPr>
+                <a:solidFill>
+                  <a:schemeClr val="tx2"/>
+                </a:solidFill>
+              </a:defRPr>
+            </a:lvl2pPr>
+            <a:lvl3pPr eaLnBrk="1" hangingPunct="1">
+              <a:defRPr>
+                <a:solidFill>
+                  <a:schemeClr val="tx2"/>
+                </a:solidFill>
+              </a:defRPr>
+            </a:lvl3pPr>
+            <a:lvl4pPr eaLnBrk="1" hangingPunct="1">
+              <a:defRPr>
+                <a:solidFill>
+                  <a:schemeClr val="tx2"/>
+                </a:solidFill>
+              </a:defRPr>
+            </a:lvl4pPr>
+            <a:lvl5pPr eaLnBrk="1" hangingPunct="1">
+              <a:defRPr>
+                <a:solidFill>
+                  <a:schemeClr val="tx2"/>
+                </a:solidFill>
+              </a:defRPr>
+            </a:lvl5pPr>
+            <a:lvl6pPr eaLnBrk="1" hangingPunct="1">
+              <a:defRPr>
+                <a:solidFill>
+                  <a:schemeClr val="tx2"/>
+                </a:solidFill>
+              </a:defRPr>
+            </a:lvl6pPr>
+            <a:lvl7pPr eaLnBrk="1" hangingPunct="1">
+              <a:defRPr>
+                <a:solidFill>
+                  <a:schemeClr val="tx2"/>
+                </a:solidFill>
+              </a:defRPr>
+            </a:lvl7pPr>
+            <a:lvl8pPr eaLnBrk="1" hangingPunct="1">
+              <a:defRPr>
+                <a:solidFill>
+                  <a:schemeClr val="tx2"/>
+                </a:solidFill>
+              </a:defRPr>
+            </a:lvl8pPr>
+            <a:lvl9pPr eaLnBrk="1" hangingPunct="1">
+              <a:defRPr>
+                <a:solidFill>
+                  <a:schemeClr val="tx2"/>
+                </a:solidFill>
+              </a:defRPr>
+            </a:lvl9pPr>
+          </a:lstStyle>
+          <a:p>
+            <a:pPr algn="ctr"/>
+            <a:r>
+              <a:rPr lang="es-MX" dirty="0">
+                <a:solidFill>
+                  <a:schemeClr val="tx1"/>
+                </a:solidFill>
+              </a:rPr>
+              <a:t>justificación</a:t>
+            </a:r>
+          </a:p>
+        </p:txBody>
+      </p:sp>
+      <p:sp>
+        <p:nvSpPr>
+          <p:cNvPr id="31" name="Título 1">
+            <a:extLst>
+              <a:ext uri="{FF2B5EF4-FFF2-40B4-BE49-F238E27FC236}">
+                <a16:creationId xmlns:a16="http://schemas.microsoft.com/office/drawing/2014/main" id="{6703D5F7-377D-B9BA-0733-7DD4745736CF}"/>
+              </a:ext>
+            </a:extLst>
+          </p:cNvPr>
+          <p:cNvSpPr txBox="1">
+            <a:spLocks/>
+          </p:cNvSpPr>
+          <p:nvPr/>
+        </p:nvSpPr>
+        <p:spPr>
+          <a:xfrm rot="16200000">
+            <a:off x="2464269" y="4359627"/>
+            <a:ext cx="3953933" cy="478369"/>
+          </a:xfrm>
+          <a:prstGeom prst="rect">
+            <a:avLst/>
+          </a:prstGeom>
+        </p:spPr>
+        <p:txBody>
+          <a:bodyPr/>
+          <a:lstStyle>
+            <a:lvl1pPr algn="l" defTabSz="457200" rtl="0" eaLnBrk="1" latinLnBrk="0" hangingPunct="1">
+              <a:spcBef>
+                <a:spcPct val="0"/>
+              </a:spcBef>
+              <a:buNone/>
+              <a:defRPr sz="2800" b="0" kern="1200" cap="all">
+                <a:solidFill>
+                  <a:schemeClr val="bg1"/>
+                </a:solidFill>
+                <a:latin typeface="+mj-lt"/>
+                <a:ea typeface="+mj-ea"/>
+                <a:cs typeface="+mj-cs"/>
+              </a:defRPr>
+            </a:lvl1pPr>
+            <a:lvl2pPr eaLnBrk="1" hangingPunct="1">
+              <a:defRPr>
+                <a:solidFill>
+                  <a:schemeClr val="tx2"/>
+                </a:solidFill>
+              </a:defRPr>
+            </a:lvl2pPr>
+            <a:lvl3pPr eaLnBrk="1" hangingPunct="1">
+              <a:defRPr>
+                <a:solidFill>
+                  <a:schemeClr val="tx2"/>
+                </a:solidFill>
+              </a:defRPr>
+            </a:lvl3pPr>
+            <a:lvl4pPr eaLnBrk="1" hangingPunct="1">
+              <a:defRPr>
+                <a:solidFill>
+                  <a:schemeClr val="tx2"/>
+                </a:solidFill>
+              </a:defRPr>
+            </a:lvl4pPr>
+            <a:lvl5pPr eaLnBrk="1" hangingPunct="1">
+              <a:defRPr>
+                <a:solidFill>
+                  <a:schemeClr val="tx2"/>
+                </a:solidFill>
+              </a:defRPr>
+            </a:lvl5pPr>
+            <a:lvl6pPr eaLnBrk="1" hangingPunct="1">
+              <a:defRPr>
+                <a:solidFill>
+                  <a:schemeClr val="tx2"/>
+                </a:solidFill>
+              </a:defRPr>
+            </a:lvl6pPr>
+            <a:lvl7pPr eaLnBrk="1" hangingPunct="1">
+              <a:defRPr>
+                <a:solidFill>
+                  <a:schemeClr val="tx2"/>
+                </a:solidFill>
+              </a:defRPr>
+            </a:lvl7pPr>
+            <a:lvl8pPr eaLnBrk="1" hangingPunct="1">
+              <a:defRPr>
+                <a:solidFill>
+                  <a:schemeClr val="tx2"/>
+                </a:solidFill>
+              </a:defRPr>
+            </a:lvl8pPr>
+            <a:lvl9pPr eaLnBrk="1" hangingPunct="1">
+              <a:defRPr>
+                <a:solidFill>
+                  <a:schemeClr val="tx2"/>
+                </a:solidFill>
+              </a:defRPr>
+            </a:lvl9pPr>
+          </a:lstStyle>
+          <a:p>
+            <a:pPr algn="ctr"/>
+            <a:r>
+              <a:rPr lang="es-MX" sz="2000" dirty="0">
+                <a:solidFill>
+                  <a:schemeClr val="tx1"/>
+                </a:solidFill>
+              </a:rPr>
+              <a:t>Proveedores de accesorios</a:t>
+            </a:r>
+          </a:p>
+        </p:txBody>
+      </p:sp>
+      <p:sp>
+        <p:nvSpPr>
+          <p:cNvPr id="32" name="Título 1">
+            <a:extLst>
+              <a:ext uri="{FF2B5EF4-FFF2-40B4-BE49-F238E27FC236}">
+                <a16:creationId xmlns:a16="http://schemas.microsoft.com/office/drawing/2014/main" id="{9DF98A0E-2B32-D235-8B30-7AF29FFC11FE}"/>
+              </a:ext>
+            </a:extLst>
+          </p:cNvPr>
+          <p:cNvSpPr txBox="1">
+            <a:spLocks/>
+          </p:cNvSpPr>
+          <p:nvPr/>
+        </p:nvSpPr>
+        <p:spPr>
+          <a:xfrm rot="16200000">
+            <a:off x="1946037" y="4476749"/>
+            <a:ext cx="3953933" cy="478369"/>
+          </a:xfrm>
+          <a:prstGeom prst="rect">
+            <a:avLst/>
+          </a:prstGeom>
+        </p:spPr>
+        <p:txBody>
+          <a:bodyPr/>
+          <a:lstStyle>
+            <a:lvl1pPr algn="l" defTabSz="457200" rtl="0" eaLnBrk="1" latinLnBrk="0" hangingPunct="1">
+              <a:spcBef>
+                <a:spcPct val="0"/>
+              </a:spcBef>
+              <a:buNone/>
+              <a:defRPr sz="2800" b="0" kern="1200" cap="all">
+                <a:solidFill>
+                  <a:schemeClr val="bg1"/>
+                </a:solidFill>
+                <a:latin typeface="+mj-lt"/>
+                <a:ea typeface="+mj-ea"/>
+                <a:cs typeface="+mj-cs"/>
+              </a:defRPr>
+            </a:lvl1pPr>
+            <a:lvl2pPr eaLnBrk="1" hangingPunct="1">
+              <a:defRPr>
+                <a:solidFill>
+                  <a:schemeClr val="tx2"/>
+                </a:solidFill>
+              </a:defRPr>
+            </a:lvl2pPr>
+            <a:lvl3pPr eaLnBrk="1" hangingPunct="1">
+              <a:defRPr>
+                <a:solidFill>
+                  <a:schemeClr val="tx2"/>
+                </a:solidFill>
+              </a:defRPr>
+            </a:lvl3pPr>
+            <a:lvl4pPr eaLnBrk="1" hangingPunct="1">
+              <a:defRPr>
+                <a:solidFill>
+                  <a:schemeClr val="tx2"/>
+                </a:solidFill>
+              </a:defRPr>
+            </a:lvl4pPr>
+            <a:lvl5pPr eaLnBrk="1" hangingPunct="1">
+              <a:defRPr>
+                <a:solidFill>
+                  <a:schemeClr val="tx2"/>
+                </a:solidFill>
+              </a:defRPr>
+            </a:lvl5pPr>
+            <a:lvl6pPr eaLnBrk="1" hangingPunct="1">
+              <a:defRPr>
+                <a:solidFill>
+                  <a:schemeClr val="tx2"/>
+                </a:solidFill>
+              </a:defRPr>
+            </a:lvl6pPr>
+            <a:lvl7pPr eaLnBrk="1" hangingPunct="1">
+              <a:defRPr>
+                <a:solidFill>
+                  <a:schemeClr val="tx2"/>
+                </a:solidFill>
+              </a:defRPr>
+            </a:lvl7pPr>
+            <a:lvl8pPr eaLnBrk="1" hangingPunct="1">
+              <a:defRPr>
+                <a:solidFill>
+                  <a:schemeClr val="tx2"/>
+                </a:solidFill>
+              </a:defRPr>
+            </a:lvl8pPr>
+            <a:lvl9pPr eaLnBrk="1" hangingPunct="1">
+              <a:defRPr>
+                <a:solidFill>
+                  <a:schemeClr val="tx2"/>
+                </a:solidFill>
+              </a:defRPr>
+            </a:lvl9pPr>
+          </a:lstStyle>
+          <a:p>
+            <a:pPr algn="ctr"/>
+            <a:r>
+              <a:rPr lang="es-MX" sz="2000" dirty="0">
+                <a:solidFill>
+                  <a:schemeClr val="tx1"/>
+                </a:solidFill>
+              </a:rPr>
+              <a:t>Soporte moldeable</a:t>
+            </a:r>
+          </a:p>
+        </p:txBody>
+      </p:sp>
+      <p:sp>
+        <p:nvSpPr>
+          <p:cNvPr id="33" name="Título 1">
+            <a:extLst>
+              <a:ext uri="{FF2B5EF4-FFF2-40B4-BE49-F238E27FC236}">
+                <a16:creationId xmlns:a16="http://schemas.microsoft.com/office/drawing/2014/main" id="{28C53618-688E-3BC0-1310-14652156E895}"/>
+              </a:ext>
+            </a:extLst>
+          </p:cNvPr>
+          <p:cNvSpPr txBox="1">
+            <a:spLocks/>
+          </p:cNvSpPr>
+          <p:nvPr/>
+        </p:nvSpPr>
+        <p:spPr>
+          <a:xfrm rot="16200000">
+            <a:off x="2544880" y="1933038"/>
+            <a:ext cx="1719782" cy="478369"/>
+          </a:xfrm>
+          <a:prstGeom prst="rect">
+            <a:avLst/>
+          </a:prstGeom>
+        </p:spPr>
+        <p:txBody>
+          <a:bodyPr/>
+          <a:lstStyle>
+            <a:lvl1pPr algn="l" defTabSz="457200" rtl="0" eaLnBrk="1" latinLnBrk="0" hangingPunct="1">
+              <a:spcBef>
+                <a:spcPct val="0"/>
+              </a:spcBef>
+              <a:buNone/>
+              <a:defRPr sz="2800" b="0" kern="1200" cap="all">
+                <a:solidFill>
+                  <a:schemeClr val="bg1"/>
+                </a:solidFill>
+                <a:latin typeface="+mj-lt"/>
+                <a:ea typeface="+mj-ea"/>
+                <a:cs typeface="+mj-cs"/>
+              </a:defRPr>
+            </a:lvl1pPr>
+            <a:lvl2pPr eaLnBrk="1" hangingPunct="1">
+              <a:defRPr>
+                <a:solidFill>
+                  <a:schemeClr val="tx2"/>
+                </a:solidFill>
+              </a:defRPr>
+            </a:lvl2pPr>
+            <a:lvl3pPr eaLnBrk="1" hangingPunct="1">
+              <a:defRPr>
+                <a:solidFill>
+                  <a:schemeClr val="tx2"/>
+                </a:solidFill>
+              </a:defRPr>
+            </a:lvl3pPr>
+            <a:lvl4pPr eaLnBrk="1" hangingPunct="1">
+              <a:defRPr>
+                <a:solidFill>
+                  <a:schemeClr val="tx2"/>
+                </a:solidFill>
+              </a:defRPr>
+            </a:lvl4pPr>
+            <a:lvl5pPr eaLnBrk="1" hangingPunct="1">
+              <a:defRPr>
+                <a:solidFill>
+                  <a:schemeClr val="tx2"/>
+                </a:solidFill>
+              </a:defRPr>
+            </a:lvl5pPr>
+            <a:lvl6pPr eaLnBrk="1" hangingPunct="1">
+              <a:defRPr>
+                <a:solidFill>
+                  <a:schemeClr val="tx2"/>
+                </a:solidFill>
+              </a:defRPr>
+            </a:lvl6pPr>
+            <a:lvl7pPr eaLnBrk="1" hangingPunct="1">
+              <a:defRPr>
+                <a:solidFill>
+                  <a:schemeClr val="tx2"/>
+                </a:solidFill>
+              </a:defRPr>
+            </a:lvl7pPr>
+            <a:lvl8pPr eaLnBrk="1" hangingPunct="1">
+              <a:defRPr>
+                <a:solidFill>
+                  <a:schemeClr val="tx2"/>
+                </a:solidFill>
+              </a:defRPr>
+            </a:lvl8pPr>
+            <a:lvl9pPr eaLnBrk="1" hangingPunct="1">
+              <a:defRPr>
+                <a:solidFill>
+                  <a:schemeClr val="tx2"/>
+                </a:solidFill>
+              </a:defRPr>
+            </a:lvl9pPr>
+          </a:lstStyle>
+          <a:p>
+            <a:pPr algn="ctr"/>
+            <a:r>
+              <a:rPr lang="es-MX" sz="2000" dirty="0" err="1">
+                <a:solidFill>
+                  <a:schemeClr val="tx1"/>
+                </a:solidFill>
+              </a:rPr>
+              <a:t>mordedera</a:t>
+            </a:r>
+            <a:endParaRPr lang="es-MX" sz="2000" dirty="0">
+              <a:solidFill>
+                <a:schemeClr val="tx1"/>
+              </a:solidFill>
+            </a:endParaRPr>
+          </a:p>
+        </p:txBody>
+      </p:sp>
+      <p:sp>
+        <p:nvSpPr>
+          <p:cNvPr id="34" name="Título 1">
+            <a:extLst>
+              <a:ext uri="{FF2B5EF4-FFF2-40B4-BE49-F238E27FC236}">
+                <a16:creationId xmlns:a16="http://schemas.microsoft.com/office/drawing/2014/main" id="{3B75300E-558B-E70B-9547-B57B8A3A927A}"/>
+              </a:ext>
+            </a:extLst>
+          </p:cNvPr>
+          <p:cNvSpPr txBox="1">
+            <a:spLocks/>
+          </p:cNvSpPr>
+          <p:nvPr/>
+        </p:nvSpPr>
+        <p:spPr>
+          <a:xfrm rot="16200000">
+            <a:off x="932976" y="1804573"/>
+            <a:ext cx="3953933" cy="478369"/>
+          </a:xfrm>
+          <a:prstGeom prst="rect">
+            <a:avLst/>
+          </a:prstGeom>
+        </p:spPr>
+        <p:txBody>
+          <a:bodyPr/>
+          <a:lstStyle>
+            <a:lvl1pPr algn="l" defTabSz="457200" rtl="0" eaLnBrk="1" latinLnBrk="0" hangingPunct="1">
+              <a:spcBef>
+                <a:spcPct val="0"/>
+              </a:spcBef>
+              <a:buNone/>
+              <a:defRPr sz="2800" b="0" kern="1200" cap="all">
+                <a:solidFill>
+                  <a:schemeClr val="bg1"/>
+                </a:solidFill>
+                <a:latin typeface="+mj-lt"/>
+                <a:ea typeface="+mj-ea"/>
+                <a:cs typeface="+mj-cs"/>
+              </a:defRPr>
+            </a:lvl1pPr>
+            <a:lvl2pPr eaLnBrk="1" hangingPunct="1">
+              <a:defRPr>
+                <a:solidFill>
+                  <a:schemeClr val="tx2"/>
+                </a:solidFill>
+              </a:defRPr>
+            </a:lvl2pPr>
+            <a:lvl3pPr eaLnBrk="1" hangingPunct="1">
+              <a:defRPr>
+                <a:solidFill>
+                  <a:schemeClr val="tx2"/>
+                </a:solidFill>
+              </a:defRPr>
+            </a:lvl3pPr>
+            <a:lvl4pPr eaLnBrk="1" hangingPunct="1">
+              <a:defRPr>
+                <a:solidFill>
+                  <a:schemeClr val="tx2"/>
+                </a:solidFill>
+              </a:defRPr>
+            </a:lvl4pPr>
+            <a:lvl5pPr eaLnBrk="1" hangingPunct="1">
+              <a:defRPr>
+                <a:solidFill>
+                  <a:schemeClr val="tx2"/>
+                </a:solidFill>
+              </a:defRPr>
+            </a:lvl5pPr>
+            <a:lvl6pPr eaLnBrk="1" hangingPunct="1">
+              <a:defRPr>
+                <a:solidFill>
+                  <a:schemeClr val="tx2"/>
+                </a:solidFill>
+              </a:defRPr>
+            </a:lvl6pPr>
+            <a:lvl7pPr eaLnBrk="1" hangingPunct="1">
+              <a:defRPr>
+                <a:solidFill>
+                  <a:schemeClr val="tx2"/>
+                </a:solidFill>
+              </a:defRPr>
+            </a:lvl7pPr>
+            <a:lvl8pPr eaLnBrk="1" hangingPunct="1">
+              <a:defRPr>
+                <a:solidFill>
+                  <a:schemeClr val="tx2"/>
+                </a:solidFill>
+              </a:defRPr>
+            </a:lvl8pPr>
+            <a:lvl9pPr eaLnBrk="1" hangingPunct="1">
+              <a:defRPr>
+                <a:solidFill>
+                  <a:schemeClr val="tx2"/>
+                </a:solidFill>
+              </a:defRPr>
+            </a:lvl9pPr>
+          </a:lstStyle>
+          <a:p>
+            <a:pPr algn="ctr"/>
+            <a:r>
+              <a:rPr lang="es-MX" sz="2000" dirty="0">
+                <a:solidFill>
+                  <a:schemeClr val="tx1"/>
+                </a:solidFill>
+              </a:rPr>
+              <a:t>Máscara termoplástica</a:t>
+            </a:r>
           </a:p>
         </p:txBody>
       </p:sp>
     </p:spTree>
     <p:extLst>
       <p:ext uri="{BB962C8B-B14F-4D97-AF65-F5344CB8AC3E}">
-        <p14:creationId xmlns:p14="http://schemas.microsoft.com/office/powerpoint/2010/main" val="637327045"/>
+        <p14:creationId xmlns:p14="http://schemas.microsoft.com/office/powerpoint/2010/main" val="1297321"/>
       </p:ext>
     </p:extLst>
   </p:cSld>
   <p:clrMapOvr>
     <a:masterClrMapping/>
   </p:clrMapOvr>
+  <p:transition spd="slow">
+    <p:wipe/>
+  </p:transition>
+</p:sld>
+</file>
+
+<file path=ppt/slides/slide3.xml><?xml version="1.0" encoding="utf-8"?>
+<p:sld xmlns:a="http://schemas.openxmlformats.org/drawingml/2006/main" xmlns:r="http://schemas.openxmlformats.org/officeDocument/2006/relationships" xmlns:p="http://schemas.openxmlformats.org/presentationml/2006/main">
+  <p:cSld>
+    <p:bg>
+      <p:bgPr>
+        <a:solidFill>
+          <a:schemeClr val="bg1"/>
+        </a:solidFill>
+        <a:effectLst/>
+      </p:bgPr>
+    </p:bg>
+    <p:spTree>
+      <p:nvGrpSpPr>
+        <p:cNvPr id="1" name=""/>
+        <p:cNvGrpSpPr/>
+        <p:nvPr/>
+      </p:nvGrpSpPr>
+      <p:grpSpPr>
+        <a:xfrm>
+          <a:off x="0" y="0"/>
+          <a:ext cx="0" cy="0"/>
+          <a:chOff x="0" y="0"/>
+          <a:chExt cx="0" cy="0"/>
+        </a:xfrm>
+      </p:grpSpPr>
+      <p:grpSp>
+        <p:nvGrpSpPr>
+          <p:cNvPr id="22" name="Grupo 21">
+            <a:extLst>
+              <a:ext uri="{FF2B5EF4-FFF2-40B4-BE49-F238E27FC236}">
+                <a16:creationId xmlns:a16="http://schemas.microsoft.com/office/drawing/2014/main" id="{582D7BC1-E789-6F27-0CF7-33DC475E5790}"/>
+              </a:ext>
+            </a:extLst>
+          </p:cNvPr>
+          <p:cNvGrpSpPr/>
+          <p:nvPr/>
+        </p:nvGrpSpPr>
+        <p:grpSpPr>
+          <a:xfrm>
+            <a:off x="835377" y="0"/>
+            <a:ext cx="13606337" cy="6858000"/>
+            <a:chOff x="835377" y="0"/>
+            <a:chExt cx="4100689" cy="6858000"/>
+          </a:xfrm>
+          <a:solidFill>
+            <a:schemeClr val="accent1">
+              <a:lumMod val="10000"/>
+              <a:lumOff val="90000"/>
+            </a:schemeClr>
+          </a:solidFill>
+        </p:grpSpPr>
+        <p:sp>
+          <p:nvSpPr>
+            <p:cNvPr id="7" name="Rectángulo: esquinas redondeadas 6">
+              <a:extLst>
+                <a:ext uri="{FF2B5EF4-FFF2-40B4-BE49-F238E27FC236}">
+                  <a16:creationId xmlns:a16="http://schemas.microsoft.com/office/drawing/2014/main" id="{9BFC0573-6232-92BC-FE07-B4312DD4187E}"/>
+                </a:ext>
+              </a:extLst>
+            </p:cNvPr>
+            <p:cNvSpPr/>
+            <p:nvPr/>
+          </p:nvSpPr>
+          <p:spPr>
+            <a:xfrm>
+              <a:off x="835377" y="0"/>
+              <a:ext cx="3781778" cy="6858000"/>
+            </a:xfrm>
+            <a:prstGeom prst="roundRect">
+              <a:avLst/>
+            </a:prstGeom>
+            <a:grpFill/>
+            <a:ln>
+              <a:noFill/>
+            </a:ln>
+          </p:spPr>
+          <p:style>
+            <a:lnRef idx="2">
+              <a:schemeClr val="accent4">
+                <a:shade val="15000"/>
+              </a:schemeClr>
+            </a:lnRef>
+            <a:fillRef idx="1">
+              <a:schemeClr val="accent4"/>
+            </a:fillRef>
+            <a:effectRef idx="0">
+              <a:schemeClr val="accent4"/>
+            </a:effectRef>
+            <a:fontRef idx="minor">
+              <a:schemeClr val="lt1"/>
+            </a:fontRef>
+          </p:style>
+          <p:txBody>
+            <a:bodyPr rtlCol="0" anchor="ctr"/>
+            <a:lstStyle/>
+            <a:p>
+              <a:pPr algn="ctr"/>
+              <a:endParaRPr lang="es-MX"/>
+            </a:p>
+          </p:txBody>
+        </p:sp>
+        <p:sp>
+          <p:nvSpPr>
+            <p:cNvPr id="14" name="Rectángulo: esquinas redondeadas 13">
+              <a:extLst>
+                <a:ext uri="{FF2B5EF4-FFF2-40B4-BE49-F238E27FC236}">
+                  <a16:creationId xmlns:a16="http://schemas.microsoft.com/office/drawing/2014/main" id="{B3B138C9-EC44-DB10-C3BE-C7C6686B1CA2}"/>
+                </a:ext>
+              </a:extLst>
+            </p:cNvPr>
+            <p:cNvSpPr/>
+            <p:nvPr/>
+          </p:nvSpPr>
+          <p:spPr>
+            <a:xfrm>
+              <a:off x="4298242" y="745068"/>
+              <a:ext cx="637824" cy="699911"/>
+            </a:xfrm>
+            <a:prstGeom prst="roundRect">
+              <a:avLst/>
+            </a:prstGeom>
+            <a:grpFill/>
+            <a:ln>
+              <a:noFill/>
+            </a:ln>
+          </p:spPr>
+          <p:style>
+            <a:lnRef idx="2">
+              <a:schemeClr val="accent4">
+                <a:shade val="15000"/>
+              </a:schemeClr>
+            </a:lnRef>
+            <a:fillRef idx="1">
+              <a:schemeClr val="accent4"/>
+            </a:fillRef>
+            <a:effectRef idx="0">
+              <a:schemeClr val="accent4"/>
+            </a:effectRef>
+            <a:fontRef idx="minor">
+              <a:schemeClr val="lt1"/>
+            </a:fontRef>
+          </p:style>
+          <p:txBody>
+            <a:bodyPr rtlCol="0" anchor="ctr"/>
+            <a:lstStyle/>
+            <a:p>
+              <a:pPr algn="ctr"/>
+              <a:endParaRPr lang="es-MX"/>
+            </a:p>
+          </p:txBody>
+        </p:sp>
+      </p:grpSp>
+      <p:grpSp>
+        <p:nvGrpSpPr>
+          <p:cNvPr id="21" name="Grupo 20">
+            <a:extLst>
+              <a:ext uri="{FF2B5EF4-FFF2-40B4-BE49-F238E27FC236}">
+                <a16:creationId xmlns:a16="http://schemas.microsoft.com/office/drawing/2014/main" id="{4823467F-8482-47F6-4FE8-83BF9A83C585}"/>
+              </a:ext>
+            </a:extLst>
+          </p:cNvPr>
+          <p:cNvGrpSpPr/>
+          <p:nvPr/>
+        </p:nvGrpSpPr>
+        <p:grpSpPr>
+          <a:xfrm>
+            <a:off x="340547" y="0"/>
+            <a:ext cx="4106177" cy="6858000"/>
+            <a:chOff x="340547" y="0"/>
+            <a:chExt cx="4106177" cy="6858000"/>
+          </a:xfrm>
+        </p:grpSpPr>
+        <p:sp>
+          <p:nvSpPr>
+            <p:cNvPr id="8" name="Rectángulo: esquinas redondeadas 7">
+              <a:extLst>
+                <a:ext uri="{FF2B5EF4-FFF2-40B4-BE49-F238E27FC236}">
+                  <a16:creationId xmlns:a16="http://schemas.microsoft.com/office/drawing/2014/main" id="{E09FD300-7731-912F-C669-5032817EF110}"/>
+                </a:ext>
+              </a:extLst>
+            </p:cNvPr>
+            <p:cNvSpPr/>
+            <p:nvPr/>
+          </p:nvSpPr>
+          <p:spPr>
+            <a:xfrm>
+              <a:off x="340547" y="0"/>
+              <a:ext cx="3781778" cy="6858000"/>
+            </a:xfrm>
+            <a:prstGeom prst="roundRect">
+              <a:avLst/>
+            </a:prstGeom>
+            <a:ln>
+              <a:noFill/>
+            </a:ln>
+          </p:spPr>
+          <p:style>
+            <a:lnRef idx="2">
+              <a:schemeClr val="accent3">
+                <a:shade val="15000"/>
+              </a:schemeClr>
+            </a:lnRef>
+            <a:fillRef idx="1">
+              <a:schemeClr val="accent3"/>
+            </a:fillRef>
+            <a:effectRef idx="0">
+              <a:schemeClr val="accent3"/>
+            </a:effectRef>
+            <a:fontRef idx="minor">
+              <a:schemeClr val="lt1"/>
+            </a:fontRef>
+          </p:style>
+          <p:txBody>
+            <a:bodyPr rtlCol="0" anchor="ctr"/>
+            <a:lstStyle/>
+            <a:p>
+              <a:pPr algn="ctr"/>
+              <a:endParaRPr lang="es-MX"/>
+            </a:p>
+          </p:txBody>
+        </p:sp>
+        <p:sp>
+          <p:nvSpPr>
+            <p:cNvPr id="15" name="Rectángulo: esquinas redondeadas 14">
+              <a:extLst>
+                <a:ext uri="{FF2B5EF4-FFF2-40B4-BE49-F238E27FC236}">
+                  <a16:creationId xmlns:a16="http://schemas.microsoft.com/office/drawing/2014/main" id="{239EF5F5-E6C2-2FFA-6DE3-F278A41111F0}"/>
+                </a:ext>
+              </a:extLst>
+            </p:cNvPr>
+            <p:cNvSpPr/>
+            <p:nvPr/>
+          </p:nvSpPr>
+          <p:spPr>
+            <a:xfrm>
+              <a:off x="3808900" y="1639712"/>
+              <a:ext cx="637824" cy="699911"/>
+            </a:xfrm>
+            <a:prstGeom prst="roundRect">
+              <a:avLst/>
+            </a:prstGeom>
+            <a:ln>
+              <a:noFill/>
+            </a:ln>
+          </p:spPr>
+          <p:style>
+            <a:lnRef idx="2">
+              <a:schemeClr val="accent3">
+                <a:shade val="15000"/>
+              </a:schemeClr>
+            </a:lnRef>
+            <a:fillRef idx="1">
+              <a:schemeClr val="accent3"/>
+            </a:fillRef>
+            <a:effectRef idx="0">
+              <a:schemeClr val="accent3"/>
+            </a:effectRef>
+            <a:fontRef idx="minor">
+              <a:schemeClr val="lt1"/>
+            </a:fontRef>
+          </p:style>
+          <p:txBody>
+            <a:bodyPr rtlCol="0" anchor="ctr"/>
+            <a:lstStyle/>
+            <a:p>
+              <a:pPr algn="ctr"/>
+              <a:endParaRPr lang="es-MX"/>
+            </a:p>
+          </p:txBody>
+        </p:sp>
+      </p:grpSp>
+      <p:grpSp>
+        <p:nvGrpSpPr>
+          <p:cNvPr id="20" name="Grupo 19">
+            <a:extLst>
+              <a:ext uri="{FF2B5EF4-FFF2-40B4-BE49-F238E27FC236}">
+                <a16:creationId xmlns:a16="http://schemas.microsoft.com/office/drawing/2014/main" id="{3FC59BB5-D8F4-415F-7B5A-08237D77B2CB}"/>
+              </a:ext>
+            </a:extLst>
+          </p:cNvPr>
+          <p:cNvGrpSpPr/>
+          <p:nvPr/>
+        </p:nvGrpSpPr>
+        <p:grpSpPr>
+          <a:xfrm>
+            <a:off x="-154282" y="0"/>
+            <a:ext cx="4111664" cy="6858000"/>
+            <a:chOff x="-154282" y="0"/>
+            <a:chExt cx="4111664" cy="6858000"/>
+          </a:xfrm>
+        </p:grpSpPr>
+        <p:sp>
+          <p:nvSpPr>
+            <p:cNvPr id="9" name="Rectángulo: esquinas redondeadas 8">
+              <a:extLst>
+                <a:ext uri="{FF2B5EF4-FFF2-40B4-BE49-F238E27FC236}">
+                  <a16:creationId xmlns:a16="http://schemas.microsoft.com/office/drawing/2014/main" id="{3B37CB4E-F178-8E26-5EE6-F061FE316C6A}"/>
+                </a:ext>
+              </a:extLst>
+            </p:cNvPr>
+            <p:cNvSpPr/>
+            <p:nvPr/>
+          </p:nvSpPr>
+          <p:spPr>
+            <a:xfrm>
+              <a:off x="-154282" y="0"/>
+              <a:ext cx="3781778" cy="6858000"/>
+            </a:xfrm>
+            <a:prstGeom prst="roundRect">
+              <a:avLst/>
+            </a:prstGeom>
+            <a:ln>
+              <a:noFill/>
+            </a:ln>
+          </p:spPr>
+          <p:style>
+            <a:lnRef idx="2">
+              <a:schemeClr val="accent2">
+                <a:shade val="15000"/>
+              </a:schemeClr>
+            </a:lnRef>
+            <a:fillRef idx="1">
+              <a:schemeClr val="accent2"/>
+            </a:fillRef>
+            <a:effectRef idx="0">
+              <a:schemeClr val="accent2"/>
+            </a:effectRef>
+            <a:fontRef idx="minor">
+              <a:schemeClr val="lt1"/>
+            </a:fontRef>
+          </p:style>
+          <p:txBody>
+            <a:bodyPr rtlCol="0" anchor="ctr"/>
+            <a:lstStyle/>
+            <a:p>
+              <a:pPr algn="ctr"/>
+              <a:endParaRPr lang="es-MX"/>
+            </a:p>
+          </p:txBody>
+        </p:sp>
+        <p:sp>
+          <p:nvSpPr>
+            <p:cNvPr id="16" name="Rectángulo: esquinas redondeadas 15">
+              <a:extLst>
+                <a:ext uri="{FF2B5EF4-FFF2-40B4-BE49-F238E27FC236}">
+                  <a16:creationId xmlns:a16="http://schemas.microsoft.com/office/drawing/2014/main" id="{CC2E6CFE-6BAC-6C20-684A-2583C030ADE6}"/>
+                </a:ext>
+              </a:extLst>
+            </p:cNvPr>
+            <p:cNvSpPr/>
+            <p:nvPr/>
+          </p:nvSpPr>
+          <p:spPr>
+            <a:xfrm>
+              <a:off x="3319558" y="2534356"/>
+              <a:ext cx="637824" cy="699911"/>
+            </a:xfrm>
+            <a:prstGeom prst="roundRect">
+              <a:avLst/>
+            </a:prstGeom>
+            <a:ln>
+              <a:noFill/>
+            </a:ln>
+          </p:spPr>
+          <p:style>
+            <a:lnRef idx="2">
+              <a:schemeClr val="accent2">
+                <a:shade val="15000"/>
+              </a:schemeClr>
+            </a:lnRef>
+            <a:fillRef idx="1">
+              <a:schemeClr val="accent2"/>
+            </a:fillRef>
+            <a:effectRef idx="0">
+              <a:schemeClr val="accent2"/>
+            </a:effectRef>
+            <a:fontRef idx="minor">
+              <a:schemeClr val="lt1"/>
+            </a:fontRef>
+          </p:style>
+          <p:txBody>
+            <a:bodyPr rtlCol="0" anchor="ctr"/>
+            <a:lstStyle/>
+            <a:p>
+              <a:pPr algn="ctr"/>
+              <a:endParaRPr lang="es-MX" dirty="0"/>
+            </a:p>
+          </p:txBody>
+        </p:sp>
+      </p:grpSp>
+      <p:grpSp>
+        <p:nvGrpSpPr>
+          <p:cNvPr id="19" name="Grupo 18">
+            <a:extLst>
+              <a:ext uri="{FF2B5EF4-FFF2-40B4-BE49-F238E27FC236}">
+                <a16:creationId xmlns:a16="http://schemas.microsoft.com/office/drawing/2014/main" id="{16AA2F68-2133-D497-6736-79EEA97182EC}"/>
+              </a:ext>
+            </a:extLst>
+          </p:cNvPr>
+          <p:cNvGrpSpPr/>
+          <p:nvPr/>
+        </p:nvGrpSpPr>
+        <p:grpSpPr>
+          <a:xfrm>
+            <a:off x="-649111" y="0"/>
+            <a:ext cx="4117151" cy="6858000"/>
+            <a:chOff x="-649111" y="0"/>
+            <a:chExt cx="4117151" cy="6858000"/>
+          </a:xfrm>
+        </p:grpSpPr>
+        <p:sp>
+          <p:nvSpPr>
+            <p:cNvPr id="10" name="Rectángulo: esquinas redondeadas 9">
+              <a:extLst>
+                <a:ext uri="{FF2B5EF4-FFF2-40B4-BE49-F238E27FC236}">
+                  <a16:creationId xmlns:a16="http://schemas.microsoft.com/office/drawing/2014/main" id="{7C406D7E-6005-C9AA-2890-5D7022EAAF4B}"/>
+                </a:ext>
+              </a:extLst>
+            </p:cNvPr>
+            <p:cNvSpPr/>
+            <p:nvPr/>
+          </p:nvSpPr>
+          <p:spPr>
+            <a:xfrm>
+              <a:off x="-649111" y="0"/>
+              <a:ext cx="3781778" cy="6858000"/>
+            </a:xfrm>
+            <a:prstGeom prst="roundRect">
+              <a:avLst/>
+            </a:prstGeom>
+            <a:ln>
+              <a:noFill/>
+            </a:ln>
+          </p:spPr>
+          <p:style>
+            <a:lnRef idx="2">
+              <a:schemeClr val="accent1">
+                <a:shade val="15000"/>
+              </a:schemeClr>
+            </a:lnRef>
+            <a:fillRef idx="1">
+              <a:schemeClr val="accent1"/>
+            </a:fillRef>
+            <a:effectRef idx="0">
+              <a:schemeClr val="accent1"/>
+            </a:effectRef>
+            <a:fontRef idx="minor">
+              <a:schemeClr val="lt1"/>
+            </a:fontRef>
+          </p:style>
+          <p:txBody>
+            <a:bodyPr rtlCol="0" anchor="ctr"/>
+            <a:lstStyle/>
+            <a:p>
+              <a:pPr algn="ctr"/>
+              <a:endParaRPr lang="es-MX"/>
+            </a:p>
+          </p:txBody>
+        </p:sp>
+        <p:sp>
+          <p:nvSpPr>
+            <p:cNvPr id="17" name="Rectángulo: esquinas redondeadas 16">
+              <a:extLst>
+                <a:ext uri="{FF2B5EF4-FFF2-40B4-BE49-F238E27FC236}">
+                  <a16:creationId xmlns:a16="http://schemas.microsoft.com/office/drawing/2014/main" id="{6CE9055A-8B12-2B6E-C6C8-76C3BDB0FD64}"/>
+                </a:ext>
+              </a:extLst>
+            </p:cNvPr>
+            <p:cNvSpPr/>
+            <p:nvPr/>
+          </p:nvSpPr>
+          <p:spPr>
+            <a:xfrm>
+              <a:off x="2830216" y="3429000"/>
+              <a:ext cx="637824" cy="699911"/>
+            </a:xfrm>
+            <a:prstGeom prst="roundRect">
+              <a:avLst/>
+            </a:prstGeom>
+            <a:ln>
+              <a:noFill/>
+            </a:ln>
+          </p:spPr>
+          <p:style>
+            <a:lnRef idx="2">
+              <a:schemeClr val="accent1">
+                <a:shade val="15000"/>
+              </a:schemeClr>
+            </a:lnRef>
+            <a:fillRef idx="1">
+              <a:schemeClr val="accent1"/>
+            </a:fillRef>
+            <a:effectRef idx="0">
+              <a:schemeClr val="accent1"/>
+            </a:effectRef>
+            <a:fontRef idx="minor">
+              <a:schemeClr val="lt1"/>
+            </a:fontRef>
+          </p:style>
+          <p:txBody>
+            <a:bodyPr rtlCol="0" anchor="ctr"/>
+            <a:lstStyle/>
+            <a:p>
+              <a:pPr algn="ctr"/>
+              <a:endParaRPr lang="es-MX"/>
+            </a:p>
+          </p:txBody>
+        </p:sp>
+      </p:grpSp>
+      <p:sp>
+        <p:nvSpPr>
+          <p:cNvPr id="32" name="Título 1">
+            <a:extLst>
+              <a:ext uri="{FF2B5EF4-FFF2-40B4-BE49-F238E27FC236}">
+                <a16:creationId xmlns:a16="http://schemas.microsoft.com/office/drawing/2014/main" id="{9DF98A0E-2B32-D235-8B30-7AF29FFC11FE}"/>
+              </a:ext>
+            </a:extLst>
+          </p:cNvPr>
+          <p:cNvSpPr txBox="1">
+            <a:spLocks/>
+          </p:cNvSpPr>
+          <p:nvPr/>
+        </p:nvSpPr>
+        <p:spPr>
+          <a:xfrm rot="16200000">
+            <a:off x="1946037" y="4476749"/>
+            <a:ext cx="3953933" cy="478369"/>
+          </a:xfrm>
+          <a:prstGeom prst="rect">
+            <a:avLst/>
+          </a:prstGeom>
+        </p:spPr>
+        <p:txBody>
+          <a:bodyPr/>
+          <a:lstStyle>
+            <a:lvl1pPr algn="l" defTabSz="457200" rtl="0" eaLnBrk="1" latinLnBrk="0" hangingPunct="1">
+              <a:spcBef>
+                <a:spcPct val="0"/>
+              </a:spcBef>
+              <a:buNone/>
+              <a:defRPr sz="2800" b="0" kern="1200" cap="all">
+                <a:solidFill>
+                  <a:schemeClr val="bg1"/>
+                </a:solidFill>
+                <a:latin typeface="+mj-lt"/>
+                <a:ea typeface="+mj-ea"/>
+                <a:cs typeface="+mj-cs"/>
+              </a:defRPr>
+            </a:lvl1pPr>
+            <a:lvl2pPr eaLnBrk="1" hangingPunct="1">
+              <a:defRPr>
+                <a:solidFill>
+                  <a:schemeClr val="tx2"/>
+                </a:solidFill>
+              </a:defRPr>
+            </a:lvl2pPr>
+            <a:lvl3pPr eaLnBrk="1" hangingPunct="1">
+              <a:defRPr>
+                <a:solidFill>
+                  <a:schemeClr val="tx2"/>
+                </a:solidFill>
+              </a:defRPr>
+            </a:lvl3pPr>
+            <a:lvl4pPr eaLnBrk="1" hangingPunct="1">
+              <a:defRPr>
+                <a:solidFill>
+                  <a:schemeClr val="tx2"/>
+                </a:solidFill>
+              </a:defRPr>
+            </a:lvl4pPr>
+            <a:lvl5pPr eaLnBrk="1" hangingPunct="1">
+              <a:defRPr>
+                <a:solidFill>
+                  <a:schemeClr val="tx2"/>
+                </a:solidFill>
+              </a:defRPr>
+            </a:lvl5pPr>
+            <a:lvl6pPr eaLnBrk="1" hangingPunct="1">
+              <a:defRPr>
+                <a:solidFill>
+                  <a:schemeClr val="tx2"/>
+                </a:solidFill>
+              </a:defRPr>
+            </a:lvl6pPr>
+            <a:lvl7pPr eaLnBrk="1" hangingPunct="1">
+              <a:defRPr>
+                <a:solidFill>
+                  <a:schemeClr val="tx2"/>
+                </a:solidFill>
+              </a:defRPr>
+            </a:lvl7pPr>
+            <a:lvl8pPr eaLnBrk="1" hangingPunct="1">
+              <a:defRPr>
+                <a:solidFill>
+                  <a:schemeClr val="tx2"/>
+                </a:solidFill>
+              </a:defRPr>
+            </a:lvl8pPr>
+            <a:lvl9pPr eaLnBrk="1" hangingPunct="1">
+              <a:defRPr>
+                <a:solidFill>
+                  <a:schemeClr val="tx2"/>
+                </a:solidFill>
+              </a:defRPr>
+            </a:lvl9pPr>
+          </a:lstStyle>
+          <a:p>
+            <a:pPr algn="ctr"/>
+            <a:r>
+              <a:rPr lang="es-MX" sz="2000" dirty="0">
+                <a:solidFill>
+                  <a:schemeClr val="tx1"/>
+                </a:solidFill>
+              </a:rPr>
+              <a:t>Soporte moldeable</a:t>
+            </a:r>
+          </a:p>
+        </p:txBody>
+      </p:sp>
+      <p:sp>
+        <p:nvSpPr>
+          <p:cNvPr id="33" name="Título 1">
+            <a:extLst>
+              <a:ext uri="{FF2B5EF4-FFF2-40B4-BE49-F238E27FC236}">
+                <a16:creationId xmlns:a16="http://schemas.microsoft.com/office/drawing/2014/main" id="{28C53618-688E-3BC0-1310-14652156E895}"/>
+              </a:ext>
+            </a:extLst>
+          </p:cNvPr>
+          <p:cNvSpPr txBox="1">
+            <a:spLocks/>
+          </p:cNvSpPr>
+          <p:nvPr/>
+        </p:nvSpPr>
+        <p:spPr>
+          <a:xfrm rot="16200000">
+            <a:off x="2544880" y="1933038"/>
+            <a:ext cx="1719782" cy="478369"/>
+          </a:xfrm>
+          <a:prstGeom prst="rect">
+            <a:avLst/>
+          </a:prstGeom>
+        </p:spPr>
+        <p:txBody>
+          <a:bodyPr/>
+          <a:lstStyle>
+            <a:lvl1pPr algn="l" defTabSz="457200" rtl="0" eaLnBrk="1" latinLnBrk="0" hangingPunct="1">
+              <a:spcBef>
+                <a:spcPct val="0"/>
+              </a:spcBef>
+              <a:buNone/>
+              <a:defRPr sz="2800" b="0" kern="1200" cap="all">
+                <a:solidFill>
+                  <a:schemeClr val="bg1"/>
+                </a:solidFill>
+                <a:latin typeface="+mj-lt"/>
+                <a:ea typeface="+mj-ea"/>
+                <a:cs typeface="+mj-cs"/>
+              </a:defRPr>
+            </a:lvl1pPr>
+            <a:lvl2pPr eaLnBrk="1" hangingPunct="1">
+              <a:defRPr>
+                <a:solidFill>
+                  <a:schemeClr val="tx2"/>
+                </a:solidFill>
+              </a:defRPr>
+            </a:lvl2pPr>
+            <a:lvl3pPr eaLnBrk="1" hangingPunct="1">
+              <a:defRPr>
+                <a:solidFill>
+                  <a:schemeClr val="tx2"/>
+                </a:solidFill>
+              </a:defRPr>
+            </a:lvl3pPr>
+            <a:lvl4pPr eaLnBrk="1" hangingPunct="1">
+              <a:defRPr>
+                <a:solidFill>
+                  <a:schemeClr val="tx2"/>
+                </a:solidFill>
+              </a:defRPr>
+            </a:lvl4pPr>
+            <a:lvl5pPr eaLnBrk="1" hangingPunct="1">
+              <a:defRPr>
+                <a:solidFill>
+                  <a:schemeClr val="tx2"/>
+                </a:solidFill>
+              </a:defRPr>
+            </a:lvl5pPr>
+            <a:lvl6pPr eaLnBrk="1" hangingPunct="1">
+              <a:defRPr>
+                <a:solidFill>
+                  <a:schemeClr val="tx2"/>
+                </a:solidFill>
+              </a:defRPr>
+            </a:lvl6pPr>
+            <a:lvl7pPr eaLnBrk="1" hangingPunct="1">
+              <a:defRPr>
+                <a:solidFill>
+                  <a:schemeClr val="tx2"/>
+                </a:solidFill>
+              </a:defRPr>
+            </a:lvl7pPr>
+            <a:lvl8pPr eaLnBrk="1" hangingPunct="1">
+              <a:defRPr>
+                <a:solidFill>
+                  <a:schemeClr val="tx2"/>
+                </a:solidFill>
+              </a:defRPr>
+            </a:lvl8pPr>
+            <a:lvl9pPr eaLnBrk="1" hangingPunct="1">
+              <a:defRPr>
+                <a:solidFill>
+                  <a:schemeClr val="tx2"/>
+                </a:solidFill>
+              </a:defRPr>
+            </a:lvl9pPr>
+          </a:lstStyle>
+          <a:p>
+            <a:pPr algn="ctr"/>
+            <a:r>
+              <a:rPr lang="es-MX" sz="2000" dirty="0" err="1">
+                <a:solidFill>
+                  <a:schemeClr val="tx1"/>
+                </a:solidFill>
+              </a:rPr>
+              <a:t>mordedera</a:t>
+            </a:r>
+            <a:endParaRPr lang="es-MX" sz="2000" dirty="0">
+              <a:solidFill>
+                <a:schemeClr val="tx1"/>
+              </a:solidFill>
+            </a:endParaRPr>
+          </a:p>
+        </p:txBody>
+      </p:sp>
+      <p:sp>
+        <p:nvSpPr>
+          <p:cNvPr id="34" name="Título 1">
+            <a:extLst>
+              <a:ext uri="{FF2B5EF4-FFF2-40B4-BE49-F238E27FC236}">
+                <a16:creationId xmlns:a16="http://schemas.microsoft.com/office/drawing/2014/main" id="{3B75300E-558B-E70B-9547-B57B8A3A927A}"/>
+              </a:ext>
+            </a:extLst>
+          </p:cNvPr>
+          <p:cNvSpPr txBox="1">
+            <a:spLocks/>
+          </p:cNvSpPr>
+          <p:nvPr/>
+        </p:nvSpPr>
+        <p:spPr>
+          <a:xfrm rot="16200000">
+            <a:off x="932976" y="1804573"/>
+            <a:ext cx="3953933" cy="478369"/>
+          </a:xfrm>
+          <a:prstGeom prst="rect">
+            <a:avLst/>
+          </a:prstGeom>
+        </p:spPr>
+        <p:txBody>
+          <a:bodyPr/>
+          <a:lstStyle>
+            <a:lvl1pPr algn="l" defTabSz="457200" rtl="0" eaLnBrk="1" latinLnBrk="0" hangingPunct="1">
+              <a:spcBef>
+                <a:spcPct val="0"/>
+              </a:spcBef>
+              <a:buNone/>
+              <a:defRPr sz="2800" b="0" kern="1200" cap="all">
+                <a:solidFill>
+                  <a:schemeClr val="bg1"/>
+                </a:solidFill>
+                <a:latin typeface="+mj-lt"/>
+                <a:ea typeface="+mj-ea"/>
+                <a:cs typeface="+mj-cs"/>
+              </a:defRPr>
+            </a:lvl1pPr>
+            <a:lvl2pPr eaLnBrk="1" hangingPunct="1">
+              <a:defRPr>
+                <a:solidFill>
+                  <a:schemeClr val="tx2"/>
+                </a:solidFill>
+              </a:defRPr>
+            </a:lvl2pPr>
+            <a:lvl3pPr eaLnBrk="1" hangingPunct="1">
+              <a:defRPr>
+                <a:solidFill>
+                  <a:schemeClr val="tx2"/>
+                </a:solidFill>
+              </a:defRPr>
+            </a:lvl3pPr>
+            <a:lvl4pPr eaLnBrk="1" hangingPunct="1">
+              <a:defRPr>
+                <a:solidFill>
+                  <a:schemeClr val="tx2"/>
+                </a:solidFill>
+              </a:defRPr>
+            </a:lvl4pPr>
+            <a:lvl5pPr eaLnBrk="1" hangingPunct="1">
+              <a:defRPr>
+                <a:solidFill>
+                  <a:schemeClr val="tx2"/>
+                </a:solidFill>
+              </a:defRPr>
+            </a:lvl5pPr>
+            <a:lvl6pPr eaLnBrk="1" hangingPunct="1">
+              <a:defRPr>
+                <a:solidFill>
+                  <a:schemeClr val="tx2"/>
+                </a:solidFill>
+              </a:defRPr>
+            </a:lvl6pPr>
+            <a:lvl7pPr eaLnBrk="1" hangingPunct="1">
+              <a:defRPr>
+                <a:solidFill>
+                  <a:schemeClr val="tx2"/>
+                </a:solidFill>
+              </a:defRPr>
+            </a:lvl7pPr>
+            <a:lvl8pPr eaLnBrk="1" hangingPunct="1">
+              <a:defRPr>
+                <a:solidFill>
+                  <a:schemeClr val="tx2"/>
+                </a:solidFill>
+              </a:defRPr>
+            </a:lvl8pPr>
+            <a:lvl9pPr eaLnBrk="1" hangingPunct="1">
+              <a:defRPr>
+                <a:solidFill>
+                  <a:schemeClr val="tx2"/>
+                </a:solidFill>
+              </a:defRPr>
+            </a:lvl9pPr>
+          </a:lstStyle>
+          <a:p>
+            <a:pPr algn="ctr"/>
+            <a:r>
+              <a:rPr lang="es-MX" sz="2000" dirty="0">
+                <a:solidFill>
+                  <a:schemeClr val="tx1"/>
+                </a:solidFill>
+              </a:rPr>
+              <a:t>Máscara termoplástica</a:t>
+            </a:r>
+          </a:p>
+        </p:txBody>
+      </p:sp>
+      <p:sp>
+        <p:nvSpPr>
+          <p:cNvPr id="2" name="Título 1">
+            <a:extLst>
+              <a:ext uri="{FF2B5EF4-FFF2-40B4-BE49-F238E27FC236}">
+                <a16:creationId xmlns:a16="http://schemas.microsoft.com/office/drawing/2014/main" id="{A075263B-0D22-177D-6EEA-E682E6D9EB4B}"/>
+              </a:ext>
+            </a:extLst>
+          </p:cNvPr>
+          <p:cNvSpPr txBox="1">
+            <a:spLocks/>
+          </p:cNvSpPr>
+          <p:nvPr/>
+        </p:nvSpPr>
+        <p:spPr>
+          <a:xfrm>
+            <a:off x="5103838" y="745068"/>
+            <a:ext cx="6306866" cy="562200"/>
+          </a:xfrm>
+          <a:prstGeom prst="rect">
+            <a:avLst/>
+          </a:prstGeom>
+        </p:spPr>
+        <p:txBody>
+          <a:bodyPr/>
+          <a:lstStyle>
+            <a:lvl1pPr algn="l" defTabSz="457200" rtl="0" eaLnBrk="1" latinLnBrk="0" hangingPunct="1">
+              <a:spcBef>
+                <a:spcPct val="0"/>
+              </a:spcBef>
+              <a:buNone/>
+              <a:defRPr sz="2800" b="0" kern="1200" cap="all">
+                <a:solidFill>
+                  <a:schemeClr val="bg1"/>
+                </a:solidFill>
+                <a:latin typeface="+mj-lt"/>
+                <a:ea typeface="+mj-ea"/>
+                <a:cs typeface="+mj-cs"/>
+              </a:defRPr>
+            </a:lvl1pPr>
+            <a:lvl2pPr eaLnBrk="1" hangingPunct="1">
+              <a:defRPr>
+                <a:solidFill>
+                  <a:schemeClr val="tx2"/>
+                </a:solidFill>
+              </a:defRPr>
+            </a:lvl2pPr>
+            <a:lvl3pPr eaLnBrk="1" hangingPunct="1">
+              <a:defRPr>
+                <a:solidFill>
+                  <a:schemeClr val="tx2"/>
+                </a:solidFill>
+              </a:defRPr>
+            </a:lvl3pPr>
+            <a:lvl4pPr eaLnBrk="1" hangingPunct="1">
+              <a:defRPr>
+                <a:solidFill>
+                  <a:schemeClr val="tx2"/>
+                </a:solidFill>
+              </a:defRPr>
+            </a:lvl4pPr>
+            <a:lvl5pPr eaLnBrk="1" hangingPunct="1">
+              <a:defRPr>
+                <a:solidFill>
+                  <a:schemeClr val="tx2"/>
+                </a:solidFill>
+              </a:defRPr>
+            </a:lvl5pPr>
+            <a:lvl6pPr eaLnBrk="1" hangingPunct="1">
+              <a:defRPr>
+                <a:solidFill>
+                  <a:schemeClr val="tx2"/>
+                </a:solidFill>
+              </a:defRPr>
+            </a:lvl6pPr>
+            <a:lvl7pPr eaLnBrk="1" hangingPunct="1">
+              <a:defRPr>
+                <a:solidFill>
+                  <a:schemeClr val="tx2"/>
+                </a:solidFill>
+              </a:defRPr>
+            </a:lvl7pPr>
+            <a:lvl8pPr eaLnBrk="1" hangingPunct="1">
+              <a:defRPr>
+                <a:solidFill>
+                  <a:schemeClr val="tx2"/>
+                </a:solidFill>
+              </a:defRPr>
+            </a:lvl8pPr>
+            <a:lvl9pPr eaLnBrk="1" hangingPunct="1">
+              <a:defRPr>
+                <a:solidFill>
+                  <a:schemeClr val="tx2"/>
+                </a:solidFill>
+              </a:defRPr>
+            </a:lvl9pPr>
+          </a:lstStyle>
+          <a:p>
+            <a:pPr algn="ctr"/>
+            <a:r>
+              <a:rPr lang="es-MX" sz="3200" dirty="0">
+                <a:solidFill>
+                  <a:schemeClr val="tx1"/>
+                </a:solidFill>
+              </a:rPr>
+              <a:t>Proveedores de accesorios</a:t>
+            </a:r>
+          </a:p>
+        </p:txBody>
+      </p:sp>
+      <p:pic>
+        <p:nvPicPr>
+          <p:cNvPr id="3" name="Picture 4" descr="Klarity">
+            <a:extLst>
+              <a:ext uri="{FF2B5EF4-FFF2-40B4-BE49-F238E27FC236}">
+                <a16:creationId xmlns:a16="http://schemas.microsoft.com/office/drawing/2014/main" id="{4C3E4539-31DD-4AED-D74B-341108AAFA53}"/>
+              </a:ext>
+            </a:extLst>
+          </p:cNvPr>
+          <p:cNvPicPr>
+            <a:picLocks noChangeAspect="1" noChangeArrowheads="1"/>
+          </p:cNvPicPr>
+          <p:nvPr/>
+        </p:nvPicPr>
+        <p:blipFill>
+          <a:blip r:embed="rId2">
+            <a:extLst>
+              <a:ext uri="{28A0092B-C50C-407E-A947-70E740481C1C}">
+                <a14:useLocalDpi xmlns:a14="http://schemas.microsoft.com/office/drawing/2010/main" val="0"/>
+              </a:ext>
+            </a:extLst>
+          </a:blip>
+          <a:srcRect/>
+          <a:stretch>
+            <a:fillRect/>
+          </a:stretch>
+        </p:blipFill>
+        <p:spPr bwMode="auto">
+          <a:xfrm>
+            <a:off x="8420335" y="2684591"/>
+            <a:ext cx="3350094" cy="1266336"/>
+          </a:xfrm>
+          <a:prstGeom prst="rect">
+            <a:avLst/>
+          </a:prstGeom>
+          <a:noFill/>
+          <a:extLst>
+            <a:ext uri="{909E8E84-426E-40DD-AFC4-6F175D3DCCD1}">
+              <a14:hiddenFill xmlns:a14="http://schemas.microsoft.com/office/drawing/2010/main">
+                <a:solidFill>
+                  <a:srgbClr val="FFFFFF"/>
+                </a:solidFill>
+              </a14:hiddenFill>
+            </a:ext>
+          </a:extLst>
+        </p:spPr>
+      </p:pic>
+      <p:pic>
+        <p:nvPicPr>
+          <p:cNvPr id="4" name="Imagen 3">
+            <a:extLst>
+              <a:ext uri="{FF2B5EF4-FFF2-40B4-BE49-F238E27FC236}">
+                <a16:creationId xmlns:a16="http://schemas.microsoft.com/office/drawing/2014/main" id="{8A6CF202-F7E4-909F-CB2D-788FE3ABC852}"/>
+              </a:ext>
+            </a:extLst>
+          </p:cNvPr>
+          <p:cNvPicPr>
+            <a:picLocks noChangeAspect="1"/>
+          </p:cNvPicPr>
+          <p:nvPr/>
+        </p:nvPicPr>
+        <p:blipFill>
+          <a:blip r:embed="rId3"/>
+          <a:stretch>
+            <a:fillRect/>
+          </a:stretch>
+        </p:blipFill>
+        <p:spPr>
+          <a:xfrm>
+            <a:off x="4501571" y="2339623"/>
+            <a:ext cx="3523392" cy="1956272"/>
+          </a:xfrm>
+          <a:prstGeom prst="rect">
+            <a:avLst/>
+          </a:prstGeom>
+        </p:spPr>
+      </p:pic>
+      <p:sp>
+        <p:nvSpPr>
+          <p:cNvPr id="5" name="CuadroTexto 4">
+            <a:extLst>
+              <a:ext uri="{FF2B5EF4-FFF2-40B4-BE49-F238E27FC236}">
+                <a16:creationId xmlns:a16="http://schemas.microsoft.com/office/drawing/2014/main" id="{9C8DB1F1-D929-ADC8-5518-74BEF76C2DA6}"/>
+              </a:ext>
+            </a:extLst>
+          </p:cNvPr>
+          <p:cNvSpPr txBox="1"/>
+          <p:nvPr/>
+        </p:nvSpPr>
+        <p:spPr>
+          <a:xfrm>
+            <a:off x="4565875" y="4546712"/>
+            <a:ext cx="3060000" cy="646331"/>
+          </a:xfrm>
+          <a:prstGeom prst="rect">
+            <a:avLst/>
+          </a:prstGeom>
+          <a:noFill/>
+        </p:spPr>
+        <p:txBody>
+          <a:bodyPr wrap="square">
+            <a:spAutoFit/>
+          </a:bodyPr>
+          <a:lstStyle/>
+          <a:p>
+            <a:pPr algn="ctr"/>
+            <a:r>
+              <a:rPr lang="es-MX" dirty="0"/>
+              <a:t>Fabricante de equipos médicos en </a:t>
+            </a:r>
+            <a:r>
+              <a:rPr lang="es-MX" dirty="0" err="1"/>
+              <a:t>Wijnegem</a:t>
+            </a:r>
+            <a:r>
+              <a:rPr lang="es-MX" dirty="0"/>
+              <a:t>, Bélgica</a:t>
+            </a:r>
+          </a:p>
+        </p:txBody>
+      </p:sp>
+      <p:sp>
+        <p:nvSpPr>
+          <p:cNvPr id="6" name="CuadroTexto 5">
+            <a:extLst>
+              <a:ext uri="{FF2B5EF4-FFF2-40B4-BE49-F238E27FC236}">
+                <a16:creationId xmlns:a16="http://schemas.microsoft.com/office/drawing/2014/main" id="{E7578FE9-98CB-F178-0B0C-0795117521FE}"/>
+              </a:ext>
+            </a:extLst>
+          </p:cNvPr>
+          <p:cNvSpPr txBox="1"/>
+          <p:nvPr/>
+        </p:nvSpPr>
+        <p:spPr>
+          <a:xfrm>
+            <a:off x="8565382" y="4546712"/>
+            <a:ext cx="3060000" cy="646331"/>
+          </a:xfrm>
+          <a:prstGeom prst="rect">
+            <a:avLst/>
+          </a:prstGeom>
+          <a:noFill/>
+        </p:spPr>
+        <p:txBody>
+          <a:bodyPr wrap="square">
+            <a:spAutoFit/>
+          </a:bodyPr>
+          <a:lstStyle/>
+          <a:p>
+            <a:pPr algn="ctr"/>
+            <a:r>
+              <a:rPr lang="es-MX" dirty="0"/>
+              <a:t>Fabricante de equipos médicos en Heath, Ohio</a:t>
+            </a:r>
+          </a:p>
+        </p:txBody>
+      </p:sp>
+    </p:spTree>
+    <p:extLst>
+      <p:ext uri="{BB962C8B-B14F-4D97-AF65-F5344CB8AC3E}">
+        <p14:creationId xmlns:p14="http://schemas.microsoft.com/office/powerpoint/2010/main" val="3324323034"/>
+      </p:ext>
+    </p:extLst>
+  </p:cSld>
+  <p:clrMapOvr>
+    <a:masterClrMapping/>
+  </p:clrMapOvr>
+  <mc:AlternateContent xmlns:mc="http://schemas.openxmlformats.org/markup-compatibility/2006">
+    <mc:Choice xmlns:p159="http://schemas.microsoft.com/office/powerpoint/2015/09/main" Requires="p159">
+      <p:transition xmlns:p14="http://schemas.microsoft.com/office/powerpoint/2010/main" spd="slow" p14:dur="2000">
+        <p159:morph option="byObject"/>
+      </p:transition>
+    </mc:Choice>
+    <mc:Fallback>
+      <p:transition spd="slow">
+        <p:fade/>
+      </p:transition>
+    </mc:Fallback>
+  </mc:AlternateContent>
+</p:sld>
+</file>
+
+<file path=ppt/slides/slide4.xml><?xml version="1.0" encoding="utf-8"?>
+<p:sld xmlns:a="http://schemas.openxmlformats.org/drawingml/2006/main" xmlns:r="http://schemas.openxmlformats.org/officeDocument/2006/relationships" xmlns:p="http://schemas.openxmlformats.org/presentationml/2006/main">
+  <p:cSld>
+    <p:bg>
+      <p:bgPr>
+        <a:solidFill>
+          <a:schemeClr val="bg1"/>
+        </a:solidFill>
+        <a:effectLst/>
+      </p:bgPr>
+    </p:bg>
+    <p:spTree>
+      <p:nvGrpSpPr>
+        <p:cNvPr id="1" name=""/>
+        <p:cNvGrpSpPr/>
+        <p:nvPr/>
+      </p:nvGrpSpPr>
+      <p:grpSpPr>
+        <a:xfrm>
+          <a:off x="0" y="0"/>
+          <a:ext cx="0" cy="0"/>
+          <a:chOff x="0" y="0"/>
+          <a:chExt cx="0" cy="0"/>
+        </a:xfrm>
+      </p:grpSpPr>
+      <p:grpSp>
+        <p:nvGrpSpPr>
+          <p:cNvPr id="22" name="Grupo 21">
+            <a:extLst>
+              <a:ext uri="{FF2B5EF4-FFF2-40B4-BE49-F238E27FC236}">
+                <a16:creationId xmlns:a16="http://schemas.microsoft.com/office/drawing/2014/main" id="{582D7BC1-E789-6F27-0CF7-33DC475E5790}"/>
+              </a:ext>
+            </a:extLst>
+          </p:cNvPr>
+          <p:cNvGrpSpPr/>
+          <p:nvPr/>
+        </p:nvGrpSpPr>
+        <p:grpSpPr>
+          <a:xfrm>
+            <a:off x="835377" y="0"/>
+            <a:ext cx="13375923" cy="6858000"/>
+            <a:chOff x="835377" y="0"/>
+            <a:chExt cx="4100689" cy="6858000"/>
+          </a:xfrm>
+          <a:solidFill>
+            <a:schemeClr val="accent1">
+              <a:lumMod val="10000"/>
+              <a:lumOff val="90000"/>
+            </a:schemeClr>
+          </a:solidFill>
+        </p:grpSpPr>
+        <p:sp>
+          <p:nvSpPr>
+            <p:cNvPr id="7" name="Rectángulo: esquinas redondeadas 6">
+              <a:extLst>
+                <a:ext uri="{FF2B5EF4-FFF2-40B4-BE49-F238E27FC236}">
+                  <a16:creationId xmlns:a16="http://schemas.microsoft.com/office/drawing/2014/main" id="{9BFC0573-6232-92BC-FE07-B4312DD4187E}"/>
+                </a:ext>
+              </a:extLst>
+            </p:cNvPr>
+            <p:cNvSpPr/>
+            <p:nvPr/>
+          </p:nvSpPr>
+          <p:spPr>
+            <a:xfrm>
+              <a:off x="835377" y="0"/>
+              <a:ext cx="3781778" cy="6858000"/>
+            </a:xfrm>
+            <a:prstGeom prst="roundRect">
+              <a:avLst/>
+            </a:prstGeom>
+            <a:grpFill/>
+            <a:ln>
+              <a:noFill/>
+            </a:ln>
+          </p:spPr>
+          <p:style>
+            <a:lnRef idx="2">
+              <a:schemeClr val="accent4">
+                <a:shade val="15000"/>
+              </a:schemeClr>
+            </a:lnRef>
+            <a:fillRef idx="1">
+              <a:schemeClr val="accent4"/>
+            </a:fillRef>
+            <a:effectRef idx="0">
+              <a:schemeClr val="accent4"/>
+            </a:effectRef>
+            <a:fontRef idx="minor">
+              <a:schemeClr val="lt1"/>
+            </a:fontRef>
+          </p:style>
+          <p:txBody>
+            <a:bodyPr rtlCol="0" anchor="ctr"/>
+            <a:lstStyle/>
+            <a:p>
+              <a:pPr algn="ctr"/>
+              <a:endParaRPr lang="es-MX"/>
+            </a:p>
+          </p:txBody>
+        </p:sp>
+        <p:sp>
+          <p:nvSpPr>
+            <p:cNvPr id="14" name="Rectángulo: esquinas redondeadas 13">
+              <a:extLst>
+                <a:ext uri="{FF2B5EF4-FFF2-40B4-BE49-F238E27FC236}">
+                  <a16:creationId xmlns:a16="http://schemas.microsoft.com/office/drawing/2014/main" id="{B3B138C9-EC44-DB10-C3BE-C7C6686B1CA2}"/>
+                </a:ext>
+              </a:extLst>
+            </p:cNvPr>
+            <p:cNvSpPr/>
+            <p:nvPr/>
+          </p:nvSpPr>
+          <p:spPr>
+            <a:xfrm>
+              <a:off x="4298242" y="745068"/>
+              <a:ext cx="637824" cy="699911"/>
+            </a:xfrm>
+            <a:prstGeom prst="roundRect">
+              <a:avLst/>
+            </a:prstGeom>
+            <a:grpFill/>
+            <a:ln>
+              <a:noFill/>
+            </a:ln>
+          </p:spPr>
+          <p:style>
+            <a:lnRef idx="2">
+              <a:schemeClr val="accent4">
+                <a:shade val="15000"/>
+              </a:schemeClr>
+            </a:lnRef>
+            <a:fillRef idx="1">
+              <a:schemeClr val="accent4"/>
+            </a:fillRef>
+            <a:effectRef idx="0">
+              <a:schemeClr val="accent4"/>
+            </a:effectRef>
+            <a:fontRef idx="minor">
+              <a:schemeClr val="lt1"/>
+            </a:fontRef>
+          </p:style>
+          <p:txBody>
+            <a:bodyPr rtlCol="0" anchor="ctr"/>
+            <a:lstStyle/>
+            <a:p>
+              <a:pPr algn="ctr"/>
+              <a:endParaRPr lang="es-MX"/>
+            </a:p>
+          </p:txBody>
+        </p:sp>
+      </p:grpSp>
+      <p:grpSp>
+        <p:nvGrpSpPr>
+          <p:cNvPr id="21" name="Grupo 20">
+            <a:extLst>
+              <a:ext uri="{FF2B5EF4-FFF2-40B4-BE49-F238E27FC236}">
+                <a16:creationId xmlns:a16="http://schemas.microsoft.com/office/drawing/2014/main" id="{4823467F-8482-47F6-4FE8-83BF9A83C585}"/>
+              </a:ext>
+            </a:extLst>
+          </p:cNvPr>
+          <p:cNvGrpSpPr/>
+          <p:nvPr/>
+        </p:nvGrpSpPr>
+        <p:grpSpPr>
+          <a:xfrm>
+            <a:off x="340547" y="0"/>
+            <a:ext cx="13985053" cy="6858000"/>
+            <a:chOff x="340547" y="0"/>
+            <a:chExt cx="4106177" cy="6858000"/>
+          </a:xfrm>
+        </p:grpSpPr>
+        <p:sp>
+          <p:nvSpPr>
+            <p:cNvPr id="8" name="Rectángulo: esquinas redondeadas 7">
+              <a:extLst>
+                <a:ext uri="{FF2B5EF4-FFF2-40B4-BE49-F238E27FC236}">
+                  <a16:creationId xmlns:a16="http://schemas.microsoft.com/office/drawing/2014/main" id="{E09FD300-7731-912F-C669-5032817EF110}"/>
+                </a:ext>
+              </a:extLst>
+            </p:cNvPr>
+            <p:cNvSpPr/>
+            <p:nvPr/>
+          </p:nvSpPr>
+          <p:spPr>
+            <a:xfrm>
+              <a:off x="340547" y="0"/>
+              <a:ext cx="3781778" cy="6858000"/>
+            </a:xfrm>
+            <a:prstGeom prst="roundRect">
+              <a:avLst/>
+            </a:prstGeom>
+            <a:ln>
+              <a:noFill/>
+            </a:ln>
+          </p:spPr>
+          <p:style>
+            <a:lnRef idx="2">
+              <a:schemeClr val="accent3">
+                <a:shade val="15000"/>
+              </a:schemeClr>
+            </a:lnRef>
+            <a:fillRef idx="1">
+              <a:schemeClr val="accent3"/>
+            </a:fillRef>
+            <a:effectRef idx="0">
+              <a:schemeClr val="accent3"/>
+            </a:effectRef>
+            <a:fontRef idx="minor">
+              <a:schemeClr val="lt1"/>
+            </a:fontRef>
+          </p:style>
+          <p:txBody>
+            <a:bodyPr rtlCol="0" anchor="ctr"/>
+            <a:lstStyle/>
+            <a:p>
+              <a:pPr algn="ctr"/>
+              <a:endParaRPr lang="es-MX"/>
+            </a:p>
+          </p:txBody>
+        </p:sp>
+        <p:sp>
+          <p:nvSpPr>
+            <p:cNvPr id="15" name="Rectángulo: esquinas redondeadas 14">
+              <a:extLst>
+                <a:ext uri="{FF2B5EF4-FFF2-40B4-BE49-F238E27FC236}">
+                  <a16:creationId xmlns:a16="http://schemas.microsoft.com/office/drawing/2014/main" id="{239EF5F5-E6C2-2FFA-6DE3-F278A41111F0}"/>
+                </a:ext>
+              </a:extLst>
+            </p:cNvPr>
+            <p:cNvSpPr/>
+            <p:nvPr/>
+          </p:nvSpPr>
+          <p:spPr>
+            <a:xfrm>
+              <a:off x="3808900" y="1639712"/>
+              <a:ext cx="637824" cy="699911"/>
+            </a:xfrm>
+            <a:prstGeom prst="roundRect">
+              <a:avLst/>
+            </a:prstGeom>
+            <a:ln>
+              <a:noFill/>
+            </a:ln>
+          </p:spPr>
+          <p:style>
+            <a:lnRef idx="2">
+              <a:schemeClr val="accent3">
+                <a:shade val="15000"/>
+              </a:schemeClr>
+            </a:lnRef>
+            <a:fillRef idx="1">
+              <a:schemeClr val="accent3"/>
+            </a:fillRef>
+            <a:effectRef idx="0">
+              <a:schemeClr val="accent3"/>
+            </a:effectRef>
+            <a:fontRef idx="minor">
+              <a:schemeClr val="lt1"/>
+            </a:fontRef>
+          </p:style>
+          <p:txBody>
+            <a:bodyPr rtlCol="0" anchor="ctr"/>
+            <a:lstStyle/>
+            <a:p>
+              <a:pPr algn="ctr"/>
+              <a:endParaRPr lang="es-MX"/>
+            </a:p>
+          </p:txBody>
+        </p:sp>
+      </p:grpSp>
+      <p:grpSp>
+        <p:nvGrpSpPr>
+          <p:cNvPr id="20" name="Grupo 19">
+            <a:extLst>
+              <a:ext uri="{FF2B5EF4-FFF2-40B4-BE49-F238E27FC236}">
+                <a16:creationId xmlns:a16="http://schemas.microsoft.com/office/drawing/2014/main" id="{3FC59BB5-D8F4-415F-7B5A-08237D77B2CB}"/>
+              </a:ext>
+            </a:extLst>
+          </p:cNvPr>
+          <p:cNvGrpSpPr/>
+          <p:nvPr/>
+        </p:nvGrpSpPr>
+        <p:grpSpPr>
+          <a:xfrm>
+            <a:off x="-154282" y="0"/>
+            <a:ext cx="4111664" cy="6858000"/>
+            <a:chOff x="-154282" y="0"/>
+            <a:chExt cx="4111664" cy="6858000"/>
+          </a:xfrm>
+        </p:grpSpPr>
+        <p:sp>
+          <p:nvSpPr>
+            <p:cNvPr id="9" name="Rectángulo: esquinas redondeadas 8">
+              <a:extLst>
+                <a:ext uri="{FF2B5EF4-FFF2-40B4-BE49-F238E27FC236}">
+                  <a16:creationId xmlns:a16="http://schemas.microsoft.com/office/drawing/2014/main" id="{3B37CB4E-F178-8E26-5EE6-F061FE316C6A}"/>
+                </a:ext>
+              </a:extLst>
+            </p:cNvPr>
+            <p:cNvSpPr/>
+            <p:nvPr/>
+          </p:nvSpPr>
+          <p:spPr>
+            <a:xfrm>
+              <a:off x="-154282" y="0"/>
+              <a:ext cx="3781778" cy="6858000"/>
+            </a:xfrm>
+            <a:prstGeom prst="roundRect">
+              <a:avLst/>
+            </a:prstGeom>
+            <a:ln>
+              <a:noFill/>
+            </a:ln>
+          </p:spPr>
+          <p:style>
+            <a:lnRef idx="2">
+              <a:schemeClr val="accent2">
+                <a:shade val="15000"/>
+              </a:schemeClr>
+            </a:lnRef>
+            <a:fillRef idx="1">
+              <a:schemeClr val="accent2"/>
+            </a:fillRef>
+            <a:effectRef idx="0">
+              <a:schemeClr val="accent2"/>
+            </a:effectRef>
+            <a:fontRef idx="minor">
+              <a:schemeClr val="lt1"/>
+            </a:fontRef>
+          </p:style>
+          <p:txBody>
+            <a:bodyPr rtlCol="0" anchor="ctr"/>
+            <a:lstStyle/>
+            <a:p>
+              <a:pPr algn="ctr"/>
+              <a:endParaRPr lang="es-MX"/>
+            </a:p>
+          </p:txBody>
+        </p:sp>
+        <p:sp>
+          <p:nvSpPr>
+            <p:cNvPr id="16" name="Rectángulo: esquinas redondeadas 15">
+              <a:extLst>
+                <a:ext uri="{FF2B5EF4-FFF2-40B4-BE49-F238E27FC236}">
+                  <a16:creationId xmlns:a16="http://schemas.microsoft.com/office/drawing/2014/main" id="{CC2E6CFE-6BAC-6C20-684A-2583C030ADE6}"/>
+                </a:ext>
+              </a:extLst>
+            </p:cNvPr>
+            <p:cNvSpPr/>
+            <p:nvPr/>
+          </p:nvSpPr>
+          <p:spPr>
+            <a:xfrm>
+              <a:off x="3319558" y="2534356"/>
+              <a:ext cx="637824" cy="699911"/>
+            </a:xfrm>
+            <a:prstGeom prst="roundRect">
+              <a:avLst/>
+            </a:prstGeom>
+            <a:ln>
+              <a:noFill/>
+            </a:ln>
+          </p:spPr>
+          <p:style>
+            <a:lnRef idx="2">
+              <a:schemeClr val="accent2">
+                <a:shade val="15000"/>
+              </a:schemeClr>
+            </a:lnRef>
+            <a:fillRef idx="1">
+              <a:schemeClr val="accent2"/>
+            </a:fillRef>
+            <a:effectRef idx="0">
+              <a:schemeClr val="accent2"/>
+            </a:effectRef>
+            <a:fontRef idx="minor">
+              <a:schemeClr val="lt1"/>
+            </a:fontRef>
+          </p:style>
+          <p:txBody>
+            <a:bodyPr rtlCol="0" anchor="ctr"/>
+            <a:lstStyle/>
+            <a:p>
+              <a:pPr algn="ctr"/>
+              <a:endParaRPr lang="es-MX" dirty="0"/>
+            </a:p>
+          </p:txBody>
+        </p:sp>
+      </p:grpSp>
+      <p:grpSp>
+        <p:nvGrpSpPr>
+          <p:cNvPr id="19" name="Grupo 18">
+            <a:extLst>
+              <a:ext uri="{FF2B5EF4-FFF2-40B4-BE49-F238E27FC236}">
+                <a16:creationId xmlns:a16="http://schemas.microsoft.com/office/drawing/2014/main" id="{16AA2F68-2133-D497-6736-79EEA97182EC}"/>
+              </a:ext>
+            </a:extLst>
+          </p:cNvPr>
+          <p:cNvGrpSpPr/>
+          <p:nvPr/>
+        </p:nvGrpSpPr>
+        <p:grpSpPr>
+          <a:xfrm>
+            <a:off x="-649111" y="0"/>
+            <a:ext cx="4117151" cy="6858000"/>
+            <a:chOff x="-649111" y="0"/>
+            <a:chExt cx="4117151" cy="6858000"/>
+          </a:xfrm>
+        </p:grpSpPr>
+        <p:sp>
+          <p:nvSpPr>
+            <p:cNvPr id="10" name="Rectángulo: esquinas redondeadas 9">
+              <a:extLst>
+                <a:ext uri="{FF2B5EF4-FFF2-40B4-BE49-F238E27FC236}">
+                  <a16:creationId xmlns:a16="http://schemas.microsoft.com/office/drawing/2014/main" id="{7C406D7E-6005-C9AA-2890-5D7022EAAF4B}"/>
+                </a:ext>
+              </a:extLst>
+            </p:cNvPr>
+            <p:cNvSpPr/>
+            <p:nvPr/>
+          </p:nvSpPr>
+          <p:spPr>
+            <a:xfrm>
+              <a:off x="-649111" y="0"/>
+              <a:ext cx="3781778" cy="6858000"/>
+            </a:xfrm>
+            <a:prstGeom prst="roundRect">
+              <a:avLst/>
+            </a:prstGeom>
+            <a:ln>
+              <a:noFill/>
+            </a:ln>
+          </p:spPr>
+          <p:style>
+            <a:lnRef idx="2">
+              <a:schemeClr val="accent1">
+                <a:shade val="15000"/>
+              </a:schemeClr>
+            </a:lnRef>
+            <a:fillRef idx="1">
+              <a:schemeClr val="accent1"/>
+            </a:fillRef>
+            <a:effectRef idx="0">
+              <a:schemeClr val="accent1"/>
+            </a:effectRef>
+            <a:fontRef idx="minor">
+              <a:schemeClr val="lt1"/>
+            </a:fontRef>
+          </p:style>
+          <p:txBody>
+            <a:bodyPr rtlCol="0" anchor="ctr"/>
+            <a:lstStyle/>
+            <a:p>
+              <a:pPr algn="ctr"/>
+              <a:endParaRPr lang="es-MX"/>
+            </a:p>
+          </p:txBody>
+        </p:sp>
+        <p:sp>
+          <p:nvSpPr>
+            <p:cNvPr id="17" name="Rectángulo: esquinas redondeadas 16">
+              <a:extLst>
+                <a:ext uri="{FF2B5EF4-FFF2-40B4-BE49-F238E27FC236}">
+                  <a16:creationId xmlns:a16="http://schemas.microsoft.com/office/drawing/2014/main" id="{6CE9055A-8B12-2B6E-C6C8-76C3BDB0FD64}"/>
+                </a:ext>
+              </a:extLst>
+            </p:cNvPr>
+            <p:cNvSpPr/>
+            <p:nvPr/>
+          </p:nvSpPr>
+          <p:spPr>
+            <a:xfrm>
+              <a:off x="2830216" y="3429000"/>
+              <a:ext cx="637824" cy="699911"/>
+            </a:xfrm>
+            <a:prstGeom prst="roundRect">
+              <a:avLst/>
+            </a:prstGeom>
+            <a:ln>
+              <a:noFill/>
+            </a:ln>
+          </p:spPr>
+          <p:style>
+            <a:lnRef idx="2">
+              <a:schemeClr val="accent1">
+                <a:shade val="15000"/>
+              </a:schemeClr>
+            </a:lnRef>
+            <a:fillRef idx="1">
+              <a:schemeClr val="accent1"/>
+            </a:fillRef>
+            <a:effectRef idx="0">
+              <a:schemeClr val="accent1"/>
+            </a:effectRef>
+            <a:fontRef idx="minor">
+              <a:schemeClr val="lt1"/>
+            </a:fontRef>
+          </p:style>
+          <p:txBody>
+            <a:bodyPr rtlCol="0" anchor="ctr"/>
+            <a:lstStyle/>
+            <a:p>
+              <a:pPr algn="ctr"/>
+              <a:endParaRPr lang="es-MX"/>
+            </a:p>
+          </p:txBody>
+        </p:sp>
+      </p:grpSp>
+      <p:sp>
+        <p:nvSpPr>
+          <p:cNvPr id="33" name="Título 1">
+            <a:extLst>
+              <a:ext uri="{FF2B5EF4-FFF2-40B4-BE49-F238E27FC236}">
+                <a16:creationId xmlns:a16="http://schemas.microsoft.com/office/drawing/2014/main" id="{28C53618-688E-3BC0-1310-14652156E895}"/>
+              </a:ext>
+            </a:extLst>
+          </p:cNvPr>
+          <p:cNvSpPr txBox="1">
+            <a:spLocks/>
+          </p:cNvSpPr>
+          <p:nvPr/>
+        </p:nvSpPr>
+        <p:spPr>
+          <a:xfrm rot="16200000">
+            <a:off x="2544880" y="1933038"/>
+            <a:ext cx="1719782" cy="478369"/>
+          </a:xfrm>
+          <a:prstGeom prst="rect">
+            <a:avLst/>
+          </a:prstGeom>
+        </p:spPr>
+        <p:txBody>
+          <a:bodyPr/>
+          <a:lstStyle>
+            <a:lvl1pPr algn="l" defTabSz="457200" rtl="0" eaLnBrk="1" latinLnBrk="0" hangingPunct="1">
+              <a:spcBef>
+                <a:spcPct val="0"/>
+              </a:spcBef>
+              <a:buNone/>
+              <a:defRPr sz="2800" b="0" kern="1200" cap="all">
+                <a:solidFill>
+                  <a:schemeClr val="bg1"/>
+                </a:solidFill>
+                <a:latin typeface="+mj-lt"/>
+                <a:ea typeface="+mj-ea"/>
+                <a:cs typeface="+mj-cs"/>
+              </a:defRPr>
+            </a:lvl1pPr>
+            <a:lvl2pPr eaLnBrk="1" hangingPunct="1">
+              <a:defRPr>
+                <a:solidFill>
+                  <a:schemeClr val="tx2"/>
+                </a:solidFill>
+              </a:defRPr>
+            </a:lvl2pPr>
+            <a:lvl3pPr eaLnBrk="1" hangingPunct="1">
+              <a:defRPr>
+                <a:solidFill>
+                  <a:schemeClr val="tx2"/>
+                </a:solidFill>
+              </a:defRPr>
+            </a:lvl3pPr>
+            <a:lvl4pPr eaLnBrk="1" hangingPunct="1">
+              <a:defRPr>
+                <a:solidFill>
+                  <a:schemeClr val="tx2"/>
+                </a:solidFill>
+              </a:defRPr>
+            </a:lvl4pPr>
+            <a:lvl5pPr eaLnBrk="1" hangingPunct="1">
+              <a:defRPr>
+                <a:solidFill>
+                  <a:schemeClr val="tx2"/>
+                </a:solidFill>
+              </a:defRPr>
+            </a:lvl5pPr>
+            <a:lvl6pPr eaLnBrk="1" hangingPunct="1">
+              <a:defRPr>
+                <a:solidFill>
+                  <a:schemeClr val="tx2"/>
+                </a:solidFill>
+              </a:defRPr>
+            </a:lvl6pPr>
+            <a:lvl7pPr eaLnBrk="1" hangingPunct="1">
+              <a:defRPr>
+                <a:solidFill>
+                  <a:schemeClr val="tx2"/>
+                </a:solidFill>
+              </a:defRPr>
+            </a:lvl7pPr>
+            <a:lvl8pPr eaLnBrk="1" hangingPunct="1">
+              <a:defRPr>
+                <a:solidFill>
+                  <a:schemeClr val="tx2"/>
+                </a:solidFill>
+              </a:defRPr>
+            </a:lvl8pPr>
+            <a:lvl9pPr eaLnBrk="1" hangingPunct="1">
+              <a:defRPr>
+                <a:solidFill>
+                  <a:schemeClr val="tx2"/>
+                </a:solidFill>
+              </a:defRPr>
+            </a:lvl9pPr>
+          </a:lstStyle>
+          <a:p>
+            <a:pPr algn="ctr"/>
+            <a:r>
+              <a:rPr lang="es-MX" sz="2000" dirty="0" err="1">
+                <a:solidFill>
+                  <a:schemeClr val="tx1"/>
+                </a:solidFill>
+              </a:rPr>
+              <a:t>mordedera</a:t>
+            </a:r>
+            <a:endParaRPr lang="es-MX" sz="2000" dirty="0">
+              <a:solidFill>
+                <a:schemeClr val="tx1"/>
+              </a:solidFill>
+            </a:endParaRPr>
+          </a:p>
+        </p:txBody>
+      </p:sp>
+      <p:sp>
+        <p:nvSpPr>
+          <p:cNvPr id="34" name="Título 1">
+            <a:extLst>
+              <a:ext uri="{FF2B5EF4-FFF2-40B4-BE49-F238E27FC236}">
+                <a16:creationId xmlns:a16="http://schemas.microsoft.com/office/drawing/2014/main" id="{3B75300E-558B-E70B-9547-B57B8A3A927A}"/>
+              </a:ext>
+            </a:extLst>
+          </p:cNvPr>
+          <p:cNvSpPr txBox="1">
+            <a:spLocks/>
+          </p:cNvSpPr>
+          <p:nvPr/>
+        </p:nvSpPr>
+        <p:spPr>
+          <a:xfrm rot="16200000">
+            <a:off x="932976" y="1804573"/>
+            <a:ext cx="3953933" cy="478369"/>
+          </a:xfrm>
+          <a:prstGeom prst="rect">
+            <a:avLst/>
+          </a:prstGeom>
+        </p:spPr>
+        <p:txBody>
+          <a:bodyPr/>
+          <a:lstStyle>
+            <a:lvl1pPr algn="l" defTabSz="457200" rtl="0" eaLnBrk="1" latinLnBrk="0" hangingPunct="1">
+              <a:spcBef>
+                <a:spcPct val="0"/>
+              </a:spcBef>
+              <a:buNone/>
+              <a:defRPr sz="2800" b="0" kern="1200" cap="all">
+                <a:solidFill>
+                  <a:schemeClr val="bg1"/>
+                </a:solidFill>
+                <a:latin typeface="+mj-lt"/>
+                <a:ea typeface="+mj-ea"/>
+                <a:cs typeface="+mj-cs"/>
+              </a:defRPr>
+            </a:lvl1pPr>
+            <a:lvl2pPr eaLnBrk="1" hangingPunct="1">
+              <a:defRPr>
+                <a:solidFill>
+                  <a:schemeClr val="tx2"/>
+                </a:solidFill>
+              </a:defRPr>
+            </a:lvl2pPr>
+            <a:lvl3pPr eaLnBrk="1" hangingPunct="1">
+              <a:defRPr>
+                <a:solidFill>
+                  <a:schemeClr val="tx2"/>
+                </a:solidFill>
+              </a:defRPr>
+            </a:lvl3pPr>
+            <a:lvl4pPr eaLnBrk="1" hangingPunct="1">
+              <a:defRPr>
+                <a:solidFill>
+                  <a:schemeClr val="tx2"/>
+                </a:solidFill>
+              </a:defRPr>
+            </a:lvl4pPr>
+            <a:lvl5pPr eaLnBrk="1" hangingPunct="1">
+              <a:defRPr>
+                <a:solidFill>
+                  <a:schemeClr val="tx2"/>
+                </a:solidFill>
+              </a:defRPr>
+            </a:lvl5pPr>
+            <a:lvl6pPr eaLnBrk="1" hangingPunct="1">
+              <a:defRPr>
+                <a:solidFill>
+                  <a:schemeClr val="tx2"/>
+                </a:solidFill>
+              </a:defRPr>
+            </a:lvl6pPr>
+            <a:lvl7pPr eaLnBrk="1" hangingPunct="1">
+              <a:defRPr>
+                <a:solidFill>
+                  <a:schemeClr val="tx2"/>
+                </a:solidFill>
+              </a:defRPr>
+            </a:lvl7pPr>
+            <a:lvl8pPr eaLnBrk="1" hangingPunct="1">
+              <a:defRPr>
+                <a:solidFill>
+                  <a:schemeClr val="tx2"/>
+                </a:solidFill>
+              </a:defRPr>
+            </a:lvl8pPr>
+            <a:lvl9pPr eaLnBrk="1" hangingPunct="1">
+              <a:defRPr>
+                <a:solidFill>
+                  <a:schemeClr val="tx2"/>
+                </a:solidFill>
+              </a:defRPr>
+            </a:lvl9pPr>
+          </a:lstStyle>
+          <a:p>
+            <a:pPr algn="ctr"/>
+            <a:r>
+              <a:rPr lang="es-MX" sz="2000" dirty="0">
+                <a:solidFill>
+                  <a:schemeClr val="tx1"/>
+                </a:solidFill>
+              </a:rPr>
+              <a:t>Máscara termoplástica</a:t>
+            </a:r>
+          </a:p>
+        </p:txBody>
+      </p:sp>
+      <p:sp>
+        <p:nvSpPr>
+          <p:cNvPr id="11" name="Título 1">
+            <a:extLst>
+              <a:ext uri="{FF2B5EF4-FFF2-40B4-BE49-F238E27FC236}">
+                <a16:creationId xmlns:a16="http://schemas.microsoft.com/office/drawing/2014/main" id="{1CA01584-C4DE-975A-9014-516E7AF3F630}"/>
+              </a:ext>
+            </a:extLst>
+          </p:cNvPr>
+          <p:cNvSpPr txBox="1">
+            <a:spLocks/>
+          </p:cNvSpPr>
+          <p:nvPr/>
+        </p:nvSpPr>
+        <p:spPr>
+          <a:xfrm>
+            <a:off x="5677532" y="268818"/>
+            <a:ext cx="4596274" cy="562200"/>
+          </a:xfrm>
+          <a:prstGeom prst="rect">
+            <a:avLst/>
+          </a:prstGeom>
+        </p:spPr>
+        <p:txBody>
+          <a:bodyPr/>
+          <a:lstStyle>
+            <a:lvl1pPr algn="l" defTabSz="457200" rtl="0" eaLnBrk="1" latinLnBrk="0" hangingPunct="1">
+              <a:spcBef>
+                <a:spcPct val="0"/>
+              </a:spcBef>
+              <a:buNone/>
+              <a:defRPr sz="2800" b="0" kern="1200" cap="all">
+                <a:solidFill>
+                  <a:schemeClr val="bg1"/>
+                </a:solidFill>
+                <a:latin typeface="+mj-lt"/>
+                <a:ea typeface="+mj-ea"/>
+                <a:cs typeface="+mj-cs"/>
+              </a:defRPr>
+            </a:lvl1pPr>
+            <a:lvl2pPr eaLnBrk="1" hangingPunct="1">
+              <a:defRPr>
+                <a:solidFill>
+                  <a:schemeClr val="tx2"/>
+                </a:solidFill>
+              </a:defRPr>
+            </a:lvl2pPr>
+            <a:lvl3pPr eaLnBrk="1" hangingPunct="1">
+              <a:defRPr>
+                <a:solidFill>
+                  <a:schemeClr val="tx2"/>
+                </a:solidFill>
+              </a:defRPr>
+            </a:lvl3pPr>
+            <a:lvl4pPr eaLnBrk="1" hangingPunct="1">
+              <a:defRPr>
+                <a:solidFill>
+                  <a:schemeClr val="tx2"/>
+                </a:solidFill>
+              </a:defRPr>
+            </a:lvl4pPr>
+            <a:lvl5pPr eaLnBrk="1" hangingPunct="1">
+              <a:defRPr>
+                <a:solidFill>
+                  <a:schemeClr val="tx2"/>
+                </a:solidFill>
+              </a:defRPr>
+            </a:lvl5pPr>
+            <a:lvl6pPr eaLnBrk="1" hangingPunct="1">
+              <a:defRPr>
+                <a:solidFill>
+                  <a:schemeClr val="tx2"/>
+                </a:solidFill>
+              </a:defRPr>
+            </a:lvl6pPr>
+            <a:lvl7pPr eaLnBrk="1" hangingPunct="1">
+              <a:defRPr>
+                <a:solidFill>
+                  <a:schemeClr val="tx2"/>
+                </a:solidFill>
+              </a:defRPr>
+            </a:lvl7pPr>
+            <a:lvl8pPr eaLnBrk="1" hangingPunct="1">
+              <a:defRPr>
+                <a:solidFill>
+                  <a:schemeClr val="tx2"/>
+                </a:solidFill>
+              </a:defRPr>
+            </a:lvl8pPr>
+            <a:lvl9pPr eaLnBrk="1" hangingPunct="1">
+              <a:defRPr>
+                <a:solidFill>
+                  <a:schemeClr val="tx2"/>
+                </a:solidFill>
+              </a:defRPr>
+            </a:lvl9pPr>
+          </a:lstStyle>
+          <a:p>
+            <a:pPr algn="ctr"/>
+            <a:r>
+              <a:rPr lang="es-MX" sz="3200" dirty="0">
+                <a:solidFill>
+                  <a:schemeClr val="tx1"/>
+                </a:solidFill>
+              </a:rPr>
+              <a:t>Soporte moldeable</a:t>
+            </a:r>
+          </a:p>
+        </p:txBody>
+      </p:sp>
+      <p:sp>
+        <p:nvSpPr>
+          <p:cNvPr id="12" name="Título 1">
+            <a:extLst>
+              <a:ext uri="{FF2B5EF4-FFF2-40B4-BE49-F238E27FC236}">
+                <a16:creationId xmlns:a16="http://schemas.microsoft.com/office/drawing/2014/main" id="{2F0826F9-9056-B5C0-2C83-9FB7C2413F18}"/>
+              </a:ext>
+            </a:extLst>
+          </p:cNvPr>
+          <p:cNvSpPr txBox="1">
+            <a:spLocks/>
+          </p:cNvSpPr>
+          <p:nvPr/>
+        </p:nvSpPr>
+        <p:spPr>
+          <a:xfrm>
+            <a:off x="4733975" y="1540819"/>
+            <a:ext cx="2678290" cy="562200"/>
+          </a:xfrm>
+          <a:prstGeom prst="rect">
+            <a:avLst/>
+          </a:prstGeom>
+        </p:spPr>
+        <p:txBody>
+          <a:bodyPr/>
+          <a:lstStyle>
+            <a:lvl1pPr algn="l" defTabSz="457200" rtl="0" eaLnBrk="1" latinLnBrk="0" hangingPunct="1">
+              <a:spcBef>
+                <a:spcPct val="0"/>
+              </a:spcBef>
+              <a:buNone/>
+              <a:defRPr sz="2800" b="0" kern="1200" cap="all">
+                <a:solidFill>
+                  <a:schemeClr val="bg1"/>
+                </a:solidFill>
+                <a:latin typeface="+mj-lt"/>
+                <a:ea typeface="+mj-ea"/>
+                <a:cs typeface="+mj-cs"/>
+              </a:defRPr>
+            </a:lvl1pPr>
+            <a:lvl2pPr eaLnBrk="1" hangingPunct="1">
+              <a:defRPr>
+                <a:solidFill>
+                  <a:schemeClr val="tx2"/>
+                </a:solidFill>
+              </a:defRPr>
+            </a:lvl2pPr>
+            <a:lvl3pPr eaLnBrk="1" hangingPunct="1">
+              <a:defRPr>
+                <a:solidFill>
+                  <a:schemeClr val="tx2"/>
+                </a:solidFill>
+              </a:defRPr>
+            </a:lvl3pPr>
+            <a:lvl4pPr eaLnBrk="1" hangingPunct="1">
+              <a:defRPr>
+                <a:solidFill>
+                  <a:schemeClr val="tx2"/>
+                </a:solidFill>
+              </a:defRPr>
+            </a:lvl4pPr>
+            <a:lvl5pPr eaLnBrk="1" hangingPunct="1">
+              <a:defRPr>
+                <a:solidFill>
+                  <a:schemeClr val="tx2"/>
+                </a:solidFill>
+              </a:defRPr>
+            </a:lvl5pPr>
+            <a:lvl6pPr eaLnBrk="1" hangingPunct="1">
+              <a:defRPr>
+                <a:solidFill>
+                  <a:schemeClr val="tx2"/>
+                </a:solidFill>
+              </a:defRPr>
+            </a:lvl6pPr>
+            <a:lvl7pPr eaLnBrk="1" hangingPunct="1">
+              <a:defRPr>
+                <a:solidFill>
+                  <a:schemeClr val="tx2"/>
+                </a:solidFill>
+              </a:defRPr>
+            </a:lvl7pPr>
+            <a:lvl8pPr eaLnBrk="1" hangingPunct="1">
+              <a:defRPr>
+                <a:solidFill>
+                  <a:schemeClr val="tx2"/>
+                </a:solidFill>
+              </a:defRPr>
+            </a:lvl8pPr>
+            <a:lvl9pPr eaLnBrk="1" hangingPunct="1">
+              <a:defRPr>
+                <a:solidFill>
+                  <a:schemeClr val="tx2"/>
+                </a:solidFill>
+              </a:defRPr>
+            </a:lvl9pPr>
+          </a:lstStyle>
+          <a:p>
+            <a:pPr algn="ctr"/>
+            <a:r>
+              <a:rPr lang="es-MX" i="1" dirty="0" err="1">
+                <a:solidFill>
+                  <a:schemeClr val="tx1"/>
+                </a:solidFill>
+              </a:rPr>
+              <a:t>thermofit</a:t>
+            </a:r>
+            <a:endParaRPr lang="es-MX" i="1" dirty="0">
+              <a:solidFill>
+                <a:schemeClr val="tx1"/>
+              </a:solidFill>
+            </a:endParaRPr>
+          </a:p>
+        </p:txBody>
+      </p:sp>
+      <p:sp>
+        <p:nvSpPr>
+          <p:cNvPr id="13" name="Título 1">
+            <a:extLst>
+              <a:ext uri="{FF2B5EF4-FFF2-40B4-BE49-F238E27FC236}">
+                <a16:creationId xmlns:a16="http://schemas.microsoft.com/office/drawing/2014/main" id="{5155154F-EFC0-8F21-FA87-C9BA7FFE9E7B}"/>
+              </a:ext>
+            </a:extLst>
+          </p:cNvPr>
+          <p:cNvSpPr txBox="1">
+            <a:spLocks/>
+          </p:cNvSpPr>
+          <p:nvPr/>
+        </p:nvSpPr>
+        <p:spPr>
+          <a:xfrm>
+            <a:off x="8998825" y="1540819"/>
+            <a:ext cx="2678290" cy="562200"/>
+          </a:xfrm>
+          <a:prstGeom prst="rect">
+            <a:avLst/>
+          </a:prstGeom>
+        </p:spPr>
+        <p:txBody>
+          <a:bodyPr/>
+          <a:lstStyle>
+            <a:lvl1pPr algn="l" defTabSz="457200" rtl="0" eaLnBrk="1" latinLnBrk="0" hangingPunct="1">
+              <a:spcBef>
+                <a:spcPct val="0"/>
+              </a:spcBef>
+              <a:buNone/>
+              <a:defRPr sz="2800" b="0" kern="1200" cap="all">
+                <a:solidFill>
+                  <a:schemeClr val="bg1"/>
+                </a:solidFill>
+                <a:latin typeface="+mj-lt"/>
+                <a:ea typeface="+mj-ea"/>
+                <a:cs typeface="+mj-cs"/>
+              </a:defRPr>
+            </a:lvl1pPr>
+            <a:lvl2pPr eaLnBrk="1" hangingPunct="1">
+              <a:defRPr>
+                <a:solidFill>
+                  <a:schemeClr val="tx2"/>
+                </a:solidFill>
+              </a:defRPr>
+            </a:lvl2pPr>
+            <a:lvl3pPr eaLnBrk="1" hangingPunct="1">
+              <a:defRPr>
+                <a:solidFill>
+                  <a:schemeClr val="tx2"/>
+                </a:solidFill>
+              </a:defRPr>
+            </a:lvl3pPr>
+            <a:lvl4pPr eaLnBrk="1" hangingPunct="1">
+              <a:defRPr>
+                <a:solidFill>
+                  <a:schemeClr val="tx2"/>
+                </a:solidFill>
+              </a:defRPr>
+            </a:lvl4pPr>
+            <a:lvl5pPr eaLnBrk="1" hangingPunct="1">
+              <a:defRPr>
+                <a:solidFill>
+                  <a:schemeClr val="tx2"/>
+                </a:solidFill>
+              </a:defRPr>
+            </a:lvl5pPr>
+            <a:lvl6pPr eaLnBrk="1" hangingPunct="1">
+              <a:defRPr>
+                <a:solidFill>
+                  <a:schemeClr val="tx2"/>
+                </a:solidFill>
+              </a:defRPr>
+            </a:lvl6pPr>
+            <a:lvl7pPr eaLnBrk="1" hangingPunct="1">
+              <a:defRPr>
+                <a:solidFill>
+                  <a:schemeClr val="tx2"/>
+                </a:solidFill>
+              </a:defRPr>
+            </a:lvl7pPr>
+            <a:lvl8pPr eaLnBrk="1" hangingPunct="1">
+              <a:defRPr>
+                <a:solidFill>
+                  <a:schemeClr val="tx2"/>
+                </a:solidFill>
+              </a:defRPr>
+            </a:lvl8pPr>
+            <a:lvl9pPr eaLnBrk="1" hangingPunct="1">
+              <a:defRPr>
+                <a:solidFill>
+                  <a:schemeClr val="tx2"/>
+                </a:solidFill>
+              </a:defRPr>
+            </a:lvl9pPr>
+          </a:lstStyle>
+          <a:p>
+            <a:pPr algn="ctr"/>
+            <a:r>
+              <a:rPr lang="es-MX" i="1" dirty="0" err="1">
+                <a:solidFill>
+                  <a:schemeClr val="tx1"/>
+                </a:solidFill>
+              </a:rPr>
+              <a:t>cushion</a:t>
+            </a:r>
+            <a:endParaRPr lang="es-MX" i="1" dirty="0">
+              <a:solidFill>
+                <a:schemeClr val="tx1"/>
+              </a:solidFill>
+            </a:endParaRPr>
+          </a:p>
+        </p:txBody>
+      </p:sp>
+      <p:sp>
+        <p:nvSpPr>
+          <p:cNvPr id="18" name="Título 1">
+            <a:extLst>
+              <a:ext uri="{FF2B5EF4-FFF2-40B4-BE49-F238E27FC236}">
+                <a16:creationId xmlns:a16="http://schemas.microsoft.com/office/drawing/2014/main" id="{7FE598D3-882C-57BA-01AF-A351EB717060}"/>
+              </a:ext>
+            </a:extLst>
+          </p:cNvPr>
+          <p:cNvSpPr txBox="1">
+            <a:spLocks/>
+          </p:cNvSpPr>
+          <p:nvPr/>
+        </p:nvSpPr>
+        <p:spPr>
+          <a:xfrm>
+            <a:off x="9693673" y="5435682"/>
+            <a:ext cx="1288594" cy="407068"/>
+          </a:xfrm>
+          <a:prstGeom prst="rect">
+            <a:avLst/>
+          </a:prstGeom>
+        </p:spPr>
+        <p:txBody>
+          <a:bodyPr/>
+          <a:lstStyle>
+            <a:lvl1pPr algn="l" defTabSz="457200" rtl="0" eaLnBrk="1" latinLnBrk="0" hangingPunct="1">
+              <a:spcBef>
+                <a:spcPct val="0"/>
+              </a:spcBef>
+              <a:buNone/>
+              <a:defRPr sz="2800" b="0" kern="1200" cap="all">
+                <a:solidFill>
+                  <a:schemeClr val="bg1"/>
+                </a:solidFill>
+                <a:latin typeface="+mj-lt"/>
+                <a:ea typeface="+mj-ea"/>
+                <a:cs typeface="+mj-cs"/>
+              </a:defRPr>
+            </a:lvl1pPr>
+            <a:lvl2pPr eaLnBrk="1" hangingPunct="1">
+              <a:defRPr>
+                <a:solidFill>
+                  <a:schemeClr val="tx2"/>
+                </a:solidFill>
+              </a:defRPr>
+            </a:lvl2pPr>
+            <a:lvl3pPr eaLnBrk="1" hangingPunct="1">
+              <a:defRPr>
+                <a:solidFill>
+                  <a:schemeClr val="tx2"/>
+                </a:solidFill>
+              </a:defRPr>
+            </a:lvl3pPr>
+            <a:lvl4pPr eaLnBrk="1" hangingPunct="1">
+              <a:defRPr>
+                <a:solidFill>
+                  <a:schemeClr val="tx2"/>
+                </a:solidFill>
+              </a:defRPr>
+            </a:lvl4pPr>
+            <a:lvl5pPr eaLnBrk="1" hangingPunct="1">
+              <a:defRPr>
+                <a:solidFill>
+                  <a:schemeClr val="tx2"/>
+                </a:solidFill>
+              </a:defRPr>
+            </a:lvl5pPr>
+            <a:lvl6pPr eaLnBrk="1" hangingPunct="1">
+              <a:defRPr>
+                <a:solidFill>
+                  <a:schemeClr val="tx2"/>
+                </a:solidFill>
+              </a:defRPr>
+            </a:lvl6pPr>
+            <a:lvl7pPr eaLnBrk="1" hangingPunct="1">
+              <a:defRPr>
+                <a:solidFill>
+                  <a:schemeClr val="tx2"/>
+                </a:solidFill>
+              </a:defRPr>
+            </a:lvl7pPr>
+            <a:lvl8pPr eaLnBrk="1" hangingPunct="1">
+              <a:defRPr>
+                <a:solidFill>
+                  <a:schemeClr val="tx2"/>
+                </a:solidFill>
+              </a:defRPr>
+            </a:lvl8pPr>
+            <a:lvl9pPr eaLnBrk="1" hangingPunct="1">
+              <a:defRPr>
+                <a:solidFill>
+                  <a:schemeClr val="tx2"/>
+                </a:solidFill>
+              </a:defRPr>
+            </a:lvl9pPr>
+          </a:lstStyle>
+          <a:p>
+            <a:pPr algn="ctr"/>
+            <a:r>
+              <a:rPr lang="es-MX" sz="2000" i="1" dirty="0">
+                <a:solidFill>
+                  <a:schemeClr val="tx1"/>
+                </a:solidFill>
+              </a:rPr>
+              <a:t>R550-M</a:t>
+            </a:r>
+          </a:p>
+        </p:txBody>
+      </p:sp>
+      <p:pic>
+        <p:nvPicPr>
+          <p:cNvPr id="23" name="Imagen 22">
+            <a:extLst>
+              <a:ext uri="{FF2B5EF4-FFF2-40B4-BE49-F238E27FC236}">
+                <a16:creationId xmlns:a16="http://schemas.microsoft.com/office/drawing/2014/main" id="{537FAB0C-FD7A-7FE9-A24C-DBE04E72CBF3}"/>
+              </a:ext>
+            </a:extLst>
+          </p:cNvPr>
+          <p:cNvPicPr>
+            <a:picLocks noChangeAspect="1"/>
+          </p:cNvPicPr>
+          <p:nvPr/>
+        </p:nvPicPr>
+        <p:blipFill rotWithShape="1">
+          <a:blip r:embed="rId2">
+            <a:extLst>
+              <a:ext uri="{28A0092B-C50C-407E-A947-70E740481C1C}">
+                <a14:useLocalDpi xmlns:a14="http://schemas.microsoft.com/office/drawing/2010/main" val="0"/>
+              </a:ext>
+            </a:extLst>
+          </a:blip>
+          <a:srcRect l="24399" t="13167" r="23868" b="7652"/>
+          <a:stretch/>
+        </p:blipFill>
+        <p:spPr bwMode="auto">
+          <a:xfrm>
+            <a:off x="8899333" y="2103019"/>
+            <a:ext cx="2877274" cy="3298992"/>
+          </a:xfrm>
+          <a:prstGeom prst="rect">
+            <a:avLst/>
+          </a:prstGeom>
+          <a:noFill/>
+          <a:ln>
+            <a:noFill/>
+          </a:ln>
+          <a:extLst>
+            <a:ext uri="{53640926-AAD7-44D8-BBD7-CCE9431645EC}">
+              <a14:shadowObscured xmlns:a14="http://schemas.microsoft.com/office/drawing/2010/main"/>
+            </a:ext>
+          </a:extLst>
+        </p:spPr>
+      </p:pic>
+      <p:pic>
+        <p:nvPicPr>
+          <p:cNvPr id="24" name="Imagen 23">
+            <a:extLst>
+              <a:ext uri="{FF2B5EF4-FFF2-40B4-BE49-F238E27FC236}">
+                <a16:creationId xmlns:a16="http://schemas.microsoft.com/office/drawing/2014/main" id="{AD511B0F-2700-809E-1ADB-4F5DF1F257EB}"/>
+              </a:ext>
+            </a:extLst>
+          </p:cNvPr>
+          <p:cNvPicPr>
+            <a:picLocks noChangeAspect="1"/>
+          </p:cNvPicPr>
+          <p:nvPr/>
+        </p:nvPicPr>
+        <p:blipFill>
+          <a:blip r:embed="rId3"/>
+          <a:srcRect t="13784" b="10533"/>
+          <a:stretch/>
+        </p:blipFill>
+        <p:spPr>
+          <a:xfrm>
+            <a:off x="3980958" y="2261103"/>
+            <a:ext cx="4184323" cy="3166811"/>
+          </a:xfrm>
+          <a:prstGeom prst="rect">
+            <a:avLst/>
+          </a:prstGeom>
+        </p:spPr>
+      </p:pic>
+      <p:sp>
+        <p:nvSpPr>
+          <p:cNvPr id="25" name="Título 1">
+            <a:extLst>
+              <a:ext uri="{FF2B5EF4-FFF2-40B4-BE49-F238E27FC236}">
+                <a16:creationId xmlns:a16="http://schemas.microsoft.com/office/drawing/2014/main" id="{A29A32CC-E008-148C-B80F-389BC78CF495}"/>
+              </a:ext>
+            </a:extLst>
+          </p:cNvPr>
+          <p:cNvSpPr txBox="1">
+            <a:spLocks/>
+          </p:cNvSpPr>
+          <p:nvPr/>
+        </p:nvSpPr>
+        <p:spPr>
+          <a:xfrm>
+            <a:off x="5261203" y="5435682"/>
+            <a:ext cx="1288594" cy="407068"/>
+          </a:xfrm>
+          <a:prstGeom prst="rect">
+            <a:avLst/>
+          </a:prstGeom>
+        </p:spPr>
+        <p:txBody>
+          <a:bodyPr/>
+          <a:lstStyle>
+            <a:lvl1pPr algn="l" defTabSz="457200" rtl="0" eaLnBrk="1" latinLnBrk="0" hangingPunct="1">
+              <a:spcBef>
+                <a:spcPct val="0"/>
+              </a:spcBef>
+              <a:buNone/>
+              <a:defRPr sz="2800" b="0" kern="1200" cap="all">
+                <a:solidFill>
+                  <a:schemeClr val="bg1"/>
+                </a:solidFill>
+                <a:latin typeface="+mj-lt"/>
+                <a:ea typeface="+mj-ea"/>
+                <a:cs typeface="+mj-cs"/>
+              </a:defRPr>
+            </a:lvl1pPr>
+            <a:lvl2pPr eaLnBrk="1" hangingPunct="1">
+              <a:defRPr>
+                <a:solidFill>
+                  <a:schemeClr val="tx2"/>
+                </a:solidFill>
+              </a:defRPr>
+            </a:lvl2pPr>
+            <a:lvl3pPr eaLnBrk="1" hangingPunct="1">
+              <a:defRPr>
+                <a:solidFill>
+                  <a:schemeClr val="tx2"/>
+                </a:solidFill>
+              </a:defRPr>
+            </a:lvl3pPr>
+            <a:lvl4pPr eaLnBrk="1" hangingPunct="1">
+              <a:defRPr>
+                <a:solidFill>
+                  <a:schemeClr val="tx2"/>
+                </a:solidFill>
+              </a:defRPr>
+            </a:lvl4pPr>
+            <a:lvl5pPr eaLnBrk="1" hangingPunct="1">
+              <a:defRPr>
+                <a:solidFill>
+                  <a:schemeClr val="tx2"/>
+                </a:solidFill>
+              </a:defRPr>
+            </a:lvl5pPr>
+            <a:lvl6pPr eaLnBrk="1" hangingPunct="1">
+              <a:defRPr>
+                <a:solidFill>
+                  <a:schemeClr val="tx2"/>
+                </a:solidFill>
+              </a:defRPr>
+            </a:lvl6pPr>
+            <a:lvl7pPr eaLnBrk="1" hangingPunct="1">
+              <a:defRPr>
+                <a:solidFill>
+                  <a:schemeClr val="tx2"/>
+                </a:solidFill>
+              </a:defRPr>
+            </a:lvl7pPr>
+            <a:lvl8pPr eaLnBrk="1" hangingPunct="1">
+              <a:defRPr>
+                <a:solidFill>
+                  <a:schemeClr val="tx2"/>
+                </a:solidFill>
+              </a:defRPr>
+            </a:lvl8pPr>
+            <a:lvl9pPr eaLnBrk="1" hangingPunct="1">
+              <a:defRPr>
+                <a:solidFill>
+                  <a:schemeClr val="tx2"/>
+                </a:solidFill>
+              </a:defRPr>
+            </a:lvl9pPr>
+          </a:lstStyle>
+          <a:p>
+            <a:pPr algn="ctr"/>
+            <a:r>
+              <a:rPr lang="es-MX" sz="2000" i="1" dirty="0">
+                <a:solidFill>
+                  <a:schemeClr val="tx1"/>
+                </a:solidFill>
+              </a:rPr>
+              <a:t>32392</a:t>
+            </a:r>
+          </a:p>
+        </p:txBody>
+      </p:sp>
+    </p:spTree>
+    <p:extLst>
+      <p:ext uri="{BB962C8B-B14F-4D97-AF65-F5344CB8AC3E}">
+        <p14:creationId xmlns:p14="http://schemas.microsoft.com/office/powerpoint/2010/main" val="2310486244"/>
+      </p:ext>
+    </p:extLst>
+  </p:cSld>
+  <p:clrMapOvr>
+    <a:masterClrMapping/>
+  </p:clrMapOvr>
+  <mc:AlternateContent xmlns:mc="http://schemas.openxmlformats.org/markup-compatibility/2006">
+    <mc:Choice xmlns:p159="http://schemas.microsoft.com/office/powerpoint/2015/09/main" Requires="p159">
+      <p:transition xmlns:p14="http://schemas.microsoft.com/office/powerpoint/2010/main" spd="slow" p14:dur="2000">
+        <p159:morph option="byObject"/>
+      </p:transition>
+    </mc:Choice>
+    <mc:Fallback>
+      <p:transition spd="slow">
+        <p:fade/>
+      </p:transition>
+    </mc:Fallback>
+  </mc:AlternateContent>
+</p:sld>
+</file>
+
+<file path=ppt/slides/slide5.xml><?xml version="1.0" encoding="utf-8"?>
+<p:sld xmlns:a="http://schemas.openxmlformats.org/drawingml/2006/main" xmlns:r="http://schemas.openxmlformats.org/officeDocument/2006/relationships" xmlns:p="http://schemas.openxmlformats.org/presentationml/2006/main">
+  <p:cSld>
+    <p:bg>
+      <p:bgPr>
+        <a:solidFill>
+          <a:schemeClr val="bg1"/>
+        </a:solidFill>
+        <a:effectLst/>
+      </p:bgPr>
+    </p:bg>
+    <p:spTree>
+      <p:nvGrpSpPr>
+        <p:cNvPr id="1" name=""/>
+        <p:cNvGrpSpPr/>
+        <p:nvPr/>
+      </p:nvGrpSpPr>
+      <p:grpSpPr>
+        <a:xfrm>
+          <a:off x="0" y="0"/>
+          <a:ext cx="0" cy="0"/>
+          <a:chOff x="0" y="0"/>
+          <a:chExt cx="0" cy="0"/>
+        </a:xfrm>
+      </p:grpSpPr>
+      <p:grpSp>
+        <p:nvGrpSpPr>
+          <p:cNvPr id="22" name="Grupo 21">
+            <a:extLst>
+              <a:ext uri="{FF2B5EF4-FFF2-40B4-BE49-F238E27FC236}">
+                <a16:creationId xmlns:a16="http://schemas.microsoft.com/office/drawing/2014/main" id="{582D7BC1-E789-6F27-0CF7-33DC475E5790}"/>
+              </a:ext>
+            </a:extLst>
+          </p:cNvPr>
+          <p:cNvGrpSpPr/>
+          <p:nvPr/>
+        </p:nvGrpSpPr>
+        <p:grpSpPr>
+          <a:xfrm>
+            <a:off x="835377" y="0"/>
+            <a:ext cx="13375923" cy="6858000"/>
+            <a:chOff x="835377" y="0"/>
+            <a:chExt cx="4100689" cy="6858000"/>
+          </a:xfrm>
+          <a:solidFill>
+            <a:schemeClr val="accent1">
+              <a:lumMod val="10000"/>
+              <a:lumOff val="90000"/>
+            </a:schemeClr>
+          </a:solidFill>
+        </p:grpSpPr>
+        <p:sp>
+          <p:nvSpPr>
+            <p:cNvPr id="7" name="Rectángulo: esquinas redondeadas 6">
+              <a:extLst>
+                <a:ext uri="{FF2B5EF4-FFF2-40B4-BE49-F238E27FC236}">
+                  <a16:creationId xmlns:a16="http://schemas.microsoft.com/office/drawing/2014/main" id="{9BFC0573-6232-92BC-FE07-B4312DD4187E}"/>
+                </a:ext>
+              </a:extLst>
+            </p:cNvPr>
+            <p:cNvSpPr/>
+            <p:nvPr/>
+          </p:nvSpPr>
+          <p:spPr>
+            <a:xfrm>
+              <a:off x="835377" y="0"/>
+              <a:ext cx="3781778" cy="6858000"/>
+            </a:xfrm>
+            <a:prstGeom prst="roundRect">
+              <a:avLst/>
+            </a:prstGeom>
+            <a:grpFill/>
+            <a:ln>
+              <a:noFill/>
+            </a:ln>
+          </p:spPr>
+          <p:style>
+            <a:lnRef idx="2">
+              <a:schemeClr val="accent4">
+                <a:shade val="15000"/>
+              </a:schemeClr>
+            </a:lnRef>
+            <a:fillRef idx="1">
+              <a:schemeClr val="accent4"/>
+            </a:fillRef>
+            <a:effectRef idx="0">
+              <a:schemeClr val="accent4"/>
+            </a:effectRef>
+            <a:fontRef idx="minor">
+              <a:schemeClr val="lt1"/>
+            </a:fontRef>
+          </p:style>
+          <p:txBody>
+            <a:bodyPr rtlCol="0" anchor="ctr"/>
+            <a:lstStyle/>
+            <a:p>
+              <a:pPr algn="ctr"/>
+              <a:endParaRPr lang="es-MX"/>
+            </a:p>
+          </p:txBody>
+        </p:sp>
+        <p:sp>
+          <p:nvSpPr>
+            <p:cNvPr id="14" name="Rectángulo: esquinas redondeadas 13">
+              <a:extLst>
+                <a:ext uri="{FF2B5EF4-FFF2-40B4-BE49-F238E27FC236}">
+                  <a16:creationId xmlns:a16="http://schemas.microsoft.com/office/drawing/2014/main" id="{B3B138C9-EC44-DB10-C3BE-C7C6686B1CA2}"/>
+                </a:ext>
+              </a:extLst>
+            </p:cNvPr>
+            <p:cNvSpPr/>
+            <p:nvPr/>
+          </p:nvSpPr>
+          <p:spPr>
+            <a:xfrm>
+              <a:off x="4298242" y="745068"/>
+              <a:ext cx="637824" cy="699911"/>
+            </a:xfrm>
+            <a:prstGeom prst="roundRect">
+              <a:avLst/>
+            </a:prstGeom>
+            <a:grpFill/>
+            <a:ln>
+              <a:noFill/>
+            </a:ln>
+          </p:spPr>
+          <p:style>
+            <a:lnRef idx="2">
+              <a:schemeClr val="accent4">
+                <a:shade val="15000"/>
+              </a:schemeClr>
+            </a:lnRef>
+            <a:fillRef idx="1">
+              <a:schemeClr val="accent4"/>
+            </a:fillRef>
+            <a:effectRef idx="0">
+              <a:schemeClr val="accent4"/>
+            </a:effectRef>
+            <a:fontRef idx="minor">
+              <a:schemeClr val="lt1"/>
+            </a:fontRef>
+          </p:style>
+          <p:txBody>
+            <a:bodyPr rtlCol="0" anchor="ctr"/>
+            <a:lstStyle/>
+            <a:p>
+              <a:pPr algn="ctr"/>
+              <a:endParaRPr lang="es-MX"/>
+            </a:p>
+          </p:txBody>
+        </p:sp>
+      </p:grpSp>
+      <p:grpSp>
+        <p:nvGrpSpPr>
+          <p:cNvPr id="21" name="Grupo 20">
+            <a:extLst>
+              <a:ext uri="{FF2B5EF4-FFF2-40B4-BE49-F238E27FC236}">
+                <a16:creationId xmlns:a16="http://schemas.microsoft.com/office/drawing/2014/main" id="{4823467F-8482-47F6-4FE8-83BF9A83C585}"/>
+              </a:ext>
+            </a:extLst>
+          </p:cNvPr>
+          <p:cNvGrpSpPr/>
+          <p:nvPr/>
+        </p:nvGrpSpPr>
+        <p:grpSpPr>
+          <a:xfrm>
+            <a:off x="340547" y="0"/>
+            <a:ext cx="13870753" cy="6858000"/>
+            <a:chOff x="340547" y="0"/>
+            <a:chExt cx="4106177" cy="6858000"/>
+          </a:xfrm>
+        </p:grpSpPr>
+        <p:sp>
+          <p:nvSpPr>
+            <p:cNvPr id="8" name="Rectángulo: esquinas redondeadas 7">
+              <a:extLst>
+                <a:ext uri="{FF2B5EF4-FFF2-40B4-BE49-F238E27FC236}">
+                  <a16:creationId xmlns:a16="http://schemas.microsoft.com/office/drawing/2014/main" id="{E09FD300-7731-912F-C669-5032817EF110}"/>
+                </a:ext>
+              </a:extLst>
+            </p:cNvPr>
+            <p:cNvSpPr/>
+            <p:nvPr/>
+          </p:nvSpPr>
+          <p:spPr>
+            <a:xfrm>
+              <a:off x="340547" y="0"/>
+              <a:ext cx="3781778" cy="6858000"/>
+            </a:xfrm>
+            <a:prstGeom prst="roundRect">
+              <a:avLst/>
+            </a:prstGeom>
+            <a:ln>
+              <a:noFill/>
+            </a:ln>
+          </p:spPr>
+          <p:style>
+            <a:lnRef idx="2">
+              <a:schemeClr val="accent3">
+                <a:shade val="15000"/>
+              </a:schemeClr>
+            </a:lnRef>
+            <a:fillRef idx="1">
+              <a:schemeClr val="accent3"/>
+            </a:fillRef>
+            <a:effectRef idx="0">
+              <a:schemeClr val="accent3"/>
+            </a:effectRef>
+            <a:fontRef idx="minor">
+              <a:schemeClr val="lt1"/>
+            </a:fontRef>
+          </p:style>
+          <p:txBody>
+            <a:bodyPr rtlCol="0" anchor="ctr"/>
+            <a:lstStyle/>
+            <a:p>
+              <a:pPr algn="ctr"/>
+              <a:endParaRPr lang="es-MX"/>
+            </a:p>
+          </p:txBody>
+        </p:sp>
+        <p:sp>
+          <p:nvSpPr>
+            <p:cNvPr id="15" name="Rectángulo: esquinas redondeadas 14">
+              <a:extLst>
+                <a:ext uri="{FF2B5EF4-FFF2-40B4-BE49-F238E27FC236}">
+                  <a16:creationId xmlns:a16="http://schemas.microsoft.com/office/drawing/2014/main" id="{239EF5F5-E6C2-2FFA-6DE3-F278A41111F0}"/>
+                </a:ext>
+              </a:extLst>
+            </p:cNvPr>
+            <p:cNvSpPr/>
+            <p:nvPr/>
+          </p:nvSpPr>
+          <p:spPr>
+            <a:xfrm>
+              <a:off x="3808900" y="1639712"/>
+              <a:ext cx="637824" cy="699911"/>
+            </a:xfrm>
+            <a:prstGeom prst="roundRect">
+              <a:avLst/>
+            </a:prstGeom>
+            <a:ln>
+              <a:noFill/>
+            </a:ln>
+          </p:spPr>
+          <p:style>
+            <a:lnRef idx="2">
+              <a:schemeClr val="accent3">
+                <a:shade val="15000"/>
+              </a:schemeClr>
+            </a:lnRef>
+            <a:fillRef idx="1">
+              <a:schemeClr val="accent3"/>
+            </a:fillRef>
+            <a:effectRef idx="0">
+              <a:schemeClr val="accent3"/>
+            </a:effectRef>
+            <a:fontRef idx="minor">
+              <a:schemeClr val="lt1"/>
+            </a:fontRef>
+          </p:style>
+          <p:txBody>
+            <a:bodyPr rtlCol="0" anchor="ctr"/>
+            <a:lstStyle/>
+            <a:p>
+              <a:pPr algn="ctr"/>
+              <a:endParaRPr lang="es-MX"/>
+            </a:p>
+          </p:txBody>
+        </p:sp>
+      </p:grpSp>
+      <p:grpSp>
+        <p:nvGrpSpPr>
+          <p:cNvPr id="20" name="Grupo 19">
+            <a:extLst>
+              <a:ext uri="{FF2B5EF4-FFF2-40B4-BE49-F238E27FC236}">
+                <a16:creationId xmlns:a16="http://schemas.microsoft.com/office/drawing/2014/main" id="{3FC59BB5-D8F4-415F-7B5A-08237D77B2CB}"/>
+              </a:ext>
+            </a:extLst>
+          </p:cNvPr>
+          <p:cNvGrpSpPr/>
+          <p:nvPr/>
+        </p:nvGrpSpPr>
+        <p:grpSpPr>
+          <a:xfrm>
+            <a:off x="-154283" y="0"/>
+            <a:ext cx="14625025" cy="6858000"/>
+            <a:chOff x="-154282" y="0"/>
+            <a:chExt cx="4111664" cy="6858000"/>
+          </a:xfrm>
+        </p:grpSpPr>
+        <p:sp>
+          <p:nvSpPr>
+            <p:cNvPr id="9" name="Rectángulo: esquinas redondeadas 8">
+              <a:extLst>
+                <a:ext uri="{FF2B5EF4-FFF2-40B4-BE49-F238E27FC236}">
+                  <a16:creationId xmlns:a16="http://schemas.microsoft.com/office/drawing/2014/main" id="{3B37CB4E-F178-8E26-5EE6-F061FE316C6A}"/>
+                </a:ext>
+              </a:extLst>
+            </p:cNvPr>
+            <p:cNvSpPr/>
+            <p:nvPr/>
+          </p:nvSpPr>
+          <p:spPr>
+            <a:xfrm>
+              <a:off x="-154282" y="0"/>
+              <a:ext cx="3781778" cy="6858000"/>
+            </a:xfrm>
+            <a:prstGeom prst="roundRect">
+              <a:avLst/>
+            </a:prstGeom>
+            <a:ln>
+              <a:noFill/>
+            </a:ln>
+          </p:spPr>
+          <p:style>
+            <a:lnRef idx="2">
+              <a:schemeClr val="accent2">
+                <a:shade val="15000"/>
+              </a:schemeClr>
+            </a:lnRef>
+            <a:fillRef idx="1">
+              <a:schemeClr val="accent2"/>
+            </a:fillRef>
+            <a:effectRef idx="0">
+              <a:schemeClr val="accent2"/>
+            </a:effectRef>
+            <a:fontRef idx="minor">
+              <a:schemeClr val="lt1"/>
+            </a:fontRef>
+          </p:style>
+          <p:txBody>
+            <a:bodyPr rtlCol="0" anchor="ctr"/>
+            <a:lstStyle/>
+            <a:p>
+              <a:pPr algn="ctr"/>
+              <a:endParaRPr lang="es-MX"/>
+            </a:p>
+          </p:txBody>
+        </p:sp>
+        <p:sp>
+          <p:nvSpPr>
+            <p:cNvPr id="16" name="Rectángulo: esquinas redondeadas 15">
+              <a:extLst>
+                <a:ext uri="{FF2B5EF4-FFF2-40B4-BE49-F238E27FC236}">
+                  <a16:creationId xmlns:a16="http://schemas.microsoft.com/office/drawing/2014/main" id="{CC2E6CFE-6BAC-6C20-684A-2583C030ADE6}"/>
+                </a:ext>
+              </a:extLst>
+            </p:cNvPr>
+            <p:cNvSpPr/>
+            <p:nvPr/>
+          </p:nvSpPr>
+          <p:spPr>
+            <a:xfrm>
+              <a:off x="3319558" y="2534356"/>
+              <a:ext cx="637824" cy="699911"/>
+            </a:xfrm>
+            <a:prstGeom prst="roundRect">
+              <a:avLst/>
+            </a:prstGeom>
+            <a:ln>
+              <a:noFill/>
+            </a:ln>
+          </p:spPr>
+          <p:style>
+            <a:lnRef idx="2">
+              <a:schemeClr val="accent2">
+                <a:shade val="15000"/>
+              </a:schemeClr>
+            </a:lnRef>
+            <a:fillRef idx="1">
+              <a:schemeClr val="accent2"/>
+            </a:fillRef>
+            <a:effectRef idx="0">
+              <a:schemeClr val="accent2"/>
+            </a:effectRef>
+            <a:fontRef idx="minor">
+              <a:schemeClr val="lt1"/>
+            </a:fontRef>
+          </p:style>
+          <p:txBody>
+            <a:bodyPr rtlCol="0" anchor="ctr"/>
+            <a:lstStyle/>
+            <a:p>
+              <a:pPr algn="ctr"/>
+              <a:endParaRPr lang="es-MX" dirty="0"/>
+            </a:p>
+          </p:txBody>
+        </p:sp>
+      </p:grpSp>
+      <p:grpSp>
+        <p:nvGrpSpPr>
+          <p:cNvPr id="19" name="Grupo 18">
+            <a:extLst>
+              <a:ext uri="{FF2B5EF4-FFF2-40B4-BE49-F238E27FC236}">
+                <a16:creationId xmlns:a16="http://schemas.microsoft.com/office/drawing/2014/main" id="{16AA2F68-2133-D497-6736-79EEA97182EC}"/>
+              </a:ext>
+            </a:extLst>
+          </p:cNvPr>
+          <p:cNvGrpSpPr/>
+          <p:nvPr/>
+        </p:nvGrpSpPr>
+        <p:grpSpPr>
+          <a:xfrm>
+            <a:off x="-649111" y="0"/>
+            <a:ext cx="4117151" cy="6858000"/>
+            <a:chOff x="-649111" y="0"/>
+            <a:chExt cx="4117151" cy="6858000"/>
+          </a:xfrm>
+        </p:grpSpPr>
+        <p:sp>
+          <p:nvSpPr>
+            <p:cNvPr id="10" name="Rectángulo: esquinas redondeadas 9">
+              <a:extLst>
+                <a:ext uri="{FF2B5EF4-FFF2-40B4-BE49-F238E27FC236}">
+                  <a16:creationId xmlns:a16="http://schemas.microsoft.com/office/drawing/2014/main" id="{7C406D7E-6005-C9AA-2890-5D7022EAAF4B}"/>
+                </a:ext>
+              </a:extLst>
+            </p:cNvPr>
+            <p:cNvSpPr/>
+            <p:nvPr/>
+          </p:nvSpPr>
+          <p:spPr>
+            <a:xfrm>
+              <a:off x="-649111" y="0"/>
+              <a:ext cx="3781778" cy="6858000"/>
+            </a:xfrm>
+            <a:prstGeom prst="roundRect">
+              <a:avLst/>
+            </a:prstGeom>
+            <a:ln>
+              <a:noFill/>
+            </a:ln>
+          </p:spPr>
+          <p:style>
+            <a:lnRef idx="2">
+              <a:schemeClr val="accent1">
+                <a:shade val="15000"/>
+              </a:schemeClr>
+            </a:lnRef>
+            <a:fillRef idx="1">
+              <a:schemeClr val="accent1"/>
+            </a:fillRef>
+            <a:effectRef idx="0">
+              <a:schemeClr val="accent1"/>
+            </a:effectRef>
+            <a:fontRef idx="minor">
+              <a:schemeClr val="lt1"/>
+            </a:fontRef>
+          </p:style>
+          <p:txBody>
+            <a:bodyPr rtlCol="0" anchor="ctr"/>
+            <a:lstStyle/>
+            <a:p>
+              <a:pPr algn="ctr"/>
+              <a:endParaRPr lang="es-MX"/>
+            </a:p>
+          </p:txBody>
+        </p:sp>
+        <p:sp>
+          <p:nvSpPr>
+            <p:cNvPr id="17" name="Rectángulo: esquinas redondeadas 16">
+              <a:extLst>
+                <a:ext uri="{FF2B5EF4-FFF2-40B4-BE49-F238E27FC236}">
+                  <a16:creationId xmlns:a16="http://schemas.microsoft.com/office/drawing/2014/main" id="{6CE9055A-8B12-2B6E-C6C8-76C3BDB0FD64}"/>
+                </a:ext>
+              </a:extLst>
+            </p:cNvPr>
+            <p:cNvSpPr/>
+            <p:nvPr/>
+          </p:nvSpPr>
+          <p:spPr>
+            <a:xfrm>
+              <a:off x="2830216" y="3429000"/>
+              <a:ext cx="637824" cy="699911"/>
+            </a:xfrm>
+            <a:prstGeom prst="roundRect">
+              <a:avLst/>
+            </a:prstGeom>
+            <a:ln>
+              <a:noFill/>
+            </a:ln>
+          </p:spPr>
+          <p:style>
+            <a:lnRef idx="2">
+              <a:schemeClr val="accent1">
+                <a:shade val="15000"/>
+              </a:schemeClr>
+            </a:lnRef>
+            <a:fillRef idx="1">
+              <a:schemeClr val="accent1"/>
+            </a:fillRef>
+            <a:effectRef idx="0">
+              <a:schemeClr val="accent1"/>
+            </a:effectRef>
+            <a:fontRef idx="minor">
+              <a:schemeClr val="lt1"/>
+            </a:fontRef>
+          </p:style>
+          <p:txBody>
+            <a:bodyPr rtlCol="0" anchor="ctr"/>
+            <a:lstStyle/>
+            <a:p>
+              <a:pPr algn="ctr"/>
+              <a:endParaRPr lang="es-MX"/>
+            </a:p>
+          </p:txBody>
+        </p:sp>
+      </p:grpSp>
+      <p:sp>
+        <p:nvSpPr>
+          <p:cNvPr id="34" name="Título 1">
+            <a:extLst>
+              <a:ext uri="{FF2B5EF4-FFF2-40B4-BE49-F238E27FC236}">
+                <a16:creationId xmlns:a16="http://schemas.microsoft.com/office/drawing/2014/main" id="{3B75300E-558B-E70B-9547-B57B8A3A927A}"/>
+              </a:ext>
+            </a:extLst>
+          </p:cNvPr>
+          <p:cNvSpPr txBox="1">
+            <a:spLocks/>
+          </p:cNvSpPr>
+          <p:nvPr/>
+        </p:nvSpPr>
+        <p:spPr>
+          <a:xfrm rot="16200000">
+            <a:off x="932976" y="1804573"/>
+            <a:ext cx="3953933" cy="478369"/>
+          </a:xfrm>
+          <a:prstGeom prst="rect">
+            <a:avLst/>
+          </a:prstGeom>
+        </p:spPr>
+        <p:txBody>
+          <a:bodyPr/>
+          <a:lstStyle>
+            <a:lvl1pPr algn="l" defTabSz="457200" rtl="0" eaLnBrk="1" latinLnBrk="0" hangingPunct="1">
+              <a:spcBef>
+                <a:spcPct val="0"/>
+              </a:spcBef>
+              <a:buNone/>
+              <a:defRPr sz="2800" b="0" kern="1200" cap="all">
+                <a:solidFill>
+                  <a:schemeClr val="bg1"/>
+                </a:solidFill>
+                <a:latin typeface="+mj-lt"/>
+                <a:ea typeface="+mj-ea"/>
+                <a:cs typeface="+mj-cs"/>
+              </a:defRPr>
+            </a:lvl1pPr>
+            <a:lvl2pPr eaLnBrk="1" hangingPunct="1">
+              <a:defRPr>
+                <a:solidFill>
+                  <a:schemeClr val="tx2"/>
+                </a:solidFill>
+              </a:defRPr>
+            </a:lvl2pPr>
+            <a:lvl3pPr eaLnBrk="1" hangingPunct="1">
+              <a:defRPr>
+                <a:solidFill>
+                  <a:schemeClr val="tx2"/>
+                </a:solidFill>
+              </a:defRPr>
+            </a:lvl3pPr>
+            <a:lvl4pPr eaLnBrk="1" hangingPunct="1">
+              <a:defRPr>
+                <a:solidFill>
+                  <a:schemeClr val="tx2"/>
+                </a:solidFill>
+              </a:defRPr>
+            </a:lvl4pPr>
+            <a:lvl5pPr eaLnBrk="1" hangingPunct="1">
+              <a:defRPr>
+                <a:solidFill>
+                  <a:schemeClr val="tx2"/>
+                </a:solidFill>
+              </a:defRPr>
+            </a:lvl5pPr>
+            <a:lvl6pPr eaLnBrk="1" hangingPunct="1">
+              <a:defRPr>
+                <a:solidFill>
+                  <a:schemeClr val="tx2"/>
+                </a:solidFill>
+              </a:defRPr>
+            </a:lvl6pPr>
+            <a:lvl7pPr eaLnBrk="1" hangingPunct="1">
+              <a:defRPr>
+                <a:solidFill>
+                  <a:schemeClr val="tx2"/>
+                </a:solidFill>
+              </a:defRPr>
+            </a:lvl7pPr>
+            <a:lvl8pPr eaLnBrk="1" hangingPunct="1">
+              <a:defRPr>
+                <a:solidFill>
+                  <a:schemeClr val="tx2"/>
+                </a:solidFill>
+              </a:defRPr>
+            </a:lvl8pPr>
+            <a:lvl9pPr eaLnBrk="1" hangingPunct="1">
+              <a:defRPr>
+                <a:solidFill>
+                  <a:schemeClr val="tx2"/>
+                </a:solidFill>
+              </a:defRPr>
+            </a:lvl9pPr>
+          </a:lstStyle>
+          <a:p>
+            <a:pPr algn="ctr"/>
+            <a:r>
+              <a:rPr lang="es-MX" sz="2000" dirty="0">
+                <a:solidFill>
+                  <a:schemeClr val="tx1"/>
+                </a:solidFill>
+              </a:rPr>
+              <a:t>Máscara termoplástica</a:t>
+            </a:r>
+          </a:p>
+        </p:txBody>
+      </p:sp>
+      <p:sp>
+        <p:nvSpPr>
+          <p:cNvPr id="2" name="Título 1">
+            <a:extLst>
+              <a:ext uri="{FF2B5EF4-FFF2-40B4-BE49-F238E27FC236}">
+                <a16:creationId xmlns:a16="http://schemas.microsoft.com/office/drawing/2014/main" id="{E7D4A7F2-2330-C147-8A5F-EC45D0A2A251}"/>
+              </a:ext>
+            </a:extLst>
+          </p:cNvPr>
+          <p:cNvSpPr txBox="1">
+            <a:spLocks/>
+          </p:cNvSpPr>
+          <p:nvPr/>
+        </p:nvSpPr>
+        <p:spPr>
+          <a:xfrm>
+            <a:off x="5256622" y="210762"/>
+            <a:ext cx="4596274" cy="562200"/>
+          </a:xfrm>
+          <a:prstGeom prst="rect">
+            <a:avLst/>
+          </a:prstGeom>
+        </p:spPr>
+        <p:txBody>
+          <a:bodyPr/>
+          <a:lstStyle>
+            <a:lvl1pPr algn="l" defTabSz="457200" rtl="0" eaLnBrk="1" latinLnBrk="0" hangingPunct="1">
+              <a:spcBef>
+                <a:spcPct val="0"/>
+              </a:spcBef>
+              <a:buNone/>
+              <a:defRPr sz="2800" b="0" kern="1200" cap="all">
+                <a:solidFill>
+                  <a:schemeClr val="bg1"/>
+                </a:solidFill>
+                <a:latin typeface="+mj-lt"/>
+                <a:ea typeface="+mj-ea"/>
+                <a:cs typeface="+mj-cs"/>
+              </a:defRPr>
+            </a:lvl1pPr>
+            <a:lvl2pPr eaLnBrk="1" hangingPunct="1">
+              <a:defRPr>
+                <a:solidFill>
+                  <a:schemeClr val="tx2"/>
+                </a:solidFill>
+              </a:defRPr>
+            </a:lvl2pPr>
+            <a:lvl3pPr eaLnBrk="1" hangingPunct="1">
+              <a:defRPr>
+                <a:solidFill>
+                  <a:schemeClr val="tx2"/>
+                </a:solidFill>
+              </a:defRPr>
+            </a:lvl3pPr>
+            <a:lvl4pPr eaLnBrk="1" hangingPunct="1">
+              <a:defRPr>
+                <a:solidFill>
+                  <a:schemeClr val="tx2"/>
+                </a:solidFill>
+              </a:defRPr>
+            </a:lvl4pPr>
+            <a:lvl5pPr eaLnBrk="1" hangingPunct="1">
+              <a:defRPr>
+                <a:solidFill>
+                  <a:schemeClr val="tx2"/>
+                </a:solidFill>
+              </a:defRPr>
+            </a:lvl5pPr>
+            <a:lvl6pPr eaLnBrk="1" hangingPunct="1">
+              <a:defRPr>
+                <a:solidFill>
+                  <a:schemeClr val="tx2"/>
+                </a:solidFill>
+              </a:defRPr>
+            </a:lvl6pPr>
+            <a:lvl7pPr eaLnBrk="1" hangingPunct="1">
+              <a:defRPr>
+                <a:solidFill>
+                  <a:schemeClr val="tx2"/>
+                </a:solidFill>
+              </a:defRPr>
+            </a:lvl7pPr>
+            <a:lvl8pPr eaLnBrk="1" hangingPunct="1">
+              <a:defRPr>
+                <a:solidFill>
+                  <a:schemeClr val="tx2"/>
+                </a:solidFill>
+              </a:defRPr>
+            </a:lvl8pPr>
+            <a:lvl9pPr eaLnBrk="1" hangingPunct="1">
+              <a:defRPr>
+                <a:solidFill>
+                  <a:schemeClr val="tx2"/>
+                </a:solidFill>
+              </a:defRPr>
+            </a:lvl9pPr>
+          </a:lstStyle>
+          <a:p>
+            <a:pPr algn="ctr"/>
+            <a:r>
+              <a:rPr lang="es-MX" sz="3200" dirty="0" err="1">
+                <a:solidFill>
+                  <a:schemeClr val="tx1"/>
+                </a:solidFill>
+              </a:rPr>
+              <a:t>mordedera</a:t>
+            </a:r>
+            <a:endParaRPr lang="es-MX" sz="3200" dirty="0">
+              <a:solidFill>
+                <a:schemeClr val="tx1"/>
+              </a:solidFill>
+            </a:endParaRPr>
+          </a:p>
+        </p:txBody>
+      </p:sp>
+      <p:pic>
+        <p:nvPicPr>
+          <p:cNvPr id="4" name="Imagen 3">
+            <a:extLst>
+              <a:ext uri="{FF2B5EF4-FFF2-40B4-BE49-F238E27FC236}">
+                <a16:creationId xmlns:a16="http://schemas.microsoft.com/office/drawing/2014/main" id="{9E2393A1-638B-415F-66CC-5137EF11812E}"/>
+              </a:ext>
+            </a:extLst>
+          </p:cNvPr>
+          <p:cNvPicPr>
+            <a:picLocks noChangeAspect="1"/>
+          </p:cNvPicPr>
+          <p:nvPr/>
+        </p:nvPicPr>
+        <p:blipFill>
+          <a:blip r:embed="rId2"/>
+          <a:stretch>
+            <a:fillRect/>
+          </a:stretch>
+        </p:blipFill>
+        <p:spPr>
+          <a:xfrm>
+            <a:off x="3897878" y="1989667"/>
+            <a:ext cx="3240000" cy="3240000"/>
+          </a:xfrm>
+          <a:prstGeom prst="rect">
+            <a:avLst/>
+          </a:prstGeom>
+        </p:spPr>
+      </p:pic>
+      <p:sp>
+        <p:nvSpPr>
+          <p:cNvPr id="5" name="Título 1">
+            <a:extLst>
+              <a:ext uri="{FF2B5EF4-FFF2-40B4-BE49-F238E27FC236}">
+                <a16:creationId xmlns:a16="http://schemas.microsoft.com/office/drawing/2014/main" id="{09FAC756-A926-CED3-8BCF-4473C398C09D}"/>
+              </a:ext>
+            </a:extLst>
+          </p:cNvPr>
+          <p:cNvSpPr txBox="1">
+            <a:spLocks/>
+          </p:cNvSpPr>
+          <p:nvPr/>
+        </p:nvSpPr>
+        <p:spPr>
+          <a:xfrm>
+            <a:off x="4178733" y="1529400"/>
+            <a:ext cx="2678290" cy="562200"/>
+          </a:xfrm>
+          <a:prstGeom prst="rect">
+            <a:avLst/>
+          </a:prstGeom>
+        </p:spPr>
+        <p:txBody>
+          <a:bodyPr/>
+          <a:lstStyle>
+            <a:lvl1pPr algn="l" defTabSz="457200" rtl="0" eaLnBrk="1" latinLnBrk="0" hangingPunct="1">
+              <a:spcBef>
+                <a:spcPct val="0"/>
+              </a:spcBef>
+              <a:buNone/>
+              <a:defRPr sz="2800" b="0" kern="1200" cap="all">
+                <a:solidFill>
+                  <a:schemeClr val="bg1"/>
+                </a:solidFill>
+                <a:latin typeface="+mj-lt"/>
+                <a:ea typeface="+mj-ea"/>
+                <a:cs typeface="+mj-cs"/>
+              </a:defRPr>
+            </a:lvl1pPr>
+            <a:lvl2pPr eaLnBrk="1" hangingPunct="1">
+              <a:defRPr>
+                <a:solidFill>
+                  <a:schemeClr val="tx2"/>
+                </a:solidFill>
+              </a:defRPr>
+            </a:lvl2pPr>
+            <a:lvl3pPr eaLnBrk="1" hangingPunct="1">
+              <a:defRPr>
+                <a:solidFill>
+                  <a:schemeClr val="tx2"/>
+                </a:solidFill>
+              </a:defRPr>
+            </a:lvl3pPr>
+            <a:lvl4pPr eaLnBrk="1" hangingPunct="1">
+              <a:defRPr>
+                <a:solidFill>
+                  <a:schemeClr val="tx2"/>
+                </a:solidFill>
+              </a:defRPr>
+            </a:lvl4pPr>
+            <a:lvl5pPr eaLnBrk="1" hangingPunct="1">
+              <a:defRPr>
+                <a:solidFill>
+                  <a:schemeClr val="tx2"/>
+                </a:solidFill>
+              </a:defRPr>
+            </a:lvl5pPr>
+            <a:lvl6pPr eaLnBrk="1" hangingPunct="1">
+              <a:defRPr>
+                <a:solidFill>
+                  <a:schemeClr val="tx2"/>
+                </a:solidFill>
+              </a:defRPr>
+            </a:lvl6pPr>
+            <a:lvl7pPr eaLnBrk="1" hangingPunct="1">
+              <a:defRPr>
+                <a:solidFill>
+                  <a:schemeClr val="tx2"/>
+                </a:solidFill>
+              </a:defRPr>
+            </a:lvl7pPr>
+            <a:lvl8pPr eaLnBrk="1" hangingPunct="1">
+              <a:defRPr>
+                <a:solidFill>
+                  <a:schemeClr val="tx2"/>
+                </a:solidFill>
+              </a:defRPr>
+            </a:lvl8pPr>
+            <a:lvl9pPr eaLnBrk="1" hangingPunct="1">
+              <a:defRPr>
+                <a:solidFill>
+                  <a:schemeClr val="tx2"/>
+                </a:solidFill>
+              </a:defRPr>
+            </a:lvl9pPr>
+          </a:lstStyle>
+          <a:p>
+            <a:pPr algn="ctr"/>
+            <a:r>
+              <a:rPr lang="es-MX" i="1" dirty="0" err="1">
+                <a:solidFill>
+                  <a:schemeClr val="tx1"/>
+                </a:solidFill>
+              </a:rPr>
+              <a:t>bitefix</a:t>
+            </a:r>
+            <a:endParaRPr lang="es-MX" i="1" dirty="0">
+              <a:solidFill>
+                <a:schemeClr val="tx1"/>
+              </a:solidFill>
+            </a:endParaRPr>
+          </a:p>
+        </p:txBody>
+      </p:sp>
+      <p:sp>
+        <p:nvSpPr>
+          <p:cNvPr id="28" name="CuadroTexto 27">
+            <a:extLst>
+              <a:ext uri="{FF2B5EF4-FFF2-40B4-BE49-F238E27FC236}">
+                <a16:creationId xmlns:a16="http://schemas.microsoft.com/office/drawing/2014/main" id="{441CA65B-E8E6-0D36-96FD-85DAF4457E50}"/>
+              </a:ext>
+            </a:extLst>
+          </p:cNvPr>
+          <p:cNvSpPr txBox="1"/>
+          <p:nvPr/>
+        </p:nvSpPr>
+        <p:spPr>
+          <a:xfrm>
+            <a:off x="5014413" y="5127734"/>
+            <a:ext cx="1006930" cy="369332"/>
+          </a:xfrm>
+          <a:prstGeom prst="rect">
+            <a:avLst/>
+          </a:prstGeom>
+          <a:noFill/>
+        </p:spPr>
+        <p:txBody>
+          <a:bodyPr wrap="square">
+            <a:spAutoFit/>
+          </a:bodyPr>
+          <a:lstStyle/>
+          <a:p>
+            <a:pPr algn="ctr"/>
+            <a:r>
+              <a:rPr lang="es-MX" sz="1800" i="1" dirty="0">
+                <a:solidFill>
+                  <a:schemeClr val="tx1"/>
+                </a:solidFill>
+              </a:rPr>
+              <a:t>32788</a:t>
+            </a:r>
+          </a:p>
+        </p:txBody>
+      </p:sp>
+      <p:pic>
+        <p:nvPicPr>
+          <p:cNvPr id="3074" name="Picture 2" descr="BiteLok®️ — Klarity">
+            <a:extLst>
+              <a:ext uri="{FF2B5EF4-FFF2-40B4-BE49-F238E27FC236}">
+                <a16:creationId xmlns:a16="http://schemas.microsoft.com/office/drawing/2014/main" id="{F7E3CAC1-57D8-44E4-1A70-7B49ACA87254}"/>
+              </a:ext>
+            </a:extLst>
+          </p:cNvPr>
+          <p:cNvPicPr>
+            <a:picLocks noChangeAspect="1" noChangeArrowheads="1"/>
+          </p:cNvPicPr>
+          <p:nvPr/>
+        </p:nvPicPr>
+        <p:blipFill rotWithShape="1">
+          <a:blip r:embed="rId3">
+            <a:extLst>
+              <a:ext uri="{28A0092B-C50C-407E-A947-70E740481C1C}">
+                <a14:useLocalDpi xmlns:a14="http://schemas.microsoft.com/office/drawing/2010/main" val="0"/>
+              </a:ext>
+            </a:extLst>
+          </a:blip>
+          <a:srcRect t="4064"/>
+          <a:stretch/>
+        </p:blipFill>
+        <p:spPr bwMode="auto">
+          <a:xfrm>
+            <a:off x="8179358" y="2121713"/>
+            <a:ext cx="3240000" cy="3006021"/>
+          </a:xfrm>
+          <a:prstGeom prst="rect">
+            <a:avLst/>
+          </a:prstGeom>
+          <a:noFill/>
+          <a:extLst>
+            <a:ext uri="{909E8E84-426E-40DD-AFC4-6F175D3DCCD1}">
+              <a14:hiddenFill xmlns:a14="http://schemas.microsoft.com/office/drawing/2010/main">
+                <a:solidFill>
+                  <a:srgbClr val="FFFFFF"/>
+                </a:solidFill>
+              </a14:hiddenFill>
+            </a:ext>
+          </a:extLst>
+        </p:spPr>
+      </p:pic>
+      <p:sp>
+        <p:nvSpPr>
+          <p:cNvPr id="29" name="Título 1">
+            <a:extLst>
+              <a:ext uri="{FF2B5EF4-FFF2-40B4-BE49-F238E27FC236}">
+                <a16:creationId xmlns:a16="http://schemas.microsoft.com/office/drawing/2014/main" id="{EC289660-FFEA-2E13-A920-668AC80BECDC}"/>
+              </a:ext>
+            </a:extLst>
+          </p:cNvPr>
+          <p:cNvSpPr txBox="1">
+            <a:spLocks/>
+          </p:cNvSpPr>
+          <p:nvPr/>
+        </p:nvSpPr>
+        <p:spPr>
+          <a:xfrm>
+            <a:off x="8460213" y="1534205"/>
+            <a:ext cx="2678290" cy="562200"/>
+          </a:xfrm>
+          <a:prstGeom prst="rect">
+            <a:avLst/>
+          </a:prstGeom>
+        </p:spPr>
+        <p:txBody>
+          <a:bodyPr/>
+          <a:lstStyle>
+            <a:lvl1pPr algn="l" defTabSz="457200" rtl="0" eaLnBrk="1" latinLnBrk="0" hangingPunct="1">
+              <a:spcBef>
+                <a:spcPct val="0"/>
+              </a:spcBef>
+              <a:buNone/>
+              <a:defRPr sz="2800" b="0" kern="1200" cap="all">
+                <a:solidFill>
+                  <a:schemeClr val="bg1"/>
+                </a:solidFill>
+                <a:latin typeface="+mj-lt"/>
+                <a:ea typeface="+mj-ea"/>
+                <a:cs typeface="+mj-cs"/>
+              </a:defRPr>
+            </a:lvl1pPr>
+            <a:lvl2pPr eaLnBrk="1" hangingPunct="1">
+              <a:defRPr>
+                <a:solidFill>
+                  <a:schemeClr val="tx2"/>
+                </a:solidFill>
+              </a:defRPr>
+            </a:lvl2pPr>
+            <a:lvl3pPr eaLnBrk="1" hangingPunct="1">
+              <a:defRPr>
+                <a:solidFill>
+                  <a:schemeClr val="tx2"/>
+                </a:solidFill>
+              </a:defRPr>
+            </a:lvl3pPr>
+            <a:lvl4pPr eaLnBrk="1" hangingPunct="1">
+              <a:defRPr>
+                <a:solidFill>
+                  <a:schemeClr val="tx2"/>
+                </a:solidFill>
+              </a:defRPr>
+            </a:lvl4pPr>
+            <a:lvl5pPr eaLnBrk="1" hangingPunct="1">
+              <a:defRPr>
+                <a:solidFill>
+                  <a:schemeClr val="tx2"/>
+                </a:solidFill>
+              </a:defRPr>
+            </a:lvl5pPr>
+            <a:lvl6pPr eaLnBrk="1" hangingPunct="1">
+              <a:defRPr>
+                <a:solidFill>
+                  <a:schemeClr val="tx2"/>
+                </a:solidFill>
+              </a:defRPr>
+            </a:lvl6pPr>
+            <a:lvl7pPr eaLnBrk="1" hangingPunct="1">
+              <a:defRPr>
+                <a:solidFill>
+                  <a:schemeClr val="tx2"/>
+                </a:solidFill>
+              </a:defRPr>
+            </a:lvl7pPr>
+            <a:lvl8pPr eaLnBrk="1" hangingPunct="1">
+              <a:defRPr>
+                <a:solidFill>
+                  <a:schemeClr val="tx2"/>
+                </a:solidFill>
+              </a:defRPr>
+            </a:lvl8pPr>
+            <a:lvl9pPr eaLnBrk="1" hangingPunct="1">
+              <a:defRPr>
+                <a:solidFill>
+                  <a:schemeClr val="tx2"/>
+                </a:solidFill>
+              </a:defRPr>
+            </a:lvl9pPr>
+          </a:lstStyle>
+          <a:p>
+            <a:pPr algn="ctr"/>
+            <a:r>
+              <a:rPr lang="es-MX" i="1" dirty="0" err="1">
+                <a:solidFill>
+                  <a:schemeClr val="tx1"/>
+                </a:solidFill>
+              </a:rPr>
+              <a:t>bitelok</a:t>
+            </a:r>
+            <a:endParaRPr lang="es-MX" i="1" dirty="0">
+              <a:solidFill>
+                <a:schemeClr val="tx1"/>
+              </a:solidFill>
+            </a:endParaRPr>
+          </a:p>
+        </p:txBody>
+      </p:sp>
+      <p:sp>
+        <p:nvSpPr>
+          <p:cNvPr id="30" name="CuadroTexto 29">
+            <a:extLst>
+              <a:ext uri="{FF2B5EF4-FFF2-40B4-BE49-F238E27FC236}">
+                <a16:creationId xmlns:a16="http://schemas.microsoft.com/office/drawing/2014/main" id="{0310117C-90FB-5F9F-6083-BDE4BF198DD0}"/>
+              </a:ext>
+            </a:extLst>
+          </p:cNvPr>
+          <p:cNvSpPr txBox="1"/>
+          <p:nvPr/>
+        </p:nvSpPr>
+        <p:spPr>
+          <a:xfrm>
+            <a:off x="8553342" y="5167890"/>
+            <a:ext cx="2492032" cy="369332"/>
+          </a:xfrm>
+          <a:prstGeom prst="rect">
+            <a:avLst/>
+          </a:prstGeom>
+          <a:noFill/>
+        </p:spPr>
+        <p:txBody>
+          <a:bodyPr wrap="square">
+            <a:spAutoFit/>
+          </a:bodyPr>
+          <a:lstStyle/>
+          <a:p>
+            <a:pPr algn="ctr"/>
+            <a:r>
+              <a:rPr lang="es-MX" sz="1800" i="1" dirty="0">
+                <a:solidFill>
+                  <a:schemeClr val="tx1"/>
+                </a:solidFill>
+              </a:rPr>
+              <a:t>Sin depresor lingual</a:t>
+            </a:r>
+          </a:p>
+        </p:txBody>
+      </p:sp>
+    </p:spTree>
+    <p:extLst>
+      <p:ext uri="{BB962C8B-B14F-4D97-AF65-F5344CB8AC3E}">
+        <p14:creationId xmlns:p14="http://schemas.microsoft.com/office/powerpoint/2010/main" val="3796831605"/>
+      </p:ext>
+    </p:extLst>
+  </p:cSld>
+  <p:clrMapOvr>
+    <a:masterClrMapping/>
+  </p:clrMapOvr>
+  <mc:AlternateContent xmlns:mc="http://schemas.openxmlformats.org/markup-compatibility/2006">
+    <mc:Choice xmlns:p159="http://schemas.microsoft.com/office/powerpoint/2015/09/main" Requires="p159">
+      <p:transition xmlns:p14="http://schemas.microsoft.com/office/powerpoint/2010/main" spd="slow" p14:dur="2000">
+        <p159:morph option="byObject"/>
+      </p:transition>
+    </mc:Choice>
+    <mc:Fallback>
+      <p:transition spd="slow">
+        <p:fade/>
+      </p:transition>
+    </mc:Fallback>
+  </mc:AlternateContent>
+</p:sld>
+</file>
+
+<file path=ppt/slides/slide6.xml><?xml version="1.0" encoding="utf-8"?>
+<p:sld xmlns:a="http://schemas.openxmlformats.org/drawingml/2006/main" xmlns:r="http://schemas.openxmlformats.org/officeDocument/2006/relationships" xmlns:p="http://schemas.openxmlformats.org/presentationml/2006/main">
+  <p:cSld>
+    <p:bg>
+      <p:bgPr>
+        <a:solidFill>
+          <a:schemeClr val="bg1"/>
+        </a:solidFill>
+        <a:effectLst/>
+      </p:bgPr>
+    </p:bg>
+    <p:spTree>
+      <p:nvGrpSpPr>
+        <p:cNvPr id="1" name=""/>
+        <p:cNvGrpSpPr/>
+        <p:nvPr/>
+      </p:nvGrpSpPr>
+      <p:grpSpPr>
+        <a:xfrm>
+          <a:off x="0" y="0"/>
+          <a:ext cx="0" cy="0"/>
+          <a:chOff x="0" y="0"/>
+          <a:chExt cx="0" cy="0"/>
+        </a:xfrm>
+      </p:grpSpPr>
+      <p:grpSp>
+        <p:nvGrpSpPr>
+          <p:cNvPr id="22" name="Grupo 21">
+            <a:extLst>
+              <a:ext uri="{FF2B5EF4-FFF2-40B4-BE49-F238E27FC236}">
+                <a16:creationId xmlns:a16="http://schemas.microsoft.com/office/drawing/2014/main" id="{582D7BC1-E789-6F27-0CF7-33DC475E5790}"/>
+              </a:ext>
+            </a:extLst>
+          </p:cNvPr>
+          <p:cNvGrpSpPr/>
+          <p:nvPr/>
+        </p:nvGrpSpPr>
+        <p:grpSpPr>
+          <a:xfrm>
+            <a:off x="835377" y="0"/>
+            <a:ext cx="13375923" cy="6858000"/>
+            <a:chOff x="835377" y="0"/>
+            <a:chExt cx="4100689" cy="6858000"/>
+          </a:xfrm>
+          <a:solidFill>
+            <a:schemeClr val="accent1">
+              <a:lumMod val="10000"/>
+              <a:lumOff val="90000"/>
+            </a:schemeClr>
+          </a:solidFill>
+        </p:grpSpPr>
+        <p:sp>
+          <p:nvSpPr>
+            <p:cNvPr id="7" name="Rectángulo: esquinas redondeadas 6">
+              <a:extLst>
+                <a:ext uri="{FF2B5EF4-FFF2-40B4-BE49-F238E27FC236}">
+                  <a16:creationId xmlns:a16="http://schemas.microsoft.com/office/drawing/2014/main" id="{9BFC0573-6232-92BC-FE07-B4312DD4187E}"/>
+                </a:ext>
+              </a:extLst>
+            </p:cNvPr>
+            <p:cNvSpPr/>
+            <p:nvPr/>
+          </p:nvSpPr>
+          <p:spPr>
+            <a:xfrm>
+              <a:off x="835377" y="0"/>
+              <a:ext cx="3781778" cy="6858000"/>
+            </a:xfrm>
+            <a:prstGeom prst="roundRect">
+              <a:avLst/>
+            </a:prstGeom>
+            <a:grpFill/>
+            <a:ln>
+              <a:noFill/>
+            </a:ln>
+          </p:spPr>
+          <p:style>
+            <a:lnRef idx="2">
+              <a:schemeClr val="accent4">
+                <a:shade val="15000"/>
+              </a:schemeClr>
+            </a:lnRef>
+            <a:fillRef idx="1">
+              <a:schemeClr val="accent4"/>
+            </a:fillRef>
+            <a:effectRef idx="0">
+              <a:schemeClr val="accent4"/>
+            </a:effectRef>
+            <a:fontRef idx="minor">
+              <a:schemeClr val="lt1"/>
+            </a:fontRef>
+          </p:style>
+          <p:txBody>
+            <a:bodyPr rtlCol="0" anchor="ctr"/>
+            <a:lstStyle/>
+            <a:p>
+              <a:pPr algn="ctr"/>
+              <a:endParaRPr lang="es-MX"/>
+            </a:p>
+          </p:txBody>
+        </p:sp>
+        <p:sp>
+          <p:nvSpPr>
+            <p:cNvPr id="14" name="Rectángulo: esquinas redondeadas 13">
+              <a:extLst>
+                <a:ext uri="{FF2B5EF4-FFF2-40B4-BE49-F238E27FC236}">
+                  <a16:creationId xmlns:a16="http://schemas.microsoft.com/office/drawing/2014/main" id="{B3B138C9-EC44-DB10-C3BE-C7C6686B1CA2}"/>
+                </a:ext>
+              </a:extLst>
+            </p:cNvPr>
+            <p:cNvSpPr/>
+            <p:nvPr/>
+          </p:nvSpPr>
+          <p:spPr>
+            <a:xfrm>
+              <a:off x="4298242" y="745068"/>
+              <a:ext cx="637824" cy="699911"/>
+            </a:xfrm>
+            <a:prstGeom prst="roundRect">
+              <a:avLst/>
+            </a:prstGeom>
+            <a:grpFill/>
+            <a:ln>
+              <a:noFill/>
+            </a:ln>
+          </p:spPr>
+          <p:style>
+            <a:lnRef idx="2">
+              <a:schemeClr val="accent4">
+                <a:shade val="15000"/>
+              </a:schemeClr>
+            </a:lnRef>
+            <a:fillRef idx="1">
+              <a:schemeClr val="accent4"/>
+            </a:fillRef>
+            <a:effectRef idx="0">
+              <a:schemeClr val="accent4"/>
+            </a:effectRef>
+            <a:fontRef idx="minor">
+              <a:schemeClr val="lt1"/>
+            </a:fontRef>
+          </p:style>
+          <p:txBody>
+            <a:bodyPr rtlCol="0" anchor="ctr"/>
+            <a:lstStyle/>
+            <a:p>
+              <a:pPr algn="ctr"/>
+              <a:endParaRPr lang="es-MX"/>
+            </a:p>
+          </p:txBody>
+        </p:sp>
+      </p:grpSp>
+      <p:grpSp>
+        <p:nvGrpSpPr>
+          <p:cNvPr id="21" name="Grupo 20">
+            <a:extLst>
+              <a:ext uri="{FF2B5EF4-FFF2-40B4-BE49-F238E27FC236}">
+                <a16:creationId xmlns:a16="http://schemas.microsoft.com/office/drawing/2014/main" id="{4823467F-8482-47F6-4FE8-83BF9A83C585}"/>
+              </a:ext>
+            </a:extLst>
+          </p:cNvPr>
+          <p:cNvGrpSpPr/>
+          <p:nvPr/>
+        </p:nvGrpSpPr>
+        <p:grpSpPr>
+          <a:xfrm>
+            <a:off x="340547" y="0"/>
+            <a:ext cx="13870753" cy="6858000"/>
+            <a:chOff x="340547" y="0"/>
+            <a:chExt cx="4106177" cy="6858000"/>
+          </a:xfrm>
+        </p:grpSpPr>
+        <p:sp>
+          <p:nvSpPr>
+            <p:cNvPr id="8" name="Rectángulo: esquinas redondeadas 7">
+              <a:extLst>
+                <a:ext uri="{FF2B5EF4-FFF2-40B4-BE49-F238E27FC236}">
+                  <a16:creationId xmlns:a16="http://schemas.microsoft.com/office/drawing/2014/main" id="{E09FD300-7731-912F-C669-5032817EF110}"/>
+                </a:ext>
+              </a:extLst>
+            </p:cNvPr>
+            <p:cNvSpPr/>
+            <p:nvPr/>
+          </p:nvSpPr>
+          <p:spPr>
+            <a:xfrm>
+              <a:off x="340547" y="0"/>
+              <a:ext cx="3781778" cy="6858000"/>
+            </a:xfrm>
+            <a:prstGeom prst="roundRect">
+              <a:avLst/>
+            </a:prstGeom>
+            <a:ln>
+              <a:noFill/>
+            </a:ln>
+          </p:spPr>
+          <p:style>
+            <a:lnRef idx="2">
+              <a:schemeClr val="accent3">
+                <a:shade val="15000"/>
+              </a:schemeClr>
+            </a:lnRef>
+            <a:fillRef idx="1">
+              <a:schemeClr val="accent3"/>
+            </a:fillRef>
+            <a:effectRef idx="0">
+              <a:schemeClr val="accent3"/>
+            </a:effectRef>
+            <a:fontRef idx="minor">
+              <a:schemeClr val="lt1"/>
+            </a:fontRef>
+          </p:style>
+          <p:txBody>
+            <a:bodyPr rtlCol="0" anchor="ctr"/>
+            <a:lstStyle/>
+            <a:p>
+              <a:pPr algn="ctr"/>
+              <a:endParaRPr lang="es-MX"/>
+            </a:p>
+          </p:txBody>
+        </p:sp>
+        <p:sp>
+          <p:nvSpPr>
+            <p:cNvPr id="15" name="Rectángulo: esquinas redondeadas 14">
+              <a:extLst>
+                <a:ext uri="{FF2B5EF4-FFF2-40B4-BE49-F238E27FC236}">
+                  <a16:creationId xmlns:a16="http://schemas.microsoft.com/office/drawing/2014/main" id="{239EF5F5-E6C2-2FFA-6DE3-F278A41111F0}"/>
+                </a:ext>
+              </a:extLst>
+            </p:cNvPr>
+            <p:cNvSpPr/>
+            <p:nvPr/>
+          </p:nvSpPr>
+          <p:spPr>
+            <a:xfrm>
+              <a:off x="3808900" y="1639712"/>
+              <a:ext cx="637824" cy="699911"/>
+            </a:xfrm>
+            <a:prstGeom prst="roundRect">
+              <a:avLst/>
+            </a:prstGeom>
+            <a:ln>
+              <a:noFill/>
+            </a:ln>
+          </p:spPr>
+          <p:style>
+            <a:lnRef idx="2">
+              <a:schemeClr val="accent3">
+                <a:shade val="15000"/>
+              </a:schemeClr>
+            </a:lnRef>
+            <a:fillRef idx="1">
+              <a:schemeClr val="accent3"/>
+            </a:fillRef>
+            <a:effectRef idx="0">
+              <a:schemeClr val="accent3"/>
+            </a:effectRef>
+            <a:fontRef idx="minor">
+              <a:schemeClr val="lt1"/>
+            </a:fontRef>
+          </p:style>
+          <p:txBody>
+            <a:bodyPr rtlCol="0" anchor="ctr"/>
+            <a:lstStyle/>
+            <a:p>
+              <a:pPr algn="ctr"/>
+              <a:endParaRPr lang="es-MX"/>
+            </a:p>
+          </p:txBody>
+        </p:sp>
+      </p:grpSp>
+      <p:grpSp>
+        <p:nvGrpSpPr>
+          <p:cNvPr id="20" name="Grupo 19">
+            <a:extLst>
+              <a:ext uri="{FF2B5EF4-FFF2-40B4-BE49-F238E27FC236}">
+                <a16:creationId xmlns:a16="http://schemas.microsoft.com/office/drawing/2014/main" id="{3FC59BB5-D8F4-415F-7B5A-08237D77B2CB}"/>
+              </a:ext>
+            </a:extLst>
+          </p:cNvPr>
+          <p:cNvGrpSpPr/>
+          <p:nvPr/>
+        </p:nvGrpSpPr>
+        <p:grpSpPr>
+          <a:xfrm>
+            <a:off x="-154282" y="0"/>
+            <a:ext cx="14365582" cy="6858000"/>
+            <a:chOff x="-154282" y="0"/>
+            <a:chExt cx="4111664" cy="6858000"/>
+          </a:xfrm>
+        </p:grpSpPr>
+        <p:sp>
+          <p:nvSpPr>
+            <p:cNvPr id="9" name="Rectángulo: esquinas redondeadas 8">
+              <a:extLst>
+                <a:ext uri="{FF2B5EF4-FFF2-40B4-BE49-F238E27FC236}">
+                  <a16:creationId xmlns:a16="http://schemas.microsoft.com/office/drawing/2014/main" id="{3B37CB4E-F178-8E26-5EE6-F061FE316C6A}"/>
+                </a:ext>
+              </a:extLst>
+            </p:cNvPr>
+            <p:cNvSpPr/>
+            <p:nvPr/>
+          </p:nvSpPr>
+          <p:spPr>
+            <a:xfrm>
+              <a:off x="-154282" y="0"/>
+              <a:ext cx="3781778" cy="6858000"/>
+            </a:xfrm>
+            <a:prstGeom prst="roundRect">
+              <a:avLst/>
+            </a:prstGeom>
+            <a:ln>
+              <a:noFill/>
+            </a:ln>
+          </p:spPr>
+          <p:style>
+            <a:lnRef idx="2">
+              <a:schemeClr val="accent2">
+                <a:shade val="15000"/>
+              </a:schemeClr>
+            </a:lnRef>
+            <a:fillRef idx="1">
+              <a:schemeClr val="accent2"/>
+            </a:fillRef>
+            <a:effectRef idx="0">
+              <a:schemeClr val="accent2"/>
+            </a:effectRef>
+            <a:fontRef idx="minor">
+              <a:schemeClr val="lt1"/>
+            </a:fontRef>
+          </p:style>
+          <p:txBody>
+            <a:bodyPr rtlCol="0" anchor="ctr"/>
+            <a:lstStyle/>
+            <a:p>
+              <a:pPr algn="ctr"/>
+              <a:endParaRPr lang="es-MX"/>
+            </a:p>
+          </p:txBody>
+        </p:sp>
+        <p:sp>
+          <p:nvSpPr>
+            <p:cNvPr id="16" name="Rectángulo: esquinas redondeadas 15">
+              <a:extLst>
+                <a:ext uri="{FF2B5EF4-FFF2-40B4-BE49-F238E27FC236}">
+                  <a16:creationId xmlns:a16="http://schemas.microsoft.com/office/drawing/2014/main" id="{CC2E6CFE-6BAC-6C20-684A-2583C030ADE6}"/>
+                </a:ext>
+              </a:extLst>
+            </p:cNvPr>
+            <p:cNvSpPr/>
+            <p:nvPr/>
+          </p:nvSpPr>
+          <p:spPr>
+            <a:xfrm>
+              <a:off x="3319558" y="2534356"/>
+              <a:ext cx="637824" cy="699911"/>
+            </a:xfrm>
+            <a:prstGeom prst="roundRect">
+              <a:avLst/>
+            </a:prstGeom>
+            <a:ln>
+              <a:noFill/>
+            </a:ln>
+          </p:spPr>
+          <p:style>
+            <a:lnRef idx="2">
+              <a:schemeClr val="accent2">
+                <a:shade val="15000"/>
+              </a:schemeClr>
+            </a:lnRef>
+            <a:fillRef idx="1">
+              <a:schemeClr val="accent2"/>
+            </a:fillRef>
+            <a:effectRef idx="0">
+              <a:schemeClr val="accent2"/>
+            </a:effectRef>
+            <a:fontRef idx="minor">
+              <a:schemeClr val="lt1"/>
+            </a:fontRef>
+          </p:style>
+          <p:txBody>
+            <a:bodyPr rtlCol="0" anchor="ctr"/>
+            <a:lstStyle/>
+            <a:p>
+              <a:pPr algn="ctr"/>
+              <a:endParaRPr lang="es-MX" dirty="0"/>
+            </a:p>
+          </p:txBody>
+        </p:sp>
+      </p:grpSp>
+      <p:grpSp>
+        <p:nvGrpSpPr>
+          <p:cNvPr id="19" name="Grupo 18">
+            <a:extLst>
+              <a:ext uri="{FF2B5EF4-FFF2-40B4-BE49-F238E27FC236}">
+                <a16:creationId xmlns:a16="http://schemas.microsoft.com/office/drawing/2014/main" id="{16AA2F68-2133-D497-6736-79EEA97182EC}"/>
+              </a:ext>
+            </a:extLst>
+          </p:cNvPr>
+          <p:cNvGrpSpPr/>
+          <p:nvPr/>
+        </p:nvGrpSpPr>
+        <p:grpSpPr>
+          <a:xfrm>
+            <a:off x="-1204685" y="0"/>
+            <a:ext cx="15689942" cy="6858000"/>
+            <a:chOff x="-649111" y="0"/>
+            <a:chExt cx="4117151" cy="6858000"/>
+          </a:xfrm>
+        </p:grpSpPr>
+        <p:sp>
+          <p:nvSpPr>
+            <p:cNvPr id="10" name="Rectángulo: esquinas redondeadas 9">
+              <a:extLst>
+                <a:ext uri="{FF2B5EF4-FFF2-40B4-BE49-F238E27FC236}">
+                  <a16:creationId xmlns:a16="http://schemas.microsoft.com/office/drawing/2014/main" id="{7C406D7E-6005-C9AA-2890-5D7022EAAF4B}"/>
+                </a:ext>
+              </a:extLst>
+            </p:cNvPr>
+            <p:cNvSpPr/>
+            <p:nvPr/>
+          </p:nvSpPr>
+          <p:spPr>
+            <a:xfrm>
+              <a:off x="-649111" y="0"/>
+              <a:ext cx="3781778" cy="6858000"/>
+            </a:xfrm>
+            <a:prstGeom prst="roundRect">
+              <a:avLst/>
+            </a:prstGeom>
+            <a:ln>
+              <a:noFill/>
+            </a:ln>
+          </p:spPr>
+          <p:style>
+            <a:lnRef idx="2">
+              <a:schemeClr val="accent1">
+                <a:shade val="15000"/>
+              </a:schemeClr>
+            </a:lnRef>
+            <a:fillRef idx="1">
+              <a:schemeClr val="accent1"/>
+            </a:fillRef>
+            <a:effectRef idx="0">
+              <a:schemeClr val="accent1"/>
+            </a:effectRef>
+            <a:fontRef idx="minor">
+              <a:schemeClr val="lt1"/>
+            </a:fontRef>
+          </p:style>
+          <p:txBody>
+            <a:bodyPr rtlCol="0" anchor="ctr"/>
+            <a:lstStyle/>
+            <a:p>
+              <a:pPr algn="ctr"/>
+              <a:endParaRPr lang="es-MX" dirty="0"/>
+            </a:p>
+          </p:txBody>
+        </p:sp>
+        <p:sp>
+          <p:nvSpPr>
+            <p:cNvPr id="17" name="Rectángulo: esquinas redondeadas 16">
+              <a:extLst>
+                <a:ext uri="{FF2B5EF4-FFF2-40B4-BE49-F238E27FC236}">
+                  <a16:creationId xmlns:a16="http://schemas.microsoft.com/office/drawing/2014/main" id="{6CE9055A-8B12-2B6E-C6C8-76C3BDB0FD64}"/>
+                </a:ext>
+              </a:extLst>
+            </p:cNvPr>
+            <p:cNvSpPr/>
+            <p:nvPr/>
+          </p:nvSpPr>
+          <p:spPr>
+            <a:xfrm>
+              <a:off x="2830216" y="3429000"/>
+              <a:ext cx="637824" cy="699911"/>
+            </a:xfrm>
+            <a:prstGeom prst="roundRect">
+              <a:avLst/>
+            </a:prstGeom>
+            <a:ln>
+              <a:noFill/>
+            </a:ln>
+          </p:spPr>
+          <p:style>
+            <a:lnRef idx="2">
+              <a:schemeClr val="accent1">
+                <a:shade val="15000"/>
+              </a:schemeClr>
+            </a:lnRef>
+            <a:fillRef idx="1">
+              <a:schemeClr val="accent1"/>
+            </a:fillRef>
+            <a:effectRef idx="0">
+              <a:schemeClr val="accent1"/>
+            </a:effectRef>
+            <a:fontRef idx="minor">
+              <a:schemeClr val="lt1"/>
+            </a:fontRef>
+          </p:style>
+          <p:txBody>
+            <a:bodyPr rtlCol="0" anchor="ctr"/>
+            <a:lstStyle/>
+            <a:p>
+              <a:pPr algn="ctr"/>
+              <a:endParaRPr lang="es-MX"/>
+            </a:p>
+          </p:txBody>
+        </p:sp>
+      </p:grpSp>
+      <p:sp>
+        <p:nvSpPr>
+          <p:cNvPr id="3" name="Título 1">
+            <a:extLst>
+              <a:ext uri="{FF2B5EF4-FFF2-40B4-BE49-F238E27FC236}">
+                <a16:creationId xmlns:a16="http://schemas.microsoft.com/office/drawing/2014/main" id="{98A48CA7-2ABC-4701-6B2B-942770FB947E}"/>
+              </a:ext>
+            </a:extLst>
+          </p:cNvPr>
+          <p:cNvSpPr txBox="1">
+            <a:spLocks/>
+          </p:cNvSpPr>
+          <p:nvPr/>
+        </p:nvSpPr>
+        <p:spPr>
+          <a:xfrm>
+            <a:off x="3466503" y="204036"/>
+            <a:ext cx="5418689" cy="562200"/>
+          </a:xfrm>
+          <a:prstGeom prst="rect">
+            <a:avLst/>
+          </a:prstGeom>
+        </p:spPr>
+        <p:txBody>
+          <a:bodyPr/>
+          <a:lstStyle>
+            <a:lvl1pPr algn="l" defTabSz="457200" rtl="0" eaLnBrk="1" latinLnBrk="0" hangingPunct="1">
+              <a:spcBef>
+                <a:spcPct val="0"/>
+              </a:spcBef>
+              <a:buNone/>
+              <a:defRPr sz="2800" b="0" kern="1200" cap="all">
+                <a:solidFill>
+                  <a:schemeClr val="bg1"/>
+                </a:solidFill>
+                <a:latin typeface="+mj-lt"/>
+                <a:ea typeface="+mj-ea"/>
+                <a:cs typeface="+mj-cs"/>
+              </a:defRPr>
+            </a:lvl1pPr>
+            <a:lvl2pPr eaLnBrk="1" hangingPunct="1">
+              <a:defRPr>
+                <a:solidFill>
+                  <a:schemeClr val="tx2"/>
+                </a:solidFill>
+              </a:defRPr>
+            </a:lvl2pPr>
+            <a:lvl3pPr eaLnBrk="1" hangingPunct="1">
+              <a:defRPr>
+                <a:solidFill>
+                  <a:schemeClr val="tx2"/>
+                </a:solidFill>
+              </a:defRPr>
+            </a:lvl3pPr>
+            <a:lvl4pPr eaLnBrk="1" hangingPunct="1">
+              <a:defRPr>
+                <a:solidFill>
+                  <a:schemeClr val="tx2"/>
+                </a:solidFill>
+              </a:defRPr>
+            </a:lvl4pPr>
+            <a:lvl5pPr eaLnBrk="1" hangingPunct="1">
+              <a:defRPr>
+                <a:solidFill>
+                  <a:schemeClr val="tx2"/>
+                </a:solidFill>
+              </a:defRPr>
+            </a:lvl5pPr>
+            <a:lvl6pPr eaLnBrk="1" hangingPunct="1">
+              <a:defRPr>
+                <a:solidFill>
+                  <a:schemeClr val="tx2"/>
+                </a:solidFill>
+              </a:defRPr>
+            </a:lvl6pPr>
+            <a:lvl7pPr eaLnBrk="1" hangingPunct="1">
+              <a:defRPr>
+                <a:solidFill>
+                  <a:schemeClr val="tx2"/>
+                </a:solidFill>
+              </a:defRPr>
+            </a:lvl7pPr>
+            <a:lvl8pPr eaLnBrk="1" hangingPunct="1">
+              <a:defRPr>
+                <a:solidFill>
+                  <a:schemeClr val="tx2"/>
+                </a:solidFill>
+              </a:defRPr>
+            </a:lvl8pPr>
+            <a:lvl9pPr eaLnBrk="1" hangingPunct="1">
+              <a:defRPr>
+                <a:solidFill>
+                  <a:schemeClr val="tx2"/>
+                </a:solidFill>
+              </a:defRPr>
+            </a:lvl9pPr>
+          </a:lstStyle>
+          <a:p>
+            <a:pPr algn="ctr"/>
+            <a:r>
+              <a:rPr lang="es-MX" sz="3200" dirty="0">
+                <a:solidFill>
+                  <a:schemeClr val="tx1"/>
+                </a:solidFill>
+              </a:rPr>
+              <a:t>Máscara termoplástica</a:t>
+            </a:r>
+          </a:p>
+        </p:txBody>
+      </p:sp>
+      <p:pic>
+        <p:nvPicPr>
+          <p:cNvPr id="5" name="Imagen 4">
+            <a:extLst>
+              <a:ext uri="{FF2B5EF4-FFF2-40B4-BE49-F238E27FC236}">
+                <a16:creationId xmlns:a16="http://schemas.microsoft.com/office/drawing/2014/main" id="{2641A04C-ADB9-7CD4-351F-1D0A7E7A3552}"/>
+              </a:ext>
+            </a:extLst>
+          </p:cNvPr>
+          <p:cNvPicPr>
+            <a:picLocks noChangeAspect="1"/>
+          </p:cNvPicPr>
+          <p:nvPr/>
+        </p:nvPicPr>
+        <p:blipFill>
+          <a:blip r:embed="rId2"/>
+          <a:srcRect l="3520" t="18994" r="2466" b="11004"/>
+          <a:stretch/>
+        </p:blipFill>
+        <p:spPr>
+          <a:xfrm>
+            <a:off x="978737" y="2448809"/>
+            <a:ext cx="4140000" cy="3082602"/>
+          </a:xfrm>
+          <a:prstGeom prst="rect">
+            <a:avLst/>
+          </a:prstGeom>
+        </p:spPr>
+      </p:pic>
+      <p:sp>
+        <p:nvSpPr>
+          <p:cNvPr id="6" name="Título 1">
+            <a:extLst>
+              <a:ext uri="{FF2B5EF4-FFF2-40B4-BE49-F238E27FC236}">
+                <a16:creationId xmlns:a16="http://schemas.microsoft.com/office/drawing/2014/main" id="{3BA94128-AC9A-9F4A-719C-5903014C8903}"/>
+              </a:ext>
+            </a:extLst>
+          </p:cNvPr>
+          <p:cNvSpPr txBox="1">
+            <a:spLocks/>
+          </p:cNvSpPr>
+          <p:nvPr/>
+        </p:nvSpPr>
+        <p:spPr>
+          <a:xfrm>
+            <a:off x="1083765" y="1358612"/>
+            <a:ext cx="3929945" cy="562200"/>
+          </a:xfrm>
+          <a:prstGeom prst="rect">
+            <a:avLst/>
+          </a:prstGeom>
+        </p:spPr>
+        <p:txBody>
+          <a:bodyPr/>
+          <a:lstStyle>
+            <a:lvl1pPr algn="l" defTabSz="457200" rtl="0" eaLnBrk="1" latinLnBrk="0" hangingPunct="1">
+              <a:spcBef>
+                <a:spcPct val="0"/>
+              </a:spcBef>
+              <a:buNone/>
+              <a:defRPr sz="2800" b="0" kern="1200" cap="all">
+                <a:solidFill>
+                  <a:schemeClr val="bg1"/>
+                </a:solidFill>
+                <a:latin typeface="+mj-lt"/>
+                <a:ea typeface="+mj-ea"/>
+                <a:cs typeface="+mj-cs"/>
+              </a:defRPr>
+            </a:lvl1pPr>
+            <a:lvl2pPr eaLnBrk="1" hangingPunct="1">
+              <a:defRPr>
+                <a:solidFill>
+                  <a:schemeClr val="tx2"/>
+                </a:solidFill>
+              </a:defRPr>
+            </a:lvl2pPr>
+            <a:lvl3pPr eaLnBrk="1" hangingPunct="1">
+              <a:defRPr>
+                <a:solidFill>
+                  <a:schemeClr val="tx2"/>
+                </a:solidFill>
+              </a:defRPr>
+            </a:lvl3pPr>
+            <a:lvl4pPr eaLnBrk="1" hangingPunct="1">
+              <a:defRPr>
+                <a:solidFill>
+                  <a:schemeClr val="tx2"/>
+                </a:solidFill>
+              </a:defRPr>
+            </a:lvl4pPr>
+            <a:lvl5pPr eaLnBrk="1" hangingPunct="1">
+              <a:defRPr>
+                <a:solidFill>
+                  <a:schemeClr val="tx2"/>
+                </a:solidFill>
+              </a:defRPr>
+            </a:lvl5pPr>
+            <a:lvl6pPr eaLnBrk="1" hangingPunct="1">
+              <a:defRPr>
+                <a:solidFill>
+                  <a:schemeClr val="tx2"/>
+                </a:solidFill>
+              </a:defRPr>
+            </a:lvl6pPr>
+            <a:lvl7pPr eaLnBrk="1" hangingPunct="1">
+              <a:defRPr>
+                <a:solidFill>
+                  <a:schemeClr val="tx2"/>
+                </a:solidFill>
+              </a:defRPr>
+            </a:lvl7pPr>
+            <a:lvl8pPr eaLnBrk="1" hangingPunct="1">
+              <a:defRPr>
+                <a:solidFill>
+                  <a:schemeClr val="tx2"/>
+                </a:solidFill>
+              </a:defRPr>
+            </a:lvl8pPr>
+            <a:lvl9pPr eaLnBrk="1" hangingPunct="1">
+              <a:defRPr>
+                <a:solidFill>
+                  <a:schemeClr val="tx2"/>
+                </a:solidFill>
+              </a:defRPr>
+            </a:lvl9pPr>
+          </a:lstStyle>
+          <a:p>
+            <a:pPr algn="ctr"/>
+            <a:r>
+              <a:rPr lang="es-MX" i="1" dirty="0">
+                <a:solidFill>
+                  <a:schemeClr val="tx1"/>
+                </a:solidFill>
+              </a:rPr>
+              <a:t>termoplástico </a:t>
+            </a:r>
+            <a:r>
+              <a:rPr lang="es-MX" i="1" dirty="0" err="1">
+                <a:solidFill>
+                  <a:schemeClr val="tx1"/>
+                </a:solidFill>
+              </a:rPr>
+              <a:t>nanor</a:t>
+            </a:r>
+            <a:endParaRPr lang="es-MX" i="1" dirty="0">
+              <a:solidFill>
+                <a:schemeClr val="tx1"/>
+              </a:solidFill>
+            </a:endParaRPr>
+          </a:p>
+        </p:txBody>
+      </p:sp>
+      <p:sp>
+        <p:nvSpPr>
+          <p:cNvPr id="11" name="CuadroTexto 10">
+            <a:extLst>
+              <a:ext uri="{FF2B5EF4-FFF2-40B4-BE49-F238E27FC236}">
+                <a16:creationId xmlns:a16="http://schemas.microsoft.com/office/drawing/2014/main" id="{5FBFC360-8BA9-7ABA-9A51-77882B5C3E38}"/>
+              </a:ext>
+            </a:extLst>
+          </p:cNvPr>
+          <p:cNvSpPr txBox="1"/>
+          <p:nvPr/>
+        </p:nvSpPr>
+        <p:spPr>
+          <a:xfrm>
+            <a:off x="1912858" y="5854131"/>
+            <a:ext cx="2271758" cy="369332"/>
+          </a:xfrm>
+          <a:prstGeom prst="rect">
+            <a:avLst/>
+          </a:prstGeom>
+          <a:noFill/>
+        </p:spPr>
+        <p:txBody>
+          <a:bodyPr wrap="square">
+            <a:spAutoFit/>
+          </a:bodyPr>
+          <a:lstStyle/>
+          <a:p>
+            <a:pPr algn="ctr"/>
+            <a:r>
+              <a:rPr lang="es-MX" sz="1800" i="1" dirty="0">
+                <a:solidFill>
+                  <a:schemeClr val="tx1"/>
+                </a:solidFill>
+              </a:rPr>
+              <a:t>3 puntos, orificio boca</a:t>
+            </a:r>
+          </a:p>
+        </p:txBody>
+      </p:sp>
+      <p:pic>
+        <p:nvPicPr>
+          <p:cNvPr id="13" name="Imagen 12">
+            <a:extLst>
+              <a:ext uri="{FF2B5EF4-FFF2-40B4-BE49-F238E27FC236}">
+                <a16:creationId xmlns:a16="http://schemas.microsoft.com/office/drawing/2014/main" id="{AF6D86DD-F092-8243-70B0-5D5D8D45437A}"/>
+              </a:ext>
+            </a:extLst>
+          </p:cNvPr>
+          <p:cNvPicPr>
+            <a:picLocks noChangeAspect="1"/>
+          </p:cNvPicPr>
+          <p:nvPr/>
+        </p:nvPicPr>
+        <p:blipFill>
+          <a:blip r:embed="rId3"/>
+          <a:stretch>
+            <a:fillRect/>
+          </a:stretch>
+        </p:blipFill>
+        <p:spPr>
+          <a:xfrm>
+            <a:off x="7218542" y="2080924"/>
+            <a:ext cx="3800000" cy="3600000"/>
+          </a:xfrm>
+          <a:prstGeom prst="rect">
+            <a:avLst/>
+          </a:prstGeom>
+        </p:spPr>
+      </p:pic>
+      <p:sp>
+        <p:nvSpPr>
+          <p:cNvPr id="24" name="Título 1">
+            <a:extLst>
+              <a:ext uri="{FF2B5EF4-FFF2-40B4-BE49-F238E27FC236}">
+                <a16:creationId xmlns:a16="http://schemas.microsoft.com/office/drawing/2014/main" id="{4998A74C-0ECD-F6E7-0193-AF766F9A952E}"/>
+              </a:ext>
+            </a:extLst>
+          </p:cNvPr>
+          <p:cNvSpPr txBox="1">
+            <a:spLocks/>
+          </p:cNvSpPr>
+          <p:nvPr/>
+        </p:nvSpPr>
+        <p:spPr>
+          <a:xfrm>
+            <a:off x="7218542" y="1358612"/>
+            <a:ext cx="3800000" cy="562200"/>
+          </a:xfrm>
+          <a:prstGeom prst="rect">
+            <a:avLst/>
+          </a:prstGeom>
+        </p:spPr>
+        <p:txBody>
+          <a:bodyPr/>
+          <a:lstStyle>
+            <a:lvl1pPr algn="l" defTabSz="457200" rtl="0" eaLnBrk="1" latinLnBrk="0" hangingPunct="1">
+              <a:spcBef>
+                <a:spcPct val="0"/>
+              </a:spcBef>
+              <a:buNone/>
+              <a:defRPr sz="2800" b="0" kern="1200" cap="all">
+                <a:solidFill>
+                  <a:schemeClr val="bg1"/>
+                </a:solidFill>
+                <a:latin typeface="+mj-lt"/>
+                <a:ea typeface="+mj-ea"/>
+                <a:cs typeface="+mj-cs"/>
+              </a:defRPr>
+            </a:lvl1pPr>
+            <a:lvl2pPr eaLnBrk="1" hangingPunct="1">
+              <a:defRPr>
+                <a:solidFill>
+                  <a:schemeClr val="tx2"/>
+                </a:solidFill>
+              </a:defRPr>
+            </a:lvl2pPr>
+            <a:lvl3pPr eaLnBrk="1" hangingPunct="1">
+              <a:defRPr>
+                <a:solidFill>
+                  <a:schemeClr val="tx2"/>
+                </a:solidFill>
+              </a:defRPr>
+            </a:lvl3pPr>
+            <a:lvl4pPr eaLnBrk="1" hangingPunct="1">
+              <a:defRPr>
+                <a:solidFill>
+                  <a:schemeClr val="tx2"/>
+                </a:solidFill>
+              </a:defRPr>
+            </a:lvl4pPr>
+            <a:lvl5pPr eaLnBrk="1" hangingPunct="1">
+              <a:defRPr>
+                <a:solidFill>
+                  <a:schemeClr val="tx2"/>
+                </a:solidFill>
+              </a:defRPr>
+            </a:lvl5pPr>
+            <a:lvl6pPr eaLnBrk="1" hangingPunct="1">
+              <a:defRPr>
+                <a:solidFill>
+                  <a:schemeClr val="tx2"/>
+                </a:solidFill>
+              </a:defRPr>
+            </a:lvl6pPr>
+            <a:lvl7pPr eaLnBrk="1" hangingPunct="1">
+              <a:defRPr>
+                <a:solidFill>
+                  <a:schemeClr val="tx2"/>
+                </a:solidFill>
+              </a:defRPr>
+            </a:lvl7pPr>
+            <a:lvl8pPr eaLnBrk="1" hangingPunct="1">
+              <a:defRPr>
+                <a:solidFill>
+                  <a:schemeClr val="tx2"/>
+                </a:solidFill>
+              </a:defRPr>
+            </a:lvl8pPr>
+            <a:lvl9pPr eaLnBrk="1" hangingPunct="1">
+              <a:defRPr>
+                <a:solidFill>
+                  <a:schemeClr val="tx2"/>
+                </a:solidFill>
+              </a:defRPr>
+            </a:lvl9pPr>
+          </a:lstStyle>
+          <a:p>
+            <a:pPr algn="ctr"/>
+            <a:r>
+              <a:rPr lang="es-MX" i="1" dirty="0">
+                <a:solidFill>
+                  <a:schemeClr val="tx1"/>
+                </a:solidFill>
+              </a:rPr>
+              <a:t>Termoplástico </a:t>
+            </a:r>
+            <a:r>
+              <a:rPr lang="es-MX" i="1" dirty="0" err="1">
+                <a:solidFill>
+                  <a:schemeClr val="tx1"/>
+                </a:solidFill>
+              </a:rPr>
+              <a:t>green</a:t>
+            </a:r>
+            <a:endParaRPr lang="es-MX" i="1" dirty="0">
+              <a:solidFill>
+                <a:schemeClr val="tx1"/>
+              </a:solidFill>
+            </a:endParaRPr>
+          </a:p>
+        </p:txBody>
+      </p:sp>
+      <p:sp>
+        <p:nvSpPr>
+          <p:cNvPr id="25" name="CuadroTexto 24">
+            <a:extLst>
+              <a:ext uri="{FF2B5EF4-FFF2-40B4-BE49-F238E27FC236}">
+                <a16:creationId xmlns:a16="http://schemas.microsoft.com/office/drawing/2014/main" id="{4906DAA2-42AD-2A2A-22B2-A783862A7BC4}"/>
+              </a:ext>
+            </a:extLst>
+          </p:cNvPr>
+          <p:cNvSpPr txBox="1"/>
+          <p:nvPr/>
+        </p:nvSpPr>
+        <p:spPr>
+          <a:xfrm>
+            <a:off x="7614448" y="5715632"/>
+            <a:ext cx="3008188" cy="646331"/>
+          </a:xfrm>
+          <a:prstGeom prst="rect">
+            <a:avLst/>
+          </a:prstGeom>
+          <a:noFill/>
+        </p:spPr>
+        <p:txBody>
+          <a:bodyPr wrap="square">
+            <a:spAutoFit/>
+          </a:bodyPr>
+          <a:lstStyle/>
+          <a:p>
+            <a:pPr algn="ctr"/>
+            <a:r>
+              <a:rPr lang="es-MX" sz="1800" i="1" dirty="0">
+                <a:solidFill>
+                  <a:schemeClr val="tx1"/>
+                </a:solidFill>
+              </a:rPr>
+              <a:t>Tipo O con escote redondeado y orificio de nariz. </a:t>
+            </a:r>
+          </a:p>
+        </p:txBody>
+      </p:sp>
+    </p:spTree>
+    <p:extLst>
+      <p:ext uri="{BB962C8B-B14F-4D97-AF65-F5344CB8AC3E}">
+        <p14:creationId xmlns:p14="http://schemas.microsoft.com/office/powerpoint/2010/main" val="2878439821"/>
+      </p:ext>
+    </p:extLst>
+  </p:cSld>
+  <p:clrMapOvr>
+    <a:masterClrMapping/>
+  </p:clrMapOvr>
+  <mc:AlternateContent xmlns:mc="http://schemas.openxmlformats.org/markup-compatibility/2006">
+    <mc:Choice xmlns:p159="http://schemas.microsoft.com/office/powerpoint/2015/09/main" Requires="p159">
+      <p:transition xmlns:p14="http://schemas.microsoft.com/office/powerpoint/2010/main" spd="slow" p14:dur="2000">
+        <p159:morph option="byObject"/>
+      </p:transition>
+    </mc:Choice>
+    <mc:Fallback>
+      <p:transition spd="slow">
+        <p:fade/>
+      </p:transition>
+    </mc:Fallback>
+  </mc:AlternateContent>
 </p:sld>
 </file>
 
 <file path=ppt/theme/theme1.xml><?xml version="1.0" encoding="utf-8"?>
 <a:theme xmlns:a="http://schemas.openxmlformats.org/drawingml/2006/main" name="Dividendo">
   <a:themeElements>
-    <a:clrScheme name="Dividendo">
+    <a:clrScheme name="Verde azulado">
       <a:dk1>
         <a:sysClr val="windowText" lastClr="000000"/>
       </a:dk1>
@@ -4073,34 +10127,34 @@
         <a:sysClr val="window" lastClr="FFFFFF"/>
       </a:lt1>
       <a:dk2>
-        <a:srgbClr val="3D3D3D"/>
+        <a:srgbClr val="373545"/>
       </a:dk2>
       <a:lt2>
-        <a:srgbClr val="EBEBEB"/>
+        <a:srgbClr val="CEDBE6"/>
       </a:lt2>
       <a:accent1>
-        <a:srgbClr val="4D1434"/>
+        <a:srgbClr val="3494BA"/>
       </a:accent1>
       <a:accent2>
-        <a:srgbClr val="903163"/>
+        <a:srgbClr val="58B6C0"/>
       </a:accent2>
       <a:accent3>
-        <a:srgbClr val="B2324B"/>
+        <a:srgbClr val="75BDA7"/>
       </a:accent3>
       <a:accent4>
-        <a:srgbClr val="969FA7"/>
+        <a:srgbClr val="7A8C8E"/>
       </a:accent4>
       <a:accent5>
-        <a:srgbClr val="66B1CE"/>
+        <a:srgbClr val="84ACB6"/>
       </a:accent5>
       <a:accent6>
-        <a:srgbClr val="40619D"/>
+        <a:srgbClr val="2683C6"/>
       </a:accent6>
       <a:hlink>
-        <a:srgbClr val="828282"/>
+        <a:srgbClr val="6B9F25"/>
       </a:hlink>
       <a:folHlink>
-        <a:srgbClr val="A5A5A5"/>
+        <a:srgbClr val="9F6715"/>
       </a:folHlink>
     </a:clrScheme>
     <a:fontScheme name="Dividendo">
@@ -4325,7 +10379,7 @@
   <a:extraClrSchemeLst/>
   <a:extLst>
     <a:ext uri="{05A4C25C-085E-4340-85A3-A5531E510DB2}">
-      <thm15:themeFamily xmlns:thm15="http://schemas.microsoft.com/office/thememl/2012/main" name="Dividend" id="{9697A71B-4AB7-4A1A-BD5B-BB2D22835B57}" vid="{C21699FF-00E4-43C8-BBCC-D7E5536C3717}"/>
+      <thm15:themeFamily xmlns:thm15="http://schemas.microsoft.com/office/thememl/2012/main" name="Dividend" id="{9697A71B-4AB7-4A1A-BD5B-BB2D22835B57}" vid="{66F1C100-1D2B-4BEA-AD01-C4F230B3B965}"/>
     </a:ext>
   </a:extLst>
 </a:theme>
